--- a/葡萄酒品質預測.pptx
+++ b/葡萄酒品質預測.pptx
@@ -1,43 +1,43 @@
 
 <file path=ppt/presentation.xml><?xml version="1.0" encoding="utf-8"?>
-<p:presentation xmlns:a="http://schemas.openxmlformats.org/drawingml/2006/main" xmlns:r="http://schemas.openxmlformats.org/officeDocument/2006/relationships" xmlns:mc="http://schemas.openxmlformats.org/markup-compatibility/2006" xmlns:mv="urn:schemas-microsoft-com:mac:vml" xmlns:p="http://schemas.openxmlformats.org/presentationml/2006/main" xmlns:c="http://schemas.openxmlformats.org/drawingml/2006/chart" xmlns:dgm="http://schemas.openxmlformats.org/drawingml/2006/diagram" xmlns:o="urn:schemas-microsoft-com:office:office" xmlns:v="urn:schemas-microsoft-com:vml" xmlns:pvml="urn:schemas-microsoft-com:office:powerpoint" xmlns:com="http://schemas.openxmlformats.org/drawingml/2006/compatibility" xmlns:p14="http://schemas.microsoft.com/office/powerpoint/2010/main" xmlns:p15="http://schemas.microsoft.com/office/powerpoint/2012/main" xmlns:ahyp="http://schemas.microsoft.com/office/drawing/2018/hyperlinkcolor" autoCompressPictures="0" embedTrueTypeFonts="1" strictFirstAndLastChars="0" saveSubsetFonts="1">
+<p:presentation xmlns:a="http://schemas.openxmlformats.org/drawingml/2006/main" xmlns:r="http://schemas.openxmlformats.org/officeDocument/2006/relationships" xmlns:p="http://schemas.openxmlformats.org/presentationml/2006/main" strictFirstAndLastChars="0" embedTrueTypeFonts="1" saveSubsetFonts="1" autoCompressPictures="0">
   <p:sldMasterIdLst>
-    <p:sldMasterId id="2147483659" r:id="rId5"/>
+    <p:sldMasterId id="2147483659" r:id="rId1"/>
   </p:sldMasterIdLst>
   <p:notesMasterIdLst>
-    <p:notesMasterId r:id="rId6"/>
+    <p:notesMasterId r:id="rId13"/>
   </p:notesMasterIdLst>
   <p:sldIdLst>
-    <p:sldId id="256" r:id="rId7"/>
-    <p:sldId id="257" r:id="rId8"/>
-    <p:sldId id="258" r:id="rId9"/>
-    <p:sldId id="259" r:id="rId10"/>
-    <p:sldId id="260" r:id="rId11"/>
-    <p:sldId id="261" r:id="rId12"/>
-    <p:sldId id="262" r:id="rId13"/>
-    <p:sldId id="263" r:id="rId14"/>
-    <p:sldId id="264" r:id="rId15"/>
-    <p:sldId id="265" r:id="rId16"/>
-    <p:sldId id="266" r:id="rId17"/>
+    <p:sldId id="256" r:id="rId2"/>
+    <p:sldId id="257" r:id="rId3"/>
+    <p:sldId id="258" r:id="rId4"/>
+    <p:sldId id="259" r:id="rId5"/>
+    <p:sldId id="260" r:id="rId6"/>
+    <p:sldId id="261" r:id="rId7"/>
+    <p:sldId id="262" r:id="rId8"/>
+    <p:sldId id="263" r:id="rId9"/>
+    <p:sldId id="264" r:id="rId10"/>
+    <p:sldId id="265" r:id="rId11"/>
+    <p:sldId id="266" r:id="rId12"/>
   </p:sldIdLst>
-  <p:sldSz cy="5143500" cx="9144000"/>
+  <p:sldSz cx="9144000" cy="5143500" type="screen16x9"/>
   <p:notesSz cx="6858000" cy="9144000"/>
   <p:embeddedFontLst>
     <p:embeddedFont>
-      <p:font typeface="PT Sans Narrow"/>
+      <p:font typeface="Open Sans" panose="02020500000000000000" charset="0"/>
+      <p:regular r:id="rId14"/>
+      <p:bold r:id="rId15"/>
+      <p:italic r:id="rId16"/>
+      <p:boldItalic r:id="rId17"/>
+    </p:embeddedFont>
+    <p:embeddedFont>
+      <p:font typeface="PT Sans Narrow" panose="02020500000000000000" charset="0"/>
       <p:regular r:id="rId18"/>
       <p:bold r:id="rId19"/>
     </p:embeddedFont>
-    <p:embeddedFont>
-      <p:font typeface="Open Sans"/>
-      <p:regular r:id="rId20"/>
-      <p:bold r:id="rId21"/>
-      <p:italic r:id="rId22"/>
-      <p:boldItalic r:id="rId23"/>
-    </p:embeddedFont>
   </p:embeddedFontLst>
   <p:defaultTextStyle>
-    <a:defPPr lvl="0" marR="0" rtl="0" algn="l">
+    <a:defPPr marR="0" lvl="0" algn="l" rtl="0">
       <a:lnSpc>
         <a:spcPct val="100000"/>
       </a:lnSpc>
@@ -48,7 +48,7 @@
         <a:spcPts val="0"/>
       </a:spcAft>
     </a:defPPr>
-    <a:lvl1pPr lvl="0" marR="0" rtl="0" algn="l">
+    <a:lvl1pPr marR="0" lvl="0" algn="l" rtl="0">
       <a:lnSpc>
         <a:spcPct val="100000"/>
       </a:lnSpc>
@@ -62,7 +62,7 @@
         <a:srgbClr val="000000"/>
       </a:buClr>
       <a:buFont typeface="Arial"/>
-      <a:defRPr b="0" i="0" sz="1400" u="none" cap="none" strike="noStrike">
+      <a:defRPr sz="1400" b="0" i="0" u="none" strike="noStrike" cap="none">
         <a:solidFill>
           <a:srgbClr val="000000"/>
         </a:solidFill>
@@ -72,7 +72,7 @@
         <a:sym typeface="Arial"/>
       </a:defRPr>
     </a:lvl1pPr>
-    <a:lvl2pPr lvl="1" marR="0" rtl="0" algn="l">
+    <a:lvl2pPr marR="0" lvl="1" algn="l" rtl="0">
       <a:lnSpc>
         <a:spcPct val="100000"/>
       </a:lnSpc>
@@ -86,7 +86,7 @@
         <a:srgbClr val="000000"/>
       </a:buClr>
       <a:buFont typeface="Arial"/>
-      <a:defRPr b="0" i="0" sz="1400" u="none" cap="none" strike="noStrike">
+      <a:defRPr sz="1400" b="0" i="0" u="none" strike="noStrike" cap="none">
         <a:solidFill>
           <a:srgbClr val="000000"/>
         </a:solidFill>
@@ -96,7 +96,7 @@
         <a:sym typeface="Arial"/>
       </a:defRPr>
     </a:lvl2pPr>
-    <a:lvl3pPr lvl="2" marR="0" rtl="0" algn="l">
+    <a:lvl3pPr marR="0" lvl="2" algn="l" rtl="0">
       <a:lnSpc>
         <a:spcPct val="100000"/>
       </a:lnSpc>
@@ -110,7 +110,7 @@
         <a:srgbClr val="000000"/>
       </a:buClr>
       <a:buFont typeface="Arial"/>
-      <a:defRPr b="0" i="0" sz="1400" u="none" cap="none" strike="noStrike">
+      <a:defRPr sz="1400" b="0" i="0" u="none" strike="noStrike" cap="none">
         <a:solidFill>
           <a:srgbClr val="000000"/>
         </a:solidFill>
@@ -120,7 +120,7 @@
         <a:sym typeface="Arial"/>
       </a:defRPr>
     </a:lvl3pPr>
-    <a:lvl4pPr lvl="3" marR="0" rtl="0" algn="l">
+    <a:lvl4pPr marR="0" lvl="3" algn="l" rtl="0">
       <a:lnSpc>
         <a:spcPct val="100000"/>
       </a:lnSpc>
@@ -134,7 +134,7 @@
         <a:srgbClr val="000000"/>
       </a:buClr>
       <a:buFont typeface="Arial"/>
-      <a:defRPr b="0" i="0" sz="1400" u="none" cap="none" strike="noStrike">
+      <a:defRPr sz="1400" b="0" i="0" u="none" strike="noStrike" cap="none">
         <a:solidFill>
           <a:srgbClr val="000000"/>
         </a:solidFill>
@@ -144,7 +144,7 @@
         <a:sym typeface="Arial"/>
       </a:defRPr>
     </a:lvl4pPr>
-    <a:lvl5pPr lvl="4" marR="0" rtl="0" algn="l">
+    <a:lvl5pPr marR="0" lvl="4" algn="l" rtl="0">
       <a:lnSpc>
         <a:spcPct val="100000"/>
       </a:lnSpc>
@@ -158,7 +158,7 @@
         <a:srgbClr val="000000"/>
       </a:buClr>
       <a:buFont typeface="Arial"/>
-      <a:defRPr b="0" i="0" sz="1400" u="none" cap="none" strike="noStrike">
+      <a:defRPr sz="1400" b="0" i="0" u="none" strike="noStrike" cap="none">
         <a:solidFill>
           <a:srgbClr val="000000"/>
         </a:solidFill>
@@ -168,7 +168,7 @@
         <a:sym typeface="Arial"/>
       </a:defRPr>
     </a:lvl5pPr>
-    <a:lvl6pPr lvl="5" marR="0" rtl="0" algn="l">
+    <a:lvl6pPr marR="0" lvl="5" algn="l" rtl="0">
       <a:lnSpc>
         <a:spcPct val="100000"/>
       </a:lnSpc>
@@ -182,7 +182,7 @@
         <a:srgbClr val="000000"/>
       </a:buClr>
       <a:buFont typeface="Arial"/>
-      <a:defRPr b="0" i="0" sz="1400" u="none" cap="none" strike="noStrike">
+      <a:defRPr sz="1400" b="0" i="0" u="none" strike="noStrike" cap="none">
         <a:solidFill>
           <a:srgbClr val="000000"/>
         </a:solidFill>
@@ -192,7 +192,7 @@
         <a:sym typeface="Arial"/>
       </a:defRPr>
     </a:lvl6pPr>
-    <a:lvl7pPr lvl="6" marR="0" rtl="0" algn="l">
+    <a:lvl7pPr marR="0" lvl="6" algn="l" rtl="0">
       <a:lnSpc>
         <a:spcPct val="100000"/>
       </a:lnSpc>
@@ -206,7 +206,7 @@
         <a:srgbClr val="000000"/>
       </a:buClr>
       <a:buFont typeface="Arial"/>
-      <a:defRPr b="0" i="0" sz="1400" u="none" cap="none" strike="noStrike">
+      <a:defRPr sz="1400" b="0" i="0" u="none" strike="noStrike" cap="none">
         <a:solidFill>
           <a:srgbClr val="000000"/>
         </a:solidFill>
@@ -216,7 +216,7 @@
         <a:sym typeface="Arial"/>
       </a:defRPr>
     </a:lvl7pPr>
-    <a:lvl8pPr lvl="7" marR="0" rtl="0" algn="l">
+    <a:lvl8pPr marR="0" lvl="7" algn="l" rtl="0">
       <a:lnSpc>
         <a:spcPct val="100000"/>
       </a:lnSpc>
@@ -230,7 +230,7 @@
         <a:srgbClr val="000000"/>
       </a:buClr>
       <a:buFont typeface="Arial"/>
-      <a:defRPr b="0" i="0" sz="1400" u="none" cap="none" strike="noStrike">
+      <a:defRPr sz="1400" b="0" i="0" u="none" strike="noStrike" cap="none">
         <a:solidFill>
           <a:srgbClr val="000000"/>
         </a:solidFill>
@@ -240,7 +240,7 @@
         <a:sym typeface="Arial"/>
       </a:defRPr>
     </a:lvl8pPr>
-    <a:lvl9pPr lvl="8" marR="0" rtl="0" algn="l">
+    <a:lvl9pPr marR="0" lvl="8" algn="l" rtl="0">
       <a:lnSpc>
         <a:spcPct val="100000"/>
       </a:lnSpc>
@@ -254,7 +254,7 @@
         <a:srgbClr val="000000"/>
       </a:buClr>
       <a:buFont typeface="Arial"/>
-      <a:defRPr b="0" i="0" sz="1400" u="none" cap="none" strike="noStrike">
+      <a:defRPr sz="1400" b="0" i="0" u="none" strike="noStrike" cap="none">
         <a:solidFill>
           <a:srgbClr val="000000"/>
         </a:solidFill>
@@ -267,7 +267,7 @@
   </p:defaultTextStyle>
   <p:extLst>
     <p:ext uri="{EFAFB233-063F-42B5-8137-9DF3F51BA10A}">
-      <p15:sldGuideLst>
+      <p15:sldGuideLst xmlns:p15="http://schemas.microsoft.com/office/powerpoint/2012/main">
         <p15:guide id="1" orient="horz" pos="1620">
           <p15:clr>
             <a:srgbClr val="A4A3A4"/>
@@ -285,11 +285,16 @@
 </file>
 
 <file path=ppt/notesMasters/notesMaster1.xml><?xml version="1.0" encoding="utf-8"?>
-<p:notesMaster xmlns:a="http://schemas.openxmlformats.org/drawingml/2006/main" xmlns:r="http://schemas.openxmlformats.org/officeDocument/2006/relationships" xmlns:mc="http://schemas.openxmlformats.org/markup-compatibility/2006" xmlns:mv="urn:schemas-microsoft-com:mac:vml" xmlns:p="http://schemas.openxmlformats.org/presentationml/2006/main" xmlns:c="http://schemas.openxmlformats.org/drawingml/2006/chart" xmlns:dgm="http://schemas.openxmlformats.org/drawingml/2006/diagram" xmlns:o="urn:schemas-microsoft-com:office:office" xmlns:v="urn:schemas-microsoft-com:vml" xmlns:pvml="urn:schemas-microsoft-com:office:powerpoint" xmlns:com="http://schemas.openxmlformats.org/drawingml/2006/compatibility" xmlns:p14="http://schemas.microsoft.com/office/powerpoint/2010/main" xmlns:p15="http://schemas.microsoft.com/office/powerpoint/2012/main" xmlns:ahyp="http://schemas.microsoft.com/office/drawing/2018/hyperlinkcolor">
+<p:notesMaster xmlns:a="http://schemas.openxmlformats.org/drawingml/2006/main" xmlns:r="http://schemas.openxmlformats.org/officeDocument/2006/relationships" xmlns:p="http://schemas.openxmlformats.org/presentationml/2006/main">
   <p:cSld>
+    <p:bg>
+      <p:bgRef idx="1001">
+        <a:schemeClr val="bg1"/>
+      </p:bgRef>
+    </p:bg>
     <p:spTree>
       <p:nvGrpSpPr>
-        <p:cNvPr id="2" name="Shape 2"/>
+        <p:cNvPr id="1" name="Shape 2"/>
         <p:cNvGrpSpPr/>
         <p:nvPr/>
       </p:nvGrpSpPr>
@@ -304,9 +309,11 @@
       <p:sp>
         <p:nvSpPr>
           <p:cNvPr id="3" name="Google Shape;3;n"/>
-          <p:cNvSpPr/>
+          <p:cNvSpPr>
+            <a:spLocks noGrp="1" noRot="1" noChangeAspect="1"/>
+          </p:cNvSpPr>
           <p:nvPr>
-            <p:ph idx="2" type="sldImg"/>
+            <p:ph type="sldImg" idx="2"/>
           </p:nvPr>
         </p:nvSpPr>
         <p:spPr>
@@ -315,9 +322,13 @@
             <a:ext cx="6096075" cy="3429000"/>
           </a:xfrm>
           <a:custGeom>
-            <a:rect b="b" l="l" r="r" t="t"/>
+            <a:avLst/>
+            <a:gdLst/>
+            <a:ahLst/>
+            <a:cxnLst/>
+            <a:rect l="l" t="t" r="r" b="b"/>
             <a:pathLst>
-              <a:path extrusionOk="0" h="120000" w="120000">
+              <a:path w="120000" h="120000" extrusionOk="0">
                 <a:moveTo>
                   <a:pt x="0" y="0"/>
                 </a:moveTo>
@@ -335,23 +346,25 @@
             </a:pathLst>
           </a:custGeom>
           <a:noFill/>
-          <a:ln cap="flat" cmpd="sng" w="9525">
+          <a:ln w="9525" cap="flat" cmpd="sng">
             <a:solidFill>
               <a:srgbClr val="000000"/>
             </a:solidFill>
             <a:prstDash val="solid"/>
             <a:round/>
-            <a:headEnd len="sm" w="sm" type="none"/>
-            <a:tailEnd len="sm" w="sm" type="none"/>
+            <a:headEnd type="none" w="sm" len="sm"/>
+            <a:tailEnd type="none" w="sm" len="sm"/>
           </a:ln>
         </p:spPr>
       </p:sp>
       <p:sp>
         <p:nvSpPr>
           <p:cNvPr id="4" name="Google Shape;4;n"/>
-          <p:cNvSpPr txBox="1"/>
+          <p:cNvSpPr txBox="1">
+            <a:spLocks noGrp="1"/>
+          </p:cNvSpPr>
           <p:nvPr>
-            <p:ph idx="1" type="body"/>
+            <p:ph type="body" idx="1"/>
           </p:nvPr>
         </p:nvSpPr>
         <p:spPr>
@@ -368,11 +381,11 @@
           </a:ln>
         </p:spPr>
         <p:txBody>
-          <a:bodyPr anchorCtr="0" anchor="t" bIns="91425" lIns="91425" spcFirstLastPara="1" rIns="91425" wrap="square" tIns="91425">
+          <a:bodyPr spcFirstLastPara="1" wrap="square" lIns="91425" tIns="91425" rIns="91425" bIns="91425" anchor="t" anchorCtr="0">
             <a:noAutofit/>
           </a:bodyPr>
           <a:lstStyle>
-            <a:lvl1pPr indent="-298450" lvl="0" marL="457200">
+            <a:lvl1pPr marL="457200" lvl="0" indent="-298450">
               <a:spcBef>
                 <a:spcPts val="0"/>
               </a:spcBef>
@@ -383,7 +396,7 @@
               <a:buChar char="●"/>
               <a:defRPr sz="1100"/>
             </a:lvl1pPr>
-            <a:lvl2pPr indent="-298450" lvl="1" marL="914400">
+            <a:lvl2pPr marL="914400" lvl="1" indent="-298450">
               <a:spcBef>
                 <a:spcPts val="0"/>
               </a:spcBef>
@@ -394,7 +407,7 @@
               <a:buChar char="○"/>
               <a:defRPr sz="1100"/>
             </a:lvl2pPr>
-            <a:lvl3pPr indent="-298450" lvl="2" marL="1371600">
+            <a:lvl3pPr marL="1371600" lvl="2" indent="-298450">
               <a:spcBef>
                 <a:spcPts val="0"/>
               </a:spcBef>
@@ -405,7 +418,7 @@
               <a:buChar char="■"/>
               <a:defRPr sz="1100"/>
             </a:lvl3pPr>
-            <a:lvl4pPr indent="-298450" lvl="3" marL="1828800">
+            <a:lvl4pPr marL="1828800" lvl="3" indent="-298450">
               <a:spcBef>
                 <a:spcPts val="0"/>
               </a:spcBef>
@@ -416,7 +429,7 @@
               <a:buChar char="●"/>
               <a:defRPr sz="1100"/>
             </a:lvl4pPr>
-            <a:lvl5pPr indent="-298450" lvl="4" marL="2286000">
+            <a:lvl5pPr marL="2286000" lvl="4" indent="-298450">
               <a:spcBef>
                 <a:spcPts val="0"/>
               </a:spcBef>
@@ -427,7 +440,7 @@
               <a:buChar char="○"/>
               <a:defRPr sz="1100"/>
             </a:lvl5pPr>
-            <a:lvl6pPr indent="-298450" lvl="5" marL="2743200">
+            <a:lvl6pPr marL="2743200" lvl="5" indent="-298450">
               <a:spcBef>
                 <a:spcPts val="0"/>
               </a:spcBef>
@@ -438,7 +451,7 @@
               <a:buChar char="■"/>
               <a:defRPr sz="1100"/>
             </a:lvl6pPr>
-            <a:lvl7pPr indent="-298450" lvl="6" marL="3200400">
+            <a:lvl7pPr marL="3200400" lvl="6" indent="-298450">
               <a:spcBef>
                 <a:spcPts val="0"/>
               </a:spcBef>
@@ -449,7 +462,7 @@
               <a:buChar char="●"/>
               <a:defRPr sz="1100"/>
             </a:lvl7pPr>
-            <a:lvl8pPr indent="-298450" lvl="7" marL="3657600">
+            <a:lvl8pPr marL="3657600" lvl="7" indent="-298450">
               <a:spcBef>
                 <a:spcPts val="0"/>
               </a:spcBef>
@@ -460,7 +473,7 @@
               <a:buChar char="○"/>
               <a:defRPr sz="1100"/>
             </a:lvl8pPr>
-            <a:lvl9pPr indent="-298450" lvl="8" marL="4114800">
+            <a:lvl9pPr marL="4114800" lvl="8" indent="-298450">
               <a:spcBef>
                 <a:spcPts val="0"/>
               </a:spcBef>
@@ -472,14 +485,16 @@
               <a:defRPr sz="1100"/>
             </a:lvl9pPr>
           </a:lstStyle>
-          <a:p/>
+          <a:p>
+            <a:endParaRPr/>
+          </a:p>
         </p:txBody>
       </p:sp>
     </p:spTree>
   </p:cSld>
-  <p:clrMap accent1="accent1" accent2="accent2" accent3="accent3" accent4="accent4" accent5="accent5" accent6="accent6" bg1="lt1" bg2="dk2" tx1="dk1" tx2="lt2" folHlink="folHlink" hlink="hlink"/>
+  <p:clrMap bg1="lt1" tx1="dk1" bg2="dk2" tx2="lt2" accent1="accent1" accent2="accent2" accent3="accent3" accent4="accent4" accent5="accent5" accent6="accent6" hlink="hlink" folHlink="folHlink"/>
   <p:notesStyle>
-    <a:defPPr lvl="0" marR="0" rtl="0" algn="l">
+    <a:defPPr marR="0" lvl="0" algn="l" rtl="0">
       <a:lnSpc>
         <a:spcPct val="100000"/>
       </a:lnSpc>
@@ -490,7 +505,7 @@
         <a:spcPts val="0"/>
       </a:spcAft>
     </a:defPPr>
-    <a:lvl1pPr lvl="0" marR="0" rtl="0" algn="l">
+    <a:lvl1pPr marR="0" lvl="0" algn="l" rtl="0">
       <a:lnSpc>
         <a:spcPct val="100000"/>
       </a:lnSpc>
@@ -504,7 +519,7 @@
         <a:srgbClr val="000000"/>
       </a:buClr>
       <a:buFont typeface="Arial"/>
-      <a:defRPr b="0" i="0" sz="1400" u="none" cap="none" strike="noStrike">
+      <a:defRPr sz="1400" b="0" i="0" u="none" strike="noStrike" cap="none">
         <a:solidFill>
           <a:srgbClr val="000000"/>
         </a:solidFill>
@@ -514,7 +529,7 @@
         <a:sym typeface="Arial"/>
       </a:defRPr>
     </a:lvl1pPr>
-    <a:lvl2pPr lvl="1" marR="0" rtl="0" algn="l">
+    <a:lvl2pPr marR="0" lvl="1" algn="l" rtl="0">
       <a:lnSpc>
         <a:spcPct val="100000"/>
       </a:lnSpc>
@@ -528,7 +543,7 @@
         <a:srgbClr val="000000"/>
       </a:buClr>
       <a:buFont typeface="Arial"/>
-      <a:defRPr b="0" i="0" sz="1400" u="none" cap="none" strike="noStrike">
+      <a:defRPr sz="1400" b="0" i="0" u="none" strike="noStrike" cap="none">
         <a:solidFill>
           <a:srgbClr val="000000"/>
         </a:solidFill>
@@ -538,7 +553,7 @@
         <a:sym typeface="Arial"/>
       </a:defRPr>
     </a:lvl2pPr>
-    <a:lvl3pPr lvl="2" marR="0" rtl="0" algn="l">
+    <a:lvl3pPr marR="0" lvl="2" algn="l" rtl="0">
       <a:lnSpc>
         <a:spcPct val="100000"/>
       </a:lnSpc>
@@ -552,7 +567,7 @@
         <a:srgbClr val="000000"/>
       </a:buClr>
       <a:buFont typeface="Arial"/>
-      <a:defRPr b="0" i="0" sz="1400" u="none" cap="none" strike="noStrike">
+      <a:defRPr sz="1400" b="0" i="0" u="none" strike="noStrike" cap="none">
         <a:solidFill>
           <a:srgbClr val="000000"/>
         </a:solidFill>
@@ -562,7 +577,7 @@
         <a:sym typeface="Arial"/>
       </a:defRPr>
     </a:lvl3pPr>
-    <a:lvl4pPr lvl="3" marR="0" rtl="0" algn="l">
+    <a:lvl4pPr marR="0" lvl="3" algn="l" rtl="0">
       <a:lnSpc>
         <a:spcPct val="100000"/>
       </a:lnSpc>
@@ -576,7 +591,7 @@
         <a:srgbClr val="000000"/>
       </a:buClr>
       <a:buFont typeface="Arial"/>
-      <a:defRPr b="0" i="0" sz="1400" u="none" cap="none" strike="noStrike">
+      <a:defRPr sz="1400" b="0" i="0" u="none" strike="noStrike" cap="none">
         <a:solidFill>
           <a:srgbClr val="000000"/>
         </a:solidFill>
@@ -586,7 +601,7 @@
         <a:sym typeface="Arial"/>
       </a:defRPr>
     </a:lvl4pPr>
-    <a:lvl5pPr lvl="4" marR="0" rtl="0" algn="l">
+    <a:lvl5pPr marR="0" lvl="4" algn="l" rtl="0">
       <a:lnSpc>
         <a:spcPct val="100000"/>
       </a:lnSpc>
@@ -600,7 +615,7 @@
         <a:srgbClr val="000000"/>
       </a:buClr>
       <a:buFont typeface="Arial"/>
-      <a:defRPr b="0" i="0" sz="1400" u="none" cap="none" strike="noStrike">
+      <a:defRPr sz="1400" b="0" i="0" u="none" strike="noStrike" cap="none">
         <a:solidFill>
           <a:srgbClr val="000000"/>
         </a:solidFill>
@@ -610,7 +625,7 @@
         <a:sym typeface="Arial"/>
       </a:defRPr>
     </a:lvl5pPr>
-    <a:lvl6pPr lvl="5" marR="0" rtl="0" algn="l">
+    <a:lvl6pPr marR="0" lvl="5" algn="l" rtl="0">
       <a:lnSpc>
         <a:spcPct val="100000"/>
       </a:lnSpc>
@@ -624,7 +639,7 @@
         <a:srgbClr val="000000"/>
       </a:buClr>
       <a:buFont typeface="Arial"/>
-      <a:defRPr b="0" i="0" sz="1400" u="none" cap="none" strike="noStrike">
+      <a:defRPr sz="1400" b="0" i="0" u="none" strike="noStrike" cap="none">
         <a:solidFill>
           <a:srgbClr val="000000"/>
         </a:solidFill>
@@ -634,7 +649,7 @@
         <a:sym typeface="Arial"/>
       </a:defRPr>
     </a:lvl6pPr>
-    <a:lvl7pPr lvl="6" marR="0" rtl="0" algn="l">
+    <a:lvl7pPr marR="0" lvl="6" algn="l" rtl="0">
       <a:lnSpc>
         <a:spcPct val="100000"/>
       </a:lnSpc>
@@ -648,7 +663,7 @@
         <a:srgbClr val="000000"/>
       </a:buClr>
       <a:buFont typeface="Arial"/>
-      <a:defRPr b="0" i="0" sz="1400" u="none" cap="none" strike="noStrike">
+      <a:defRPr sz="1400" b="0" i="0" u="none" strike="noStrike" cap="none">
         <a:solidFill>
           <a:srgbClr val="000000"/>
         </a:solidFill>
@@ -658,7 +673,7 @@
         <a:sym typeface="Arial"/>
       </a:defRPr>
     </a:lvl7pPr>
-    <a:lvl8pPr lvl="7" marR="0" rtl="0" algn="l">
+    <a:lvl8pPr marR="0" lvl="7" algn="l" rtl="0">
       <a:lnSpc>
         <a:spcPct val="100000"/>
       </a:lnSpc>
@@ -672,7 +687,7 @@
         <a:srgbClr val="000000"/>
       </a:buClr>
       <a:buFont typeface="Arial"/>
-      <a:defRPr b="0" i="0" sz="1400" u="none" cap="none" strike="noStrike">
+      <a:defRPr sz="1400" b="0" i="0" u="none" strike="noStrike" cap="none">
         <a:solidFill>
           <a:srgbClr val="000000"/>
         </a:solidFill>
@@ -682,7 +697,7 @@
         <a:sym typeface="Arial"/>
       </a:defRPr>
     </a:lvl8pPr>
-    <a:lvl9pPr lvl="8" marR="0" rtl="0" algn="l">
+    <a:lvl9pPr marR="0" lvl="8" algn="l" rtl="0">
       <a:lnSpc>
         <a:spcPct val="100000"/>
       </a:lnSpc>
@@ -696,7 +711,7 @@
         <a:srgbClr val="000000"/>
       </a:buClr>
       <a:buFont typeface="Arial"/>
-      <a:defRPr b="0" i="0" sz="1400" u="none" cap="none" strike="noStrike">
+      <a:defRPr sz="1400" b="0" i="0" u="none" strike="noStrike" cap="none">
         <a:solidFill>
           <a:srgbClr val="000000"/>
         </a:solidFill>
@@ -711,11 +726,11 @@
 </file>
 
 <file path=ppt/notesSlides/notesSlide1.xml><?xml version="1.0" encoding="utf-8"?>
-<p:notes xmlns:a="http://schemas.openxmlformats.org/drawingml/2006/main" xmlns:r="http://schemas.openxmlformats.org/officeDocument/2006/relationships" xmlns:mc="http://schemas.openxmlformats.org/markup-compatibility/2006" xmlns:mv="urn:schemas-microsoft-com:mac:vml" xmlns:p="http://schemas.openxmlformats.org/presentationml/2006/main" xmlns:c="http://schemas.openxmlformats.org/drawingml/2006/chart" xmlns:dgm="http://schemas.openxmlformats.org/drawingml/2006/diagram" xmlns:o="urn:schemas-microsoft-com:office:office" xmlns:v="urn:schemas-microsoft-com:vml" xmlns:pvml="urn:schemas-microsoft-com:office:powerpoint" xmlns:com="http://schemas.openxmlformats.org/drawingml/2006/compatibility" xmlns:p14="http://schemas.microsoft.com/office/powerpoint/2010/main" xmlns:p15="http://schemas.microsoft.com/office/powerpoint/2012/main" xmlns:ahyp="http://schemas.microsoft.com/office/drawing/2018/hyperlinkcolor" showMasterPhAnim="0" showMasterSp="0">
+<p:notes xmlns:a="http://schemas.openxmlformats.org/drawingml/2006/main" xmlns:r="http://schemas.openxmlformats.org/officeDocument/2006/relationships" xmlns:p="http://schemas.openxmlformats.org/presentationml/2006/main" showMasterSp="0" showMasterPhAnim="0">
   <p:cSld>
     <p:spTree>
       <p:nvGrpSpPr>
-        <p:cNvPr id="62" name="Shape 62"/>
+        <p:cNvPr id="1" name="Shape 62"/>
         <p:cNvGrpSpPr/>
         <p:nvPr/>
       </p:nvGrpSpPr>
@@ -730,20 +745,26 @@
       <p:sp>
         <p:nvSpPr>
           <p:cNvPr id="63" name="Google Shape;63;p:notes"/>
-          <p:cNvSpPr/>
+          <p:cNvSpPr>
+            <a:spLocks noGrp="1" noRot="1" noChangeAspect="1"/>
+          </p:cNvSpPr>
           <p:nvPr>
-            <p:ph idx="2" type="sldImg"/>
+            <p:ph type="sldImg" idx="2"/>
           </p:nvPr>
         </p:nvSpPr>
         <p:spPr>
           <a:xfrm>
-            <a:off x="381300" y="685800"/>
-            <a:ext cx="6096075" cy="3429000"/>
+            <a:off x="381000" y="685800"/>
+            <a:ext cx="6096000" cy="3429000"/>
           </a:xfrm>
           <a:custGeom>
-            <a:rect b="b" l="l" r="r" t="t"/>
+            <a:avLst/>
+            <a:gdLst/>
+            <a:ahLst/>
+            <a:cxnLst/>
+            <a:rect l="l" t="t" r="r" b="b"/>
             <a:pathLst>
-              <a:path extrusionOk="0" h="120000" w="120000">
+              <a:path w="120000" h="120000" extrusionOk="0">
                 <a:moveTo>
                   <a:pt x="0" y="0"/>
                 </a:moveTo>
@@ -765,9 +786,11 @@
       <p:sp>
         <p:nvSpPr>
           <p:cNvPr id="64" name="Google Shape;64;p:notes"/>
-          <p:cNvSpPr txBox="1"/>
+          <p:cNvSpPr txBox="1">
+            <a:spLocks noGrp="1"/>
+          </p:cNvSpPr>
           <p:nvPr>
-            <p:ph idx="1" type="body"/>
+            <p:ph type="body" idx="1"/>
           </p:nvPr>
         </p:nvSpPr>
         <p:spPr>
@@ -780,12 +803,12 @@
           </a:prstGeom>
         </p:spPr>
         <p:txBody>
-          <a:bodyPr anchorCtr="0" anchor="t" bIns="91425" lIns="91425" spcFirstLastPara="1" rIns="91425" wrap="square" tIns="91425">
+          <a:bodyPr spcFirstLastPara="1" wrap="square" lIns="91425" tIns="91425" rIns="91425" bIns="91425" anchor="t" anchorCtr="0">
             <a:noAutofit/>
           </a:bodyPr>
           <a:lstStyle/>
           <a:p>
-            <a:pPr indent="0" lvl="0" marL="0" rtl="0" algn="l">
+            <a:pPr marL="0" lvl="0" indent="0" algn="l" rtl="0">
               <a:spcBef>
                 <a:spcPts val="0"/>
               </a:spcBef>
@@ -794,9 +817,6 @@
               </a:spcAft>
               <a:buNone/>
             </a:pPr>
-            <a:r>
-              <a:t/>
-            </a:r>
             <a:endParaRPr/>
           </a:p>
         </p:txBody>
@@ -810,11 +830,11 @@
 </file>
 
 <file path=ppt/notesSlides/notesSlide10.xml><?xml version="1.0" encoding="utf-8"?>
-<p:notes xmlns:a="http://schemas.openxmlformats.org/drawingml/2006/main" xmlns:r="http://schemas.openxmlformats.org/officeDocument/2006/relationships" xmlns:mc="http://schemas.openxmlformats.org/markup-compatibility/2006" xmlns:mv="urn:schemas-microsoft-com:mac:vml" xmlns:p="http://schemas.openxmlformats.org/presentationml/2006/main" xmlns:c="http://schemas.openxmlformats.org/drawingml/2006/chart" xmlns:dgm="http://schemas.openxmlformats.org/drawingml/2006/diagram" xmlns:o="urn:schemas-microsoft-com:office:office" xmlns:v="urn:schemas-microsoft-com:vml" xmlns:pvml="urn:schemas-microsoft-com:office:powerpoint" xmlns:com="http://schemas.openxmlformats.org/drawingml/2006/compatibility" xmlns:p14="http://schemas.microsoft.com/office/powerpoint/2010/main" xmlns:p15="http://schemas.microsoft.com/office/powerpoint/2012/main" xmlns:ahyp="http://schemas.microsoft.com/office/drawing/2018/hyperlinkcolor" showMasterPhAnim="0" showMasterSp="0">
+<p:notes xmlns:a="http://schemas.openxmlformats.org/drawingml/2006/main" xmlns:r="http://schemas.openxmlformats.org/officeDocument/2006/relationships" xmlns:p="http://schemas.openxmlformats.org/presentationml/2006/main" showMasterSp="0" showMasterPhAnim="0">
   <p:cSld>
     <p:spTree>
       <p:nvGrpSpPr>
-        <p:cNvPr id="124" name="Shape 124"/>
+        <p:cNvPr id="1" name="Shape 124"/>
         <p:cNvGrpSpPr/>
         <p:nvPr/>
       </p:nvGrpSpPr>
@@ -829,20 +849,26 @@
       <p:sp>
         <p:nvSpPr>
           <p:cNvPr id="125" name="Google Shape;125;gb3b1210e9f_0_23:notes"/>
-          <p:cNvSpPr/>
+          <p:cNvSpPr>
+            <a:spLocks noGrp="1" noRot="1" noChangeAspect="1"/>
+          </p:cNvSpPr>
           <p:nvPr>
-            <p:ph idx="2" type="sldImg"/>
+            <p:ph type="sldImg" idx="2"/>
           </p:nvPr>
         </p:nvSpPr>
         <p:spPr>
           <a:xfrm>
-            <a:off x="381300" y="685800"/>
+            <a:off x="381000" y="685800"/>
             <a:ext cx="6096000" cy="3429000"/>
           </a:xfrm>
           <a:custGeom>
-            <a:rect b="b" l="l" r="r" t="t"/>
+            <a:avLst/>
+            <a:gdLst/>
+            <a:ahLst/>
+            <a:cxnLst/>
+            <a:rect l="l" t="t" r="r" b="b"/>
             <a:pathLst>
-              <a:path extrusionOk="0" h="120000" w="120000">
+              <a:path w="120000" h="120000" extrusionOk="0">
                 <a:moveTo>
                   <a:pt x="0" y="0"/>
                 </a:moveTo>
@@ -864,9 +890,11 @@
       <p:sp>
         <p:nvSpPr>
           <p:cNvPr id="126" name="Google Shape;126;gb3b1210e9f_0_23:notes"/>
-          <p:cNvSpPr txBox="1"/>
+          <p:cNvSpPr txBox="1">
+            <a:spLocks noGrp="1"/>
+          </p:cNvSpPr>
           <p:nvPr>
-            <p:ph idx="1" type="body"/>
+            <p:ph type="body" idx="1"/>
           </p:nvPr>
         </p:nvSpPr>
         <p:spPr>
@@ -879,12 +907,12 @@
           </a:prstGeom>
         </p:spPr>
         <p:txBody>
-          <a:bodyPr anchorCtr="0" anchor="t" bIns="91425" lIns="91425" spcFirstLastPara="1" rIns="91425" wrap="square" tIns="91425">
+          <a:bodyPr spcFirstLastPara="1" wrap="square" lIns="91425" tIns="91425" rIns="91425" bIns="91425" anchor="t" anchorCtr="0">
             <a:noAutofit/>
           </a:bodyPr>
           <a:lstStyle/>
           <a:p>
-            <a:pPr indent="0" lvl="0" marL="0" rtl="0" algn="l">
+            <a:pPr marL="0" lvl="0" indent="0" algn="l" rtl="0">
               <a:spcBef>
                 <a:spcPts val="0"/>
               </a:spcBef>
@@ -894,13 +922,13 @@
               <a:buNone/>
             </a:pPr>
             <a:r>
-              <a:rPr lang="zh-TW"/>
+              <a:rPr lang="zh-TW" dirty="0"/>
               <a:t>葡萄酒品質預測</a:t>
             </a:r>
-            <a:endParaRPr/>
+            <a:endParaRPr dirty="0"/>
           </a:p>
           <a:p>
-            <a:pPr indent="0" lvl="0" marL="0" rtl="0" algn="l">
+            <a:pPr marL="0" lvl="0" indent="0" algn="l" rtl="0">
               <a:spcBef>
                 <a:spcPts val="0"/>
               </a:spcBef>
@@ -910,7 +938,7 @@
               <a:buNone/>
             </a:pPr>
             <a:r>
-              <a:rPr lang="zh-TW" sz="1200">
+              <a:rPr lang="zh-TW" sz="1200" dirty="0">
                 <a:solidFill>
                   <a:srgbClr val="24292E"/>
                 </a:solidFill>
@@ -920,7 +948,7 @@
               </a:rPr>
               <a:t>輸入變量（基於理化測試）：1-固定酸度2-揮發性酸度3-檸檬酸4-殘留糖5-氯化物6-游離二氧化硫7-總二氧化硫8-密度9-pH 10-硫酸鹽11-醇輸出變量（基於感官數據）：12-質量（得分在0到10之間）</a:t>
             </a:r>
-            <a:endParaRPr sz="1200">
+            <a:endParaRPr sz="1200" dirty="0">
               <a:solidFill>
                 <a:srgbClr val="24292E"/>
               </a:solidFill>
@@ -930,7 +958,7 @@
             </a:endParaRPr>
           </a:p>
           <a:p>
-            <a:pPr indent="0" lvl="0" marL="0" rtl="0" algn="l">
+            <a:pPr marL="0" lvl="0" indent="0" algn="l" rtl="0">
               <a:spcBef>
                 <a:spcPts val="0"/>
               </a:spcBef>
@@ -940,7 +968,7 @@
               <a:buNone/>
             </a:pPr>
             <a:r>
-              <a:rPr lang="zh-TW" sz="1200">
+              <a:rPr lang="zh-TW" sz="1200" dirty="0">
                 <a:solidFill>
                   <a:srgbClr val="24292E"/>
                 </a:solidFill>
@@ -950,7 +978,7 @@
               </a:rPr>
               <a:t>1 - fixed acidity </a:t>
             </a:r>
-            <a:endParaRPr sz="1200">
+            <a:endParaRPr sz="1200" dirty="0">
               <a:solidFill>
                 <a:srgbClr val="24292E"/>
               </a:solidFill>
@@ -960,7 +988,7 @@
             </a:endParaRPr>
           </a:p>
           <a:p>
-            <a:pPr indent="0" lvl="0" marL="0" rtl="0" algn="l">
+            <a:pPr marL="0" lvl="0" indent="0" algn="l" rtl="0">
               <a:spcBef>
                 <a:spcPts val="0"/>
               </a:spcBef>
@@ -970,7 +998,7 @@
               <a:buNone/>
             </a:pPr>
             <a:r>
-              <a:rPr lang="zh-TW" sz="1200">
+              <a:rPr lang="zh-TW" sz="1200" dirty="0">
                 <a:solidFill>
                   <a:srgbClr val="24292E"/>
                 </a:solidFill>
@@ -980,7 +1008,7 @@
               </a:rPr>
               <a:t>2 - volatile acidity </a:t>
             </a:r>
-            <a:endParaRPr sz="1200">
+            <a:endParaRPr sz="1200" dirty="0">
               <a:solidFill>
                 <a:srgbClr val="24292E"/>
               </a:solidFill>
@@ -990,7 +1018,7 @@
             </a:endParaRPr>
           </a:p>
           <a:p>
-            <a:pPr indent="0" lvl="0" marL="0" rtl="0" algn="l">
+            <a:pPr marL="0" lvl="0" indent="0" algn="l" rtl="0">
               <a:spcBef>
                 <a:spcPts val="0"/>
               </a:spcBef>
@@ -1000,7 +1028,7 @@
               <a:buNone/>
             </a:pPr>
             <a:r>
-              <a:rPr lang="zh-TW" sz="1200">
+              <a:rPr lang="zh-TW" sz="1200" dirty="0">
                 <a:solidFill>
                   <a:srgbClr val="24292E"/>
                 </a:solidFill>
@@ -1010,7 +1038,7 @@
               </a:rPr>
               <a:t>3 - citric acid </a:t>
             </a:r>
-            <a:endParaRPr sz="1200">
+            <a:endParaRPr sz="1200" dirty="0">
               <a:solidFill>
                 <a:srgbClr val="24292E"/>
               </a:solidFill>
@@ -1020,7 +1048,7 @@
             </a:endParaRPr>
           </a:p>
           <a:p>
-            <a:pPr indent="0" lvl="0" marL="0" rtl="0" algn="l">
+            <a:pPr marL="0" lvl="0" indent="0" algn="l" rtl="0">
               <a:spcBef>
                 <a:spcPts val="0"/>
               </a:spcBef>
@@ -1030,7 +1058,7 @@
               <a:buNone/>
             </a:pPr>
             <a:r>
-              <a:rPr lang="zh-TW" sz="1200">
+              <a:rPr lang="zh-TW" sz="1200" dirty="0">
                 <a:solidFill>
                   <a:srgbClr val="24292E"/>
                 </a:solidFill>
@@ -1040,7 +1068,7 @@
               </a:rPr>
               <a:t>4 - residual sugar </a:t>
             </a:r>
-            <a:endParaRPr sz="1200">
+            <a:endParaRPr sz="1200" dirty="0">
               <a:solidFill>
                 <a:srgbClr val="24292E"/>
               </a:solidFill>
@@ -1050,7 +1078,7 @@
             </a:endParaRPr>
           </a:p>
           <a:p>
-            <a:pPr indent="0" lvl="0" marL="0" rtl="0" algn="l">
+            <a:pPr marL="0" lvl="0" indent="0" algn="l" rtl="0">
               <a:spcBef>
                 <a:spcPts val="0"/>
               </a:spcBef>
@@ -1060,7 +1088,7 @@
               <a:buNone/>
             </a:pPr>
             <a:r>
-              <a:rPr lang="zh-TW" sz="1200">
+              <a:rPr lang="zh-TW" sz="1200" dirty="0">
                 <a:solidFill>
                   <a:srgbClr val="24292E"/>
                 </a:solidFill>
@@ -1070,7 +1098,7 @@
               </a:rPr>
               <a:t>5 - chlorides</a:t>
             </a:r>
-            <a:endParaRPr sz="1200">
+            <a:endParaRPr sz="1200" dirty="0">
               <a:solidFill>
                 <a:srgbClr val="24292E"/>
               </a:solidFill>
@@ -1080,7 +1108,7 @@
             </a:endParaRPr>
           </a:p>
           <a:p>
-            <a:pPr indent="0" lvl="0" marL="0" rtl="0" algn="l">
+            <a:pPr marL="0" lvl="0" indent="0" algn="l" rtl="0">
               <a:spcBef>
                 <a:spcPts val="0"/>
               </a:spcBef>
@@ -1090,7 +1118,7 @@
               <a:buNone/>
             </a:pPr>
             <a:r>
-              <a:rPr lang="zh-TW" sz="1200">
+              <a:rPr lang="zh-TW" sz="1200" dirty="0">
                 <a:solidFill>
                   <a:srgbClr val="24292E"/>
                 </a:solidFill>
@@ -1100,7 +1128,7 @@
               </a:rPr>
               <a:t>6 - free sulfur dioxide </a:t>
             </a:r>
-            <a:endParaRPr sz="1200">
+            <a:endParaRPr sz="1200" dirty="0">
               <a:solidFill>
                 <a:srgbClr val="24292E"/>
               </a:solidFill>
@@ -1110,7 +1138,7 @@
             </a:endParaRPr>
           </a:p>
           <a:p>
-            <a:pPr indent="0" lvl="0" marL="0" rtl="0" algn="l">
+            <a:pPr marL="0" lvl="0" indent="0" algn="l" rtl="0">
               <a:spcBef>
                 <a:spcPts val="0"/>
               </a:spcBef>
@@ -1120,7 +1148,7 @@
               <a:buNone/>
             </a:pPr>
             <a:r>
-              <a:rPr lang="zh-TW" sz="1200">
+              <a:rPr lang="zh-TW" sz="1200" dirty="0">
                 <a:solidFill>
                   <a:srgbClr val="24292E"/>
                 </a:solidFill>
@@ -1130,7 +1158,7 @@
               </a:rPr>
               <a:t>7 - total sulfur dioxide </a:t>
             </a:r>
-            <a:endParaRPr sz="1200">
+            <a:endParaRPr sz="1200" dirty="0">
               <a:solidFill>
                 <a:srgbClr val="24292E"/>
               </a:solidFill>
@@ -1140,7 +1168,7 @@
             </a:endParaRPr>
           </a:p>
           <a:p>
-            <a:pPr indent="0" lvl="0" marL="0" rtl="0" algn="l">
+            <a:pPr marL="0" lvl="0" indent="0" algn="l" rtl="0">
               <a:spcBef>
                 <a:spcPts val="0"/>
               </a:spcBef>
@@ -1150,7 +1178,7 @@
               <a:buNone/>
             </a:pPr>
             <a:r>
-              <a:rPr lang="zh-TW" sz="1200">
+              <a:rPr lang="zh-TW" sz="1200" dirty="0">
                 <a:solidFill>
                   <a:srgbClr val="24292E"/>
                 </a:solidFill>
@@ -1160,7 +1188,7 @@
               </a:rPr>
               <a:t>8 - density </a:t>
             </a:r>
-            <a:endParaRPr sz="1200">
+            <a:endParaRPr sz="1200" dirty="0">
               <a:solidFill>
                 <a:srgbClr val="24292E"/>
               </a:solidFill>
@@ -1170,7 +1198,7 @@
             </a:endParaRPr>
           </a:p>
           <a:p>
-            <a:pPr indent="0" lvl="0" marL="0" rtl="0" algn="l">
+            <a:pPr marL="0" lvl="0" indent="0" algn="l" rtl="0">
               <a:spcBef>
                 <a:spcPts val="0"/>
               </a:spcBef>
@@ -1180,7 +1208,7 @@
               <a:buNone/>
             </a:pPr>
             <a:r>
-              <a:rPr lang="zh-TW" sz="1200">
+              <a:rPr lang="zh-TW" sz="1200" dirty="0">
                 <a:solidFill>
                   <a:srgbClr val="24292E"/>
                 </a:solidFill>
@@ -1190,7 +1218,7 @@
               </a:rPr>
               <a:t>9 - pH </a:t>
             </a:r>
-            <a:endParaRPr sz="1200">
+            <a:endParaRPr sz="1200" dirty="0">
               <a:solidFill>
                 <a:srgbClr val="24292E"/>
               </a:solidFill>
@@ -1200,7 +1228,7 @@
             </a:endParaRPr>
           </a:p>
           <a:p>
-            <a:pPr indent="0" lvl="0" marL="0" rtl="0" algn="l">
+            <a:pPr marL="0" lvl="0" indent="0" algn="l" rtl="0">
               <a:spcBef>
                 <a:spcPts val="0"/>
               </a:spcBef>
@@ -1210,7 +1238,7 @@
               <a:buNone/>
             </a:pPr>
             <a:r>
-              <a:rPr lang="zh-TW" sz="1200">
+              <a:rPr lang="zh-TW" sz="1200" dirty="0">
                 <a:solidFill>
                   <a:srgbClr val="24292E"/>
                 </a:solidFill>
@@ -1220,7 +1248,7 @@
               </a:rPr>
               <a:t>10 - sulphates </a:t>
             </a:r>
-            <a:endParaRPr sz="1200">
+            <a:endParaRPr sz="1200" dirty="0">
               <a:solidFill>
                 <a:srgbClr val="24292E"/>
               </a:solidFill>
@@ -1230,7 +1258,7 @@
             </a:endParaRPr>
           </a:p>
           <a:p>
-            <a:pPr indent="0" lvl="0" marL="0" rtl="0" algn="l">
+            <a:pPr marL="0" lvl="0" indent="0" algn="l" rtl="0">
               <a:spcBef>
                 <a:spcPts val="0"/>
               </a:spcBef>
@@ -1240,7 +1268,7 @@
               <a:buNone/>
             </a:pPr>
             <a:r>
-              <a:rPr lang="zh-TW" sz="1200">
+              <a:rPr lang="zh-TW" sz="1200" dirty="0">
                 <a:solidFill>
                   <a:srgbClr val="24292E"/>
                 </a:solidFill>
@@ -1250,7 +1278,7 @@
               </a:rPr>
               <a:t>11 - alcohol Output variable (based on sensory data): </a:t>
             </a:r>
-            <a:endParaRPr sz="1200">
+            <a:endParaRPr sz="1200" dirty="0">
               <a:solidFill>
                 <a:srgbClr val="24292E"/>
               </a:solidFill>
@@ -1260,7 +1288,7 @@
             </a:endParaRPr>
           </a:p>
           <a:p>
-            <a:pPr indent="0" lvl="0" marL="0" rtl="0" algn="l">
+            <a:pPr marL="0" lvl="0" indent="0" algn="l" rtl="0">
               <a:spcBef>
                 <a:spcPts val="0"/>
               </a:spcBef>
@@ -1270,7 +1298,7 @@
               <a:buNone/>
             </a:pPr>
             <a:r>
-              <a:rPr lang="zh-TW" sz="1200">
+              <a:rPr lang="zh-TW" sz="1200" dirty="0">
                 <a:solidFill>
                   <a:srgbClr val="24292E"/>
                 </a:solidFill>
@@ -1280,7 +1308,7 @@
               </a:rPr>
               <a:t>12 - quality (score between 0 and 10)</a:t>
             </a:r>
-            <a:endParaRPr sz="1200">
+            <a:endParaRPr sz="1200" dirty="0">
               <a:solidFill>
                 <a:srgbClr val="24292E"/>
               </a:solidFill>
@@ -1300,11 +1328,11 @@
 </file>
 
 <file path=ppt/notesSlides/notesSlide11.xml><?xml version="1.0" encoding="utf-8"?>
-<p:notes xmlns:a="http://schemas.openxmlformats.org/drawingml/2006/main" xmlns:r="http://schemas.openxmlformats.org/officeDocument/2006/relationships" xmlns:mc="http://schemas.openxmlformats.org/markup-compatibility/2006" xmlns:mv="urn:schemas-microsoft-com:mac:vml" xmlns:p="http://schemas.openxmlformats.org/presentationml/2006/main" xmlns:c="http://schemas.openxmlformats.org/drawingml/2006/chart" xmlns:dgm="http://schemas.openxmlformats.org/drawingml/2006/diagram" xmlns:o="urn:schemas-microsoft-com:office:office" xmlns:v="urn:schemas-microsoft-com:vml" xmlns:pvml="urn:schemas-microsoft-com:office:powerpoint" xmlns:com="http://schemas.openxmlformats.org/drawingml/2006/compatibility" xmlns:p14="http://schemas.microsoft.com/office/powerpoint/2010/main" xmlns:p15="http://schemas.microsoft.com/office/powerpoint/2012/main" xmlns:ahyp="http://schemas.microsoft.com/office/drawing/2018/hyperlinkcolor" showMasterPhAnim="0" showMasterSp="0">
+<p:notes xmlns:a="http://schemas.openxmlformats.org/drawingml/2006/main" xmlns:r="http://schemas.openxmlformats.org/officeDocument/2006/relationships" xmlns:p="http://schemas.openxmlformats.org/presentationml/2006/main" showMasterSp="0" showMasterPhAnim="0">
   <p:cSld>
     <p:spTree>
       <p:nvGrpSpPr>
-        <p:cNvPr id="130" name="Shape 130"/>
+        <p:cNvPr id="1" name="Shape 130"/>
         <p:cNvGrpSpPr/>
         <p:nvPr/>
       </p:nvGrpSpPr>
@@ -1319,20 +1347,26 @@
       <p:sp>
         <p:nvSpPr>
           <p:cNvPr id="131" name="Google Shape;131;gb3b1210e9f_0_0:notes"/>
-          <p:cNvSpPr/>
+          <p:cNvSpPr>
+            <a:spLocks noGrp="1" noRot="1" noChangeAspect="1"/>
+          </p:cNvSpPr>
           <p:nvPr>
-            <p:ph idx="2" type="sldImg"/>
+            <p:ph type="sldImg" idx="2"/>
           </p:nvPr>
         </p:nvSpPr>
         <p:spPr>
           <a:xfrm>
-            <a:off x="381300" y="685800"/>
+            <a:off x="381000" y="685800"/>
             <a:ext cx="6096000" cy="3429000"/>
           </a:xfrm>
           <a:custGeom>
-            <a:rect b="b" l="l" r="r" t="t"/>
+            <a:avLst/>
+            <a:gdLst/>
+            <a:ahLst/>
+            <a:cxnLst/>
+            <a:rect l="l" t="t" r="r" b="b"/>
             <a:pathLst>
-              <a:path extrusionOk="0" h="120000" w="120000">
+              <a:path w="120000" h="120000" extrusionOk="0">
                 <a:moveTo>
                   <a:pt x="0" y="0"/>
                 </a:moveTo>
@@ -1354,9 +1388,11 @@
       <p:sp>
         <p:nvSpPr>
           <p:cNvPr id="132" name="Google Shape;132;gb3b1210e9f_0_0:notes"/>
-          <p:cNvSpPr txBox="1"/>
+          <p:cNvSpPr txBox="1">
+            <a:spLocks noGrp="1"/>
+          </p:cNvSpPr>
           <p:nvPr>
-            <p:ph idx="1" type="body"/>
+            <p:ph type="body" idx="1"/>
           </p:nvPr>
         </p:nvSpPr>
         <p:spPr>
@@ -1369,12 +1405,12 @@
           </a:prstGeom>
         </p:spPr>
         <p:txBody>
-          <a:bodyPr anchorCtr="0" anchor="t" bIns="91425" lIns="91425" spcFirstLastPara="1" rIns="91425" wrap="square" tIns="91425">
+          <a:bodyPr spcFirstLastPara="1" wrap="square" lIns="91425" tIns="91425" rIns="91425" bIns="91425" anchor="t" anchorCtr="0">
             <a:noAutofit/>
           </a:bodyPr>
           <a:lstStyle/>
           <a:p>
-            <a:pPr indent="0" lvl="0" marL="0" rtl="0" algn="l">
+            <a:pPr marL="0" lvl="0" indent="0" algn="l" rtl="0">
               <a:spcBef>
                 <a:spcPts val="0"/>
               </a:spcBef>
@@ -1383,9 +1419,6 @@
               </a:spcAft>
               <a:buNone/>
             </a:pPr>
-            <a:r>
-              <a:t/>
-            </a:r>
             <a:endParaRPr/>
           </a:p>
         </p:txBody>
@@ -1399,11 +1432,11 @@
 </file>
 
 <file path=ppt/notesSlides/notesSlide2.xml><?xml version="1.0" encoding="utf-8"?>
-<p:notes xmlns:a="http://schemas.openxmlformats.org/drawingml/2006/main" xmlns:r="http://schemas.openxmlformats.org/officeDocument/2006/relationships" xmlns:mc="http://schemas.openxmlformats.org/markup-compatibility/2006" xmlns:mv="urn:schemas-microsoft-com:mac:vml" xmlns:p="http://schemas.openxmlformats.org/presentationml/2006/main" xmlns:c="http://schemas.openxmlformats.org/drawingml/2006/chart" xmlns:dgm="http://schemas.openxmlformats.org/drawingml/2006/diagram" xmlns:o="urn:schemas-microsoft-com:office:office" xmlns:v="urn:schemas-microsoft-com:vml" xmlns:pvml="urn:schemas-microsoft-com:office:powerpoint" xmlns:com="http://schemas.openxmlformats.org/drawingml/2006/compatibility" xmlns:p14="http://schemas.microsoft.com/office/powerpoint/2010/main" xmlns:p15="http://schemas.microsoft.com/office/powerpoint/2012/main" xmlns:ahyp="http://schemas.microsoft.com/office/drawing/2018/hyperlinkcolor" showMasterPhAnim="0" showMasterSp="0">
+<p:notes xmlns:a="http://schemas.openxmlformats.org/drawingml/2006/main" xmlns:r="http://schemas.openxmlformats.org/officeDocument/2006/relationships" xmlns:p="http://schemas.openxmlformats.org/presentationml/2006/main" showMasterSp="0" showMasterPhAnim="0">
   <p:cSld>
     <p:spTree>
       <p:nvGrpSpPr>
-        <p:cNvPr id="68" name="Shape 68"/>
+        <p:cNvPr id="1" name="Shape 68"/>
         <p:cNvGrpSpPr/>
         <p:nvPr/>
       </p:nvGrpSpPr>
@@ -1418,20 +1451,26 @@
       <p:sp>
         <p:nvSpPr>
           <p:cNvPr id="69" name="Google Shape;69;gb47e48b51a_0_12:notes"/>
-          <p:cNvSpPr/>
+          <p:cNvSpPr>
+            <a:spLocks noGrp="1" noRot="1" noChangeAspect="1"/>
+          </p:cNvSpPr>
           <p:nvPr>
-            <p:ph idx="2" type="sldImg"/>
+            <p:ph type="sldImg" idx="2"/>
           </p:nvPr>
         </p:nvSpPr>
         <p:spPr>
           <a:xfrm>
-            <a:off x="381300" y="685800"/>
+            <a:off x="381000" y="685800"/>
             <a:ext cx="6096000" cy="3429000"/>
           </a:xfrm>
           <a:custGeom>
-            <a:rect b="b" l="l" r="r" t="t"/>
+            <a:avLst/>
+            <a:gdLst/>
+            <a:ahLst/>
+            <a:cxnLst/>
+            <a:rect l="l" t="t" r="r" b="b"/>
             <a:pathLst>
-              <a:path extrusionOk="0" h="120000" w="120000">
+              <a:path w="120000" h="120000" extrusionOk="0">
                 <a:moveTo>
                   <a:pt x="0" y="0"/>
                 </a:moveTo>
@@ -1453,9 +1492,11 @@
       <p:sp>
         <p:nvSpPr>
           <p:cNvPr id="70" name="Google Shape;70;gb47e48b51a_0_12:notes"/>
-          <p:cNvSpPr txBox="1"/>
+          <p:cNvSpPr txBox="1">
+            <a:spLocks noGrp="1"/>
+          </p:cNvSpPr>
           <p:nvPr>
-            <p:ph idx="1" type="body"/>
+            <p:ph type="body" idx="1"/>
           </p:nvPr>
         </p:nvSpPr>
         <p:spPr>
@@ -1468,12 +1509,12 @@
           </a:prstGeom>
         </p:spPr>
         <p:txBody>
-          <a:bodyPr anchorCtr="0" anchor="t" bIns="91425" lIns="91425" spcFirstLastPara="1" rIns="91425" wrap="square" tIns="91425">
+          <a:bodyPr spcFirstLastPara="1" wrap="square" lIns="91425" tIns="91425" rIns="91425" bIns="91425" anchor="t" anchorCtr="0">
             <a:noAutofit/>
           </a:bodyPr>
           <a:lstStyle/>
           <a:p>
-            <a:pPr indent="0" lvl="0" marL="0" rtl="0" algn="l">
+            <a:pPr marL="0" lvl="0" indent="0" algn="l" rtl="0">
               <a:spcBef>
                 <a:spcPts val="0"/>
               </a:spcBef>
@@ -1482,9 +1523,6 @@
               </a:spcAft>
               <a:buNone/>
             </a:pPr>
-            <a:r>
-              <a:t/>
-            </a:r>
             <a:endParaRPr/>
           </a:p>
         </p:txBody>
@@ -1498,11 +1536,11 @@
 </file>
 
 <file path=ppt/notesSlides/notesSlide3.xml><?xml version="1.0" encoding="utf-8"?>
-<p:notes xmlns:a="http://schemas.openxmlformats.org/drawingml/2006/main" xmlns:r="http://schemas.openxmlformats.org/officeDocument/2006/relationships" xmlns:mc="http://schemas.openxmlformats.org/markup-compatibility/2006" xmlns:mv="urn:schemas-microsoft-com:mac:vml" xmlns:p="http://schemas.openxmlformats.org/presentationml/2006/main" xmlns:c="http://schemas.openxmlformats.org/drawingml/2006/chart" xmlns:dgm="http://schemas.openxmlformats.org/drawingml/2006/diagram" xmlns:o="urn:schemas-microsoft-com:office:office" xmlns:v="urn:schemas-microsoft-com:vml" xmlns:pvml="urn:schemas-microsoft-com:office:powerpoint" xmlns:com="http://schemas.openxmlformats.org/drawingml/2006/compatibility" xmlns:p14="http://schemas.microsoft.com/office/powerpoint/2010/main" xmlns:p15="http://schemas.microsoft.com/office/powerpoint/2012/main" xmlns:ahyp="http://schemas.microsoft.com/office/drawing/2018/hyperlinkcolor" showMasterPhAnim="0" showMasterSp="0">
+<p:notes xmlns:a="http://schemas.openxmlformats.org/drawingml/2006/main" xmlns:r="http://schemas.openxmlformats.org/officeDocument/2006/relationships" xmlns:p="http://schemas.openxmlformats.org/presentationml/2006/main" showMasterSp="0" showMasterPhAnim="0">
   <p:cSld>
     <p:spTree>
       <p:nvGrpSpPr>
-        <p:cNvPr id="74" name="Shape 74"/>
+        <p:cNvPr id="1" name="Shape 74"/>
         <p:cNvGrpSpPr/>
         <p:nvPr/>
       </p:nvGrpSpPr>
@@ -1517,20 +1555,26 @@
       <p:sp>
         <p:nvSpPr>
           <p:cNvPr id="75" name="Google Shape;75;gb335541926_0_57:notes"/>
-          <p:cNvSpPr/>
+          <p:cNvSpPr>
+            <a:spLocks noGrp="1" noRot="1" noChangeAspect="1"/>
+          </p:cNvSpPr>
           <p:nvPr>
-            <p:ph idx="2" type="sldImg"/>
+            <p:ph type="sldImg" idx="2"/>
           </p:nvPr>
         </p:nvSpPr>
         <p:spPr>
           <a:xfrm>
-            <a:off x="381300" y="685800"/>
+            <a:off x="381000" y="685800"/>
             <a:ext cx="6096000" cy="3429000"/>
           </a:xfrm>
           <a:custGeom>
-            <a:rect b="b" l="l" r="r" t="t"/>
+            <a:avLst/>
+            <a:gdLst/>
+            <a:ahLst/>
+            <a:cxnLst/>
+            <a:rect l="l" t="t" r="r" b="b"/>
             <a:pathLst>
-              <a:path extrusionOk="0" h="120000" w="120000">
+              <a:path w="120000" h="120000" extrusionOk="0">
                 <a:moveTo>
                   <a:pt x="0" y="0"/>
                 </a:moveTo>
@@ -1552,9 +1596,11 @@
       <p:sp>
         <p:nvSpPr>
           <p:cNvPr id="76" name="Google Shape;76;gb335541926_0_57:notes"/>
-          <p:cNvSpPr txBox="1"/>
+          <p:cNvSpPr txBox="1">
+            <a:spLocks noGrp="1"/>
+          </p:cNvSpPr>
           <p:nvPr>
-            <p:ph idx="1" type="body"/>
+            <p:ph type="body" idx="1"/>
           </p:nvPr>
         </p:nvSpPr>
         <p:spPr>
@@ -1567,12 +1613,12 @@
           </a:prstGeom>
         </p:spPr>
         <p:txBody>
-          <a:bodyPr anchorCtr="0" anchor="t" bIns="91425" lIns="91425" spcFirstLastPara="1" rIns="91425" wrap="square" tIns="91425">
+          <a:bodyPr spcFirstLastPara="1" wrap="square" lIns="91425" tIns="91425" rIns="91425" bIns="91425" anchor="t" anchorCtr="0">
             <a:noAutofit/>
           </a:bodyPr>
           <a:lstStyle/>
           <a:p>
-            <a:pPr indent="0" lvl="0" marL="0" rtl="0" algn="l">
+            <a:pPr marL="0" lvl="0" indent="0" algn="l" rtl="0">
               <a:spcBef>
                 <a:spcPts val="0"/>
               </a:spcBef>
@@ -1593,7 +1639,7 @@
             <a:endParaRPr/>
           </a:p>
           <a:p>
-            <a:pPr indent="0" lvl="0" marL="0" rtl="0" algn="l">
+            <a:pPr marL="0" lvl="0" indent="0" algn="l" rtl="0">
               <a:spcBef>
                 <a:spcPts val="0"/>
               </a:spcBef>
@@ -1607,13 +1653,10 @@
               <a:buFont typeface="Arial"/>
               <a:buNone/>
             </a:pPr>
-            <a:r>
-              <a:t/>
-            </a:r>
             <a:endParaRPr/>
           </a:p>
           <a:p>
-            <a:pPr indent="0" lvl="0" marL="0" rtl="0" algn="l">
+            <a:pPr marL="0" lvl="0" indent="0" algn="l" rtl="0">
               <a:spcBef>
                 <a:spcPts val="0"/>
               </a:spcBef>
@@ -1634,7 +1677,7 @@
             <a:endParaRPr/>
           </a:p>
           <a:p>
-            <a:pPr indent="0" lvl="0" marL="0" rtl="0" algn="l">
+            <a:pPr marL="0" lvl="0" indent="0" algn="l" rtl="0">
               <a:spcBef>
                 <a:spcPts val="0"/>
               </a:spcBef>
@@ -1648,13 +1691,10 @@
               <a:buFont typeface="Arial"/>
               <a:buNone/>
             </a:pPr>
-            <a:r>
-              <a:t/>
-            </a:r>
             <a:endParaRPr/>
           </a:p>
           <a:p>
-            <a:pPr indent="0" lvl="0" marL="0" rtl="0" algn="l">
+            <a:pPr marL="0" lvl="0" indent="0" algn="l" rtl="0">
               <a:spcBef>
                 <a:spcPts val="0"/>
               </a:spcBef>
@@ -1663,9 +1703,6 @@
               </a:spcAft>
               <a:buNone/>
             </a:pPr>
-            <a:r>
-              <a:t/>
-            </a:r>
             <a:endParaRPr/>
           </a:p>
         </p:txBody>
@@ -1679,11 +1716,11 @@
 </file>
 
 <file path=ppt/notesSlides/notesSlide4.xml><?xml version="1.0" encoding="utf-8"?>
-<p:notes xmlns:a="http://schemas.openxmlformats.org/drawingml/2006/main" xmlns:r="http://schemas.openxmlformats.org/officeDocument/2006/relationships" xmlns:mc="http://schemas.openxmlformats.org/markup-compatibility/2006" xmlns:mv="urn:schemas-microsoft-com:mac:vml" xmlns:p="http://schemas.openxmlformats.org/presentationml/2006/main" xmlns:c="http://schemas.openxmlformats.org/drawingml/2006/chart" xmlns:dgm="http://schemas.openxmlformats.org/drawingml/2006/diagram" xmlns:o="urn:schemas-microsoft-com:office:office" xmlns:v="urn:schemas-microsoft-com:vml" xmlns:pvml="urn:schemas-microsoft-com:office:powerpoint" xmlns:com="http://schemas.openxmlformats.org/drawingml/2006/compatibility" xmlns:p14="http://schemas.microsoft.com/office/powerpoint/2010/main" xmlns:p15="http://schemas.microsoft.com/office/powerpoint/2012/main" xmlns:ahyp="http://schemas.microsoft.com/office/drawing/2018/hyperlinkcolor" showMasterPhAnim="0" showMasterSp="0">
+<p:notes xmlns:a="http://schemas.openxmlformats.org/drawingml/2006/main" xmlns:r="http://schemas.openxmlformats.org/officeDocument/2006/relationships" xmlns:p="http://schemas.openxmlformats.org/presentationml/2006/main" showMasterSp="0" showMasterPhAnim="0">
   <p:cSld>
     <p:spTree>
       <p:nvGrpSpPr>
-        <p:cNvPr id="82" name="Shape 82"/>
+        <p:cNvPr id="1" name="Shape 82"/>
         <p:cNvGrpSpPr/>
         <p:nvPr/>
       </p:nvGrpSpPr>
@@ -1698,20 +1735,26 @@
       <p:sp>
         <p:nvSpPr>
           <p:cNvPr id="83" name="Google Shape;83;gb335541926_0_90:notes"/>
-          <p:cNvSpPr/>
+          <p:cNvSpPr>
+            <a:spLocks noGrp="1" noRot="1" noChangeAspect="1"/>
+          </p:cNvSpPr>
           <p:nvPr>
-            <p:ph idx="2" type="sldImg"/>
+            <p:ph type="sldImg" idx="2"/>
           </p:nvPr>
         </p:nvSpPr>
         <p:spPr>
           <a:xfrm>
-            <a:off x="381300" y="685800"/>
+            <a:off x="381000" y="685800"/>
             <a:ext cx="6096000" cy="3429000"/>
           </a:xfrm>
           <a:custGeom>
-            <a:rect b="b" l="l" r="r" t="t"/>
+            <a:avLst/>
+            <a:gdLst/>
+            <a:ahLst/>
+            <a:cxnLst/>
+            <a:rect l="l" t="t" r="r" b="b"/>
             <a:pathLst>
-              <a:path extrusionOk="0" h="120000" w="120000">
+              <a:path w="120000" h="120000" extrusionOk="0">
                 <a:moveTo>
                   <a:pt x="0" y="0"/>
                 </a:moveTo>
@@ -1733,9 +1776,11 @@
       <p:sp>
         <p:nvSpPr>
           <p:cNvPr id="84" name="Google Shape;84;gb335541926_0_90:notes"/>
-          <p:cNvSpPr txBox="1"/>
+          <p:cNvSpPr txBox="1">
+            <a:spLocks noGrp="1"/>
+          </p:cNvSpPr>
           <p:nvPr>
-            <p:ph idx="1" type="body"/>
+            <p:ph type="body" idx="1"/>
           </p:nvPr>
         </p:nvSpPr>
         <p:spPr>
@@ -1748,12 +1793,12 @@
           </a:prstGeom>
         </p:spPr>
         <p:txBody>
-          <a:bodyPr anchorCtr="0" anchor="t" bIns="91425" lIns="91425" spcFirstLastPara="1" rIns="91425" wrap="square" tIns="91425">
+          <a:bodyPr spcFirstLastPara="1" wrap="square" lIns="91425" tIns="91425" rIns="91425" bIns="91425" anchor="t" anchorCtr="0">
             <a:noAutofit/>
           </a:bodyPr>
           <a:lstStyle/>
           <a:p>
-            <a:pPr indent="0" lvl="0" marL="0" rtl="0" algn="l">
+            <a:pPr marL="0" lvl="0" indent="0" algn="l" rtl="0">
               <a:spcBef>
                 <a:spcPts val="0"/>
               </a:spcBef>
@@ -1762,11 +1807,7 @@
               </a:spcAft>
               <a:buNone/>
             </a:pPr>
-            <a:r>
-              <a:rPr lang="zh-TW"/>
-              <a:t>#**volatile acidity</a:t>
-            </a:r>
-            <a:endParaRPr/>
+            <a:endParaRPr dirty="0"/>
           </a:p>
         </p:txBody>
       </p:sp>
@@ -1779,11 +1820,11 @@
 </file>
 
 <file path=ppt/notesSlides/notesSlide5.xml><?xml version="1.0" encoding="utf-8"?>
-<p:notes xmlns:a="http://schemas.openxmlformats.org/drawingml/2006/main" xmlns:r="http://schemas.openxmlformats.org/officeDocument/2006/relationships" xmlns:mc="http://schemas.openxmlformats.org/markup-compatibility/2006" xmlns:mv="urn:schemas-microsoft-com:mac:vml" xmlns:p="http://schemas.openxmlformats.org/presentationml/2006/main" xmlns:c="http://schemas.openxmlformats.org/drawingml/2006/chart" xmlns:dgm="http://schemas.openxmlformats.org/drawingml/2006/diagram" xmlns:o="urn:schemas-microsoft-com:office:office" xmlns:v="urn:schemas-microsoft-com:vml" xmlns:pvml="urn:schemas-microsoft-com:office:powerpoint" xmlns:com="http://schemas.openxmlformats.org/drawingml/2006/compatibility" xmlns:p14="http://schemas.microsoft.com/office/powerpoint/2010/main" xmlns:p15="http://schemas.microsoft.com/office/powerpoint/2012/main" xmlns:ahyp="http://schemas.microsoft.com/office/drawing/2018/hyperlinkcolor" showMasterPhAnim="0" showMasterSp="0">
+<p:notes xmlns:a="http://schemas.openxmlformats.org/drawingml/2006/main" xmlns:r="http://schemas.openxmlformats.org/officeDocument/2006/relationships" xmlns:p="http://schemas.openxmlformats.org/presentationml/2006/main" showMasterSp="0" showMasterPhAnim="0">
   <p:cSld>
     <p:spTree>
       <p:nvGrpSpPr>
-        <p:cNvPr id="89" name="Shape 89"/>
+        <p:cNvPr id="1" name="Shape 89"/>
         <p:cNvGrpSpPr/>
         <p:nvPr/>
       </p:nvGrpSpPr>
@@ -1798,20 +1839,26 @@
       <p:sp>
         <p:nvSpPr>
           <p:cNvPr id="90" name="Google Shape;90;gb335541926_0_62:notes"/>
-          <p:cNvSpPr/>
+          <p:cNvSpPr>
+            <a:spLocks noGrp="1" noRot="1" noChangeAspect="1"/>
+          </p:cNvSpPr>
           <p:nvPr>
-            <p:ph idx="2" type="sldImg"/>
+            <p:ph type="sldImg" idx="2"/>
           </p:nvPr>
         </p:nvSpPr>
         <p:spPr>
           <a:xfrm>
-            <a:off x="381300" y="685800"/>
+            <a:off x="381000" y="685800"/>
             <a:ext cx="6096000" cy="3429000"/>
           </a:xfrm>
           <a:custGeom>
-            <a:rect b="b" l="l" r="r" t="t"/>
+            <a:avLst/>
+            <a:gdLst/>
+            <a:ahLst/>
+            <a:cxnLst/>
+            <a:rect l="l" t="t" r="r" b="b"/>
             <a:pathLst>
-              <a:path extrusionOk="0" h="120000" w="120000">
+              <a:path w="120000" h="120000" extrusionOk="0">
                 <a:moveTo>
                   <a:pt x="0" y="0"/>
                 </a:moveTo>
@@ -1833,9 +1880,11 @@
       <p:sp>
         <p:nvSpPr>
           <p:cNvPr id="91" name="Google Shape;91;gb335541926_0_62:notes"/>
-          <p:cNvSpPr txBox="1"/>
+          <p:cNvSpPr txBox="1">
+            <a:spLocks noGrp="1"/>
+          </p:cNvSpPr>
           <p:nvPr>
-            <p:ph idx="1" type="body"/>
+            <p:ph type="body" idx="1"/>
           </p:nvPr>
         </p:nvSpPr>
         <p:spPr>
@@ -1848,12 +1897,12 @@
           </a:prstGeom>
         </p:spPr>
         <p:txBody>
-          <a:bodyPr anchorCtr="0" anchor="t" bIns="91425" lIns="91425" spcFirstLastPara="1" rIns="91425" wrap="square" tIns="91425">
+          <a:bodyPr spcFirstLastPara="1" wrap="square" lIns="91425" tIns="91425" rIns="91425" bIns="91425" anchor="t" anchorCtr="0">
             <a:noAutofit/>
           </a:bodyPr>
           <a:lstStyle/>
           <a:p>
-            <a:pPr indent="0" lvl="0" marL="0" rtl="0" algn="l">
+            <a:pPr marL="0" lvl="0" indent="0" algn="l" rtl="0">
               <a:spcBef>
                 <a:spcPts val="0"/>
               </a:spcBef>
@@ -1869,7 +1918,7 @@
             <a:endParaRPr/>
           </a:p>
           <a:p>
-            <a:pPr indent="0" lvl="0" marL="0" rtl="0" algn="l">
+            <a:pPr marL="0" lvl="0" indent="0" algn="l" rtl="0">
               <a:spcBef>
                 <a:spcPts val="0"/>
               </a:spcBef>
@@ -1878,13 +1927,10 @@
               </a:spcAft>
               <a:buNone/>
             </a:pPr>
-            <a:r>
-              <a:t/>
-            </a:r>
             <a:endParaRPr/>
           </a:p>
           <a:p>
-            <a:pPr indent="0" lvl="0" marL="0" rtl="0" algn="l">
+            <a:pPr marL="0" lvl="0" indent="0" algn="l" rtl="0">
               <a:spcBef>
                 <a:spcPts val="0"/>
               </a:spcBef>
@@ -1893,9 +1939,6 @@
               </a:spcAft>
               <a:buNone/>
             </a:pPr>
-            <a:r>
-              <a:t/>
-            </a:r>
             <a:endParaRPr/>
           </a:p>
         </p:txBody>
@@ -1909,11 +1952,11 @@
 </file>
 
 <file path=ppt/notesSlides/notesSlide6.xml><?xml version="1.0" encoding="utf-8"?>
-<p:notes xmlns:a="http://schemas.openxmlformats.org/drawingml/2006/main" xmlns:r="http://schemas.openxmlformats.org/officeDocument/2006/relationships" xmlns:mc="http://schemas.openxmlformats.org/markup-compatibility/2006" xmlns:mv="urn:schemas-microsoft-com:mac:vml" xmlns:p="http://schemas.openxmlformats.org/presentationml/2006/main" xmlns:c="http://schemas.openxmlformats.org/drawingml/2006/chart" xmlns:dgm="http://schemas.openxmlformats.org/drawingml/2006/diagram" xmlns:o="urn:schemas-microsoft-com:office:office" xmlns:v="urn:schemas-microsoft-com:vml" xmlns:pvml="urn:schemas-microsoft-com:office:powerpoint" xmlns:com="http://schemas.openxmlformats.org/drawingml/2006/compatibility" xmlns:p14="http://schemas.microsoft.com/office/powerpoint/2010/main" xmlns:p15="http://schemas.microsoft.com/office/powerpoint/2012/main" xmlns:ahyp="http://schemas.microsoft.com/office/drawing/2018/hyperlinkcolor" showMasterPhAnim="0" showMasterSp="0">
+<p:notes xmlns:a="http://schemas.openxmlformats.org/drawingml/2006/main" xmlns:r="http://schemas.openxmlformats.org/officeDocument/2006/relationships" xmlns:p="http://schemas.openxmlformats.org/presentationml/2006/main" showMasterSp="0" showMasterPhAnim="0">
   <p:cSld>
     <p:spTree>
       <p:nvGrpSpPr>
-        <p:cNvPr id="96" name="Shape 96"/>
+        <p:cNvPr id="1" name="Shape 96"/>
         <p:cNvGrpSpPr/>
         <p:nvPr/>
       </p:nvGrpSpPr>
@@ -1928,20 +1971,26 @@
       <p:sp>
         <p:nvSpPr>
           <p:cNvPr id="97" name="Google Shape;97;gb335541926_0_69:notes"/>
-          <p:cNvSpPr/>
+          <p:cNvSpPr>
+            <a:spLocks noGrp="1" noRot="1" noChangeAspect="1"/>
+          </p:cNvSpPr>
           <p:nvPr>
-            <p:ph idx="2" type="sldImg"/>
+            <p:ph type="sldImg" idx="2"/>
           </p:nvPr>
         </p:nvSpPr>
         <p:spPr>
           <a:xfrm>
-            <a:off x="381300" y="685800"/>
+            <a:off x="381000" y="685800"/>
             <a:ext cx="6096000" cy="3429000"/>
           </a:xfrm>
           <a:custGeom>
-            <a:rect b="b" l="l" r="r" t="t"/>
+            <a:avLst/>
+            <a:gdLst/>
+            <a:ahLst/>
+            <a:cxnLst/>
+            <a:rect l="l" t="t" r="r" b="b"/>
             <a:pathLst>
-              <a:path extrusionOk="0" h="120000" w="120000">
+              <a:path w="120000" h="120000" extrusionOk="0">
                 <a:moveTo>
                   <a:pt x="0" y="0"/>
                 </a:moveTo>
@@ -1963,9 +2012,11 @@
       <p:sp>
         <p:nvSpPr>
           <p:cNvPr id="98" name="Google Shape;98;gb335541926_0_69:notes"/>
-          <p:cNvSpPr txBox="1"/>
+          <p:cNvSpPr txBox="1">
+            <a:spLocks noGrp="1"/>
+          </p:cNvSpPr>
           <p:nvPr>
-            <p:ph idx="1" type="body"/>
+            <p:ph type="body" idx="1"/>
           </p:nvPr>
         </p:nvSpPr>
         <p:spPr>
@@ -1978,12 +2029,12 @@
           </a:prstGeom>
         </p:spPr>
         <p:txBody>
-          <a:bodyPr anchorCtr="0" anchor="t" bIns="91425" lIns="91425" spcFirstLastPara="1" rIns="91425" wrap="square" tIns="91425">
+          <a:bodyPr spcFirstLastPara="1" wrap="square" lIns="91425" tIns="91425" rIns="91425" bIns="91425" anchor="t" anchorCtr="0">
             <a:noAutofit/>
           </a:bodyPr>
           <a:lstStyle/>
           <a:p>
-            <a:pPr indent="0" lvl="0" marL="0" rtl="0" algn="l">
+            <a:pPr marL="0" lvl="0" indent="0" algn="l" rtl="0">
               <a:spcBef>
                 <a:spcPts val="0"/>
               </a:spcBef>
@@ -2009,11 +2060,11 @@
 </file>
 
 <file path=ppt/notesSlides/notesSlide7.xml><?xml version="1.0" encoding="utf-8"?>
-<p:notes xmlns:a="http://schemas.openxmlformats.org/drawingml/2006/main" xmlns:r="http://schemas.openxmlformats.org/officeDocument/2006/relationships" xmlns:mc="http://schemas.openxmlformats.org/markup-compatibility/2006" xmlns:mv="urn:schemas-microsoft-com:mac:vml" xmlns:p="http://schemas.openxmlformats.org/presentationml/2006/main" xmlns:c="http://schemas.openxmlformats.org/drawingml/2006/chart" xmlns:dgm="http://schemas.openxmlformats.org/drawingml/2006/diagram" xmlns:o="urn:schemas-microsoft-com:office:office" xmlns:v="urn:schemas-microsoft-com:vml" xmlns:pvml="urn:schemas-microsoft-com:office:powerpoint" xmlns:com="http://schemas.openxmlformats.org/drawingml/2006/compatibility" xmlns:p14="http://schemas.microsoft.com/office/powerpoint/2010/main" xmlns:p15="http://schemas.microsoft.com/office/powerpoint/2012/main" xmlns:ahyp="http://schemas.microsoft.com/office/drawing/2018/hyperlinkcolor" showMasterPhAnim="0" showMasterSp="0">
+<p:notes xmlns:a="http://schemas.openxmlformats.org/drawingml/2006/main" xmlns:r="http://schemas.openxmlformats.org/officeDocument/2006/relationships" xmlns:p="http://schemas.openxmlformats.org/presentationml/2006/main" showMasterSp="0" showMasterPhAnim="0">
   <p:cSld>
     <p:spTree>
       <p:nvGrpSpPr>
-        <p:cNvPr id="103" name="Shape 103"/>
+        <p:cNvPr id="1" name="Shape 103"/>
         <p:cNvGrpSpPr/>
         <p:nvPr/>
       </p:nvGrpSpPr>
@@ -2028,20 +2079,26 @@
       <p:sp>
         <p:nvSpPr>
           <p:cNvPr id="104" name="Google Shape;104;gb335541926_0_76:notes"/>
-          <p:cNvSpPr/>
+          <p:cNvSpPr>
+            <a:spLocks noGrp="1" noRot="1" noChangeAspect="1"/>
+          </p:cNvSpPr>
           <p:nvPr>
-            <p:ph idx="2" type="sldImg"/>
+            <p:ph type="sldImg" idx="2"/>
           </p:nvPr>
         </p:nvSpPr>
         <p:spPr>
           <a:xfrm>
-            <a:off x="381300" y="685800"/>
+            <a:off x="381000" y="685800"/>
             <a:ext cx="6096000" cy="3429000"/>
           </a:xfrm>
           <a:custGeom>
-            <a:rect b="b" l="l" r="r" t="t"/>
+            <a:avLst/>
+            <a:gdLst/>
+            <a:ahLst/>
+            <a:cxnLst/>
+            <a:rect l="l" t="t" r="r" b="b"/>
             <a:pathLst>
-              <a:path extrusionOk="0" h="120000" w="120000">
+              <a:path w="120000" h="120000" extrusionOk="0">
                 <a:moveTo>
                   <a:pt x="0" y="0"/>
                 </a:moveTo>
@@ -2063,9 +2120,11 @@
       <p:sp>
         <p:nvSpPr>
           <p:cNvPr id="105" name="Google Shape;105;gb335541926_0_76:notes"/>
-          <p:cNvSpPr txBox="1"/>
+          <p:cNvSpPr txBox="1">
+            <a:spLocks noGrp="1"/>
+          </p:cNvSpPr>
           <p:nvPr>
-            <p:ph idx="1" type="body"/>
+            <p:ph type="body" idx="1"/>
           </p:nvPr>
         </p:nvSpPr>
         <p:spPr>
@@ -2078,12 +2137,12 @@
           </a:prstGeom>
         </p:spPr>
         <p:txBody>
-          <a:bodyPr anchorCtr="0" anchor="t" bIns="91425" lIns="91425" spcFirstLastPara="1" rIns="91425" wrap="square" tIns="91425">
+          <a:bodyPr spcFirstLastPara="1" wrap="square" lIns="91425" tIns="91425" rIns="91425" bIns="91425" anchor="t" anchorCtr="0">
             <a:noAutofit/>
           </a:bodyPr>
           <a:lstStyle/>
           <a:p>
-            <a:pPr indent="0" lvl="0" marL="0" rtl="0" algn="l">
+            <a:pPr marL="0" lvl="0" indent="0" algn="l" rtl="0">
               <a:spcBef>
                 <a:spcPts val="0"/>
               </a:spcBef>
@@ -2109,11 +2168,11 @@
 </file>
 
 <file path=ppt/notesSlides/notesSlide8.xml><?xml version="1.0" encoding="utf-8"?>
-<p:notes xmlns:a="http://schemas.openxmlformats.org/drawingml/2006/main" xmlns:r="http://schemas.openxmlformats.org/officeDocument/2006/relationships" xmlns:mc="http://schemas.openxmlformats.org/markup-compatibility/2006" xmlns:mv="urn:schemas-microsoft-com:mac:vml" xmlns:p="http://schemas.openxmlformats.org/presentationml/2006/main" xmlns:c="http://schemas.openxmlformats.org/drawingml/2006/chart" xmlns:dgm="http://schemas.openxmlformats.org/drawingml/2006/diagram" xmlns:o="urn:schemas-microsoft-com:office:office" xmlns:v="urn:schemas-microsoft-com:vml" xmlns:pvml="urn:schemas-microsoft-com:office:powerpoint" xmlns:com="http://schemas.openxmlformats.org/drawingml/2006/compatibility" xmlns:p14="http://schemas.microsoft.com/office/powerpoint/2010/main" xmlns:p15="http://schemas.microsoft.com/office/powerpoint/2012/main" xmlns:ahyp="http://schemas.microsoft.com/office/drawing/2018/hyperlinkcolor" showMasterPhAnim="0" showMasterSp="0">
+<p:notes xmlns:a="http://schemas.openxmlformats.org/drawingml/2006/main" xmlns:r="http://schemas.openxmlformats.org/officeDocument/2006/relationships" xmlns:p="http://schemas.openxmlformats.org/presentationml/2006/main" showMasterSp="0" showMasterPhAnim="0">
   <p:cSld>
     <p:spTree>
       <p:nvGrpSpPr>
-        <p:cNvPr id="110" name="Shape 110"/>
+        <p:cNvPr id="1" name="Shape 110"/>
         <p:cNvGrpSpPr/>
         <p:nvPr/>
       </p:nvGrpSpPr>
@@ -2128,20 +2187,26 @@
       <p:sp>
         <p:nvSpPr>
           <p:cNvPr id="111" name="Google Shape;111;gb335541926_0_83:notes"/>
-          <p:cNvSpPr/>
+          <p:cNvSpPr>
+            <a:spLocks noGrp="1" noRot="1" noChangeAspect="1"/>
+          </p:cNvSpPr>
           <p:nvPr>
-            <p:ph idx="2" type="sldImg"/>
+            <p:ph type="sldImg" idx="2"/>
           </p:nvPr>
         </p:nvSpPr>
         <p:spPr>
           <a:xfrm>
-            <a:off x="381300" y="685800"/>
+            <a:off x="381000" y="685800"/>
             <a:ext cx="6096000" cy="3429000"/>
           </a:xfrm>
           <a:custGeom>
-            <a:rect b="b" l="l" r="r" t="t"/>
+            <a:avLst/>
+            <a:gdLst/>
+            <a:ahLst/>
+            <a:cxnLst/>
+            <a:rect l="l" t="t" r="r" b="b"/>
             <a:pathLst>
-              <a:path extrusionOk="0" h="120000" w="120000">
+              <a:path w="120000" h="120000" extrusionOk="0">
                 <a:moveTo>
                   <a:pt x="0" y="0"/>
                 </a:moveTo>
@@ -2163,9 +2228,11 @@
       <p:sp>
         <p:nvSpPr>
           <p:cNvPr id="112" name="Google Shape;112;gb335541926_0_83:notes"/>
-          <p:cNvSpPr txBox="1"/>
+          <p:cNvSpPr txBox="1">
+            <a:spLocks noGrp="1"/>
+          </p:cNvSpPr>
           <p:nvPr>
-            <p:ph idx="1" type="body"/>
+            <p:ph type="body" idx="1"/>
           </p:nvPr>
         </p:nvSpPr>
         <p:spPr>
@@ -2178,12 +2245,12 @@
           </a:prstGeom>
         </p:spPr>
         <p:txBody>
-          <a:bodyPr anchorCtr="0" anchor="t" bIns="91425" lIns="91425" spcFirstLastPara="1" rIns="91425" wrap="square" tIns="91425">
+          <a:bodyPr spcFirstLastPara="1" wrap="square" lIns="91425" tIns="91425" rIns="91425" bIns="91425" anchor="t" anchorCtr="0">
             <a:noAutofit/>
           </a:bodyPr>
           <a:lstStyle/>
           <a:p>
-            <a:pPr indent="0" lvl="0" marL="0" rtl="0" algn="l">
+            <a:pPr marL="0" lvl="0" indent="0" algn="l" rtl="0">
               <a:spcBef>
                 <a:spcPts val="0"/>
               </a:spcBef>
@@ -2192,11 +2259,7 @@
               </a:spcAft>
               <a:buNone/>
             </a:pPr>
-            <a:r>
-              <a:rPr lang="zh-TW"/>
-              <a:t>#**alcohol</a:t>
-            </a:r>
-            <a:endParaRPr/>
+            <a:endParaRPr dirty="0"/>
           </a:p>
         </p:txBody>
       </p:sp>
@@ -2209,11 +2272,11 @@
 </file>
 
 <file path=ppt/notesSlides/notesSlide9.xml><?xml version="1.0" encoding="utf-8"?>
-<p:notes xmlns:a="http://schemas.openxmlformats.org/drawingml/2006/main" xmlns:r="http://schemas.openxmlformats.org/officeDocument/2006/relationships" xmlns:mc="http://schemas.openxmlformats.org/markup-compatibility/2006" xmlns:mv="urn:schemas-microsoft-com:mac:vml" xmlns:p="http://schemas.openxmlformats.org/presentationml/2006/main" xmlns:c="http://schemas.openxmlformats.org/drawingml/2006/chart" xmlns:dgm="http://schemas.openxmlformats.org/drawingml/2006/diagram" xmlns:o="urn:schemas-microsoft-com:office:office" xmlns:v="urn:schemas-microsoft-com:vml" xmlns:pvml="urn:schemas-microsoft-com:office:powerpoint" xmlns:com="http://schemas.openxmlformats.org/drawingml/2006/compatibility" xmlns:p14="http://schemas.microsoft.com/office/powerpoint/2010/main" xmlns:p15="http://schemas.microsoft.com/office/powerpoint/2012/main" xmlns:ahyp="http://schemas.microsoft.com/office/drawing/2018/hyperlinkcolor" showMasterPhAnim="0" showMasterSp="0">
+<p:notes xmlns:a="http://schemas.openxmlformats.org/drawingml/2006/main" xmlns:r="http://schemas.openxmlformats.org/officeDocument/2006/relationships" xmlns:p="http://schemas.openxmlformats.org/presentationml/2006/main" showMasterSp="0" showMasterPhAnim="0">
   <p:cSld>
     <p:spTree>
       <p:nvGrpSpPr>
-        <p:cNvPr id="117" name="Shape 117"/>
+        <p:cNvPr id="1" name="Shape 117"/>
         <p:cNvGrpSpPr/>
         <p:nvPr/>
       </p:nvGrpSpPr>
@@ -2228,20 +2291,26 @@
       <p:sp>
         <p:nvSpPr>
           <p:cNvPr id="118" name="Google Shape;118;gb335541926_0_97:notes"/>
-          <p:cNvSpPr/>
+          <p:cNvSpPr>
+            <a:spLocks noGrp="1" noRot="1" noChangeAspect="1"/>
+          </p:cNvSpPr>
           <p:nvPr>
-            <p:ph idx="2" type="sldImg"/>
+            <p:ph type="sldImg" idx="2"/>
           </p:nvPr>
         </p:nvSpPr>
         <p:spPr>
           <a:xfrm>
-            <a:off x="381300" y="685800"/>
+            <a:off x="381000" y="685800"/>
             <a:ext cx="6096000" cy="3429000"/>
           </a:xfrm>
           <a:custGeom>
-            <a:rect b="b" l="l" r="r" t="t"/>
+            <a:avLst/>
+            <a:gdLst/>
+            <a:ahLst/>
+            <a:cxnLst/>
+            <a:rect l="l" t="t" r="r" b="b"/>
             <a:pathLst>
-              <a:path extrusionOk="0" h="120000" w="120000">
+              <a:path w="120000" h="120000" extrusionOk="0">
                 <a:moveTo>
                   <a:pt x="0" y="0"/>
                 </a:moveTo>
@@ -2263,9 +2332,11 @@
       <p:sp>
         <p:nvSpPr>
           <p:cNvPr id="119" name="Google Shape;119;gb335541926_0_97:notes"/>
-          <p:cNvSpPr txBox="1"/>
+          <p:cNvSpPr txBox="1">
+            <a:spLocks noGrp="1"/>
+          </p:cNvSpPr>
           <p:nvPr>
-            <p:ph idx="1" type="body"/>
+            <p:ph type="body" idx="1"/>
           </p:nvPr>
         </p:nvSpPr>
         <p:spPr>
@@ -2278,12 +2349,12 @@
           </a:prstGeom>
         </p:spPr>
         <p:txBody>
-          <a:bodyPr anchorCtr="0" anchor="t" bIns="91425" lIns="91425" spcFirstLastPara="1" rIns="91425" wrap="square" tIns="91425">
+          <a:bodyPr spcFirstLastPara="1" wrap="square" lIns="91425" tIns="91425" rIns="91425" bIns="91425" anchor="t" anchorCtr="0">
             <a:noAutofit/>
           </a:bodyPr>
           <a:lstStyle/>
           <a:p>
-            <a:pPr indent="0" lvl="0" marL="0" marR="190500" rtl="0" algn="l">
+            <a:pPr marL="0" marR="190500" lvl="0" indent="0" algn="l" rtl="0">
               <a:spcBef>
                 <a:spcPts val="2500"/>
               </a:spcBef>
@@ -2298,7 +2369,7 @@
               <a:buNone/>
             </a:pPr>
             <a:r>
-              <a:rPr b="1" lang="zh-TW" sz="1950">
+              <a:rPr lang="zh-TW" sz="1950" b="1" dirty="0">
                 <a:solidFill>
                   <a:schemeClr val="dk1"/>
                 </a:solidFill>
@@ -2308,7 +2379,7 @@
               </a:rPr>
               <a:t>The strongly correlated items are :</a:t>
             </a:r>
-            <a:endParaRPr b="1" sz="1950">
+            <a:endParaRPr sz="1950" b="1" dirty="0">
               <a:solidFill>
                 <a:schemeClr val="dk1"/>
               </a:solidFill>
@@ -2318,7 +2389,7 @@
             </a:endParaRPr>
           </a:p>
           <a:p>
-            <a:pPr indent="0" lvl="0" marL="0" rtl="0" algn="just">
+            <a:pPr marL="0" lvl="0" indent="0" algn="just" rtl="0">
               <a:lnSpc>
                 <a:spcPct val="115000"/>
               </a:lnSpc>
@@ -2336,7 +2407,7 @@
               <a:buNone/>
             </a:pPr>
             <a:r>
-              <a:rPr lang="zh-TW" sz="1050">
+              <a:rPr lang="zh-TW" sz="1050" dirty="0">
                 <a:solidFill>
                   <a:schemeClr val="dk1"/>
                 </a:solidFill>
@@ -2346,7 +2417,7 @@
               </a:rPr>
               <a:t>1.fixed acidity(固定酸度) and citric acid(檸檬酸). 2.free sulphur dioxide(游離二氧化硫) and total sulphor dioxide(總二氧化硫). 3.fixed acidity(固定酸度) and density.4.alcohol and quality.</a:t>
             </a:r>
-            <a:endParaRPr sz="1050">
+            <a:endParaRPr sz="1050" dirty="0">
               <a:solidFill>
                 <a:schemeClr val="dk1"/>
               </a:solidFill>
@@ -2356,7 +2427,7 @@
             </a:endParaRPr>
           </a:p>
           <a:p>
-            <a:pPr indent="0" lvl="0" marL="0" rtl="0" algn="just">
+            <a:pPr marL="0" lvl="0" indent="0" algn="just" rtl="0">
               <a:lnSpc>
                 <a:spcPct val="115000"/>
               </a:lnSpc>
@@ -2374,7 +2445,7 @@
               <a:buNone/>
             </a:pPr>
             <a:r>
-              <a:rPr lang="zh-TW" sz="1050">
+              <a:rPr lang="zh-TW" sz="1050" dirty="0">
                 <a:solidFill>
                   <a:schemeClr val="dk1"/>
                 </a:solidFill>
@@ -2384,7 +2455,7 @@
               </a:rPr>
               <a:t>so, from above points there is a clear inference that alcohol is the most important characteristic to determine the quality of wine.</a:t>
             </a:r>
-            <a:endParaRPr sz="1050">
+            <a:endParaRPr sz="1050" dirty="0">
               <a:solidFill>
                 <a:schemeClr val="dk1"/>
               </a:solidFill>
@@ -2394,7 +2465,7 @@
             </a:endParaRPr>
           </a:p>
           <a:p>
-            <a:pPr indent="0" lvl="0" marL="190500" marR="190500" rtl="0" algn="l">
+            <a:pPr marL="190500" marR="190500" lvl="0" indent="0" algn="l" rtl="0">
               <a:spcBef>
                 <a:spcPts val="2500"/>
               </a:spcBef>
@@ -2409,7 +2480,7 @@
               <a:buNone/>
             </a:pPr>
             <a:r>
-              <a:rPr b="1" lang="zh-TW" sz="1950">
+              <a:rPr lang="zh-TW" sz="1950" b="1" dirty="0">
                 <a:solidFill>
                   <a:schemeClr val="dk1"/>
                 </a:solidFill>
@@ -2419,7 +2490,7 @@
               </a:rPr>
               <a:t>The weekly correlated items are :</a:t>
             </a:r>
-            <a:endParaRPr b="1" sz="1950">
+            <a:endParaRPr sz="1950" b="1" dirty="0">
               <a:solidFill>
                 <a:schemeClr val="dk1"/>
               </a:solidFill>
@@ -2429,7 +2500,7 @@
             </a:endParaRPr>
           </a:p>
           <a:p>
-            <a:pPr indent="0" lvl="0" marL="0" rtl="0" algn="just">
+            <a:pPr marL="0" lvl="0" indent="0" algn="just" rtl="0">
               <a:lnSpc>
                 <a:spcPct val="115000"/>
               </a:lnSpc>
@@ -2447,7 +2518,7 @@
               <a:buNone/>
             </a:pPr>
             <a:r>
-              <a:rPr lang="zh-TW" sz="1050">
+              <a:rPr lang="zh-TW" sz="1050" dirty="0">
                 <a:solidFill>
                   <a:schemeClr val="dk1"/>
                 </a:solidFill>
@@ -2457,7 +2528,7 @@
               </a:rPr>
               <a:t>1.citric acid(檸檬酸) and volatile acidity(揮發性酸度). 2.fixed acidity(固定酸度) and ph. 3.density and alcohol.</a:t>
             </a:r>
-            <a:endParaRPr sz="1050">
+            <a:endParaRPr sz="1050" dirty="0">
               <a:solidFill>
                 <a:schemeClr val="dk1"/>
               </a:solidFill>
@@ -2467,7 +2538,7 @@
             </a:endParaRPr>
           </a:p>
           <a:p>
-            <a:pPr indent="0" lvl="0" marL="0" rtl="0" algn="just">
+            <a:pPr marL="0" lvl="0" indent="0" algn="just" rtl="0">
               <a:lnSpc>
                 <a:spcPct val="115000"/>
               </a:lnSpc>
@@ -2485,7 +2556,7 @@
               <a:buNone/>
             </a:pPr>
             <a:r>
-              <a:rPr lang="zh-TW" sz="1050">
+              <a:rPr lang="zh-TW" sz="1050" dirty="0">
                 <a:solidFill>
                   <a:schemeClr val="dk1"/>
                 </a:solidFill>
@@ -2495,7 +2566,7 @@
               </a:rPr>
               <a:t>These are some relations which do not depend on each other at all.</a:t>
             </a:r>
-            <a:endParaRPr sz="1050">
+            <a:endParaRPr sz="1050" dirty="0">
               <a:solidFill>
                 <a:schemeClr val="dk1"/>
               </a:solidFill>
@@ -2505,7 +2576,7 @@
             </a:endParaRPr>
           </a:p>
           <a:p>
-            <a:pPr indent="0" lvl="0" marL="0" rtl="0" algn="l">
+            <a:pPr marL="0" lvl="0" indent="0" algn="l" rtl="0">
               <a:spcBef>
                 <a:spcPts val="0"/>
               </a:spcBef>
@@ -2514,10 +2585,7 @@
               </a:spcAft>
               <a:buNone/>
             </a:pPr>
-            <a:r>
-              <a:t/>
-            </a:r>
-            <a:endParaRPr/>
+            <a:endParaRPr dirty="0"/>
           </a:p>
         </p:txBody>
       </p:sp>
@@ -2530,11 +2598,11 @@
 </file>
 
 <file path=ppt/slideLayouts/slideLayout1.xml><?xml version="1.0" encoding="utf-8"?>
-<p:sldLayout xmlns:a="http://schemas.openxmlformats.org/drawingml/2006/main" xmlns:r="http://schemas.openxmlformats.org/officeDocument/2006/relationships" xmlns:mc="http://schemas.openxmlformats.org/markup-compatibility/2006" xmlns:mv="urn:schemas-microsoft-com:mac:vml" xmlns:p="http://schemas.openxmlformats.org/presentationml/2006/main" xmlns:c="http://schemas.openxmlformats.org/drawingml/2006/chart" xmlns:dgm="http://schemas.openxmlformats.org/drawingml/2006/diagram" xmlns:o="urn:schemas-microsoft-com:office:office" xmlns:v="urn:schemas-microsoft-com:vml" xmlns:pvml="urn:schemas-microsoft-com:office:powerpoint" xmlns:com="http://schemas.openxmlformats.org/drawingml/2006/compatibility" xmlns:p14="http://schemas.microsoft.com/office/powerpoint/2010/main" xmlns:p15="http://schemas.microsoft.com/office/powerpoint/2012/main" xmlns:ahyp="http://schemas.microsoft.com/office/drawing/2018/hyperlinkcolor" matchingName="Title slide" type="title">
+<p:sldLayout xmlns:a="http://schemas.openxmlformats.org/drawingml/2006/main" xmlns:r="http://schemas.openxmlformats.org/officeDocument/2006/relationships" xmlns:p="http://schemas.openxmlformats.org/presentationml/2006/main" matchingName="Title slide" type="title">
   <p:cSld name="TITLE">
     <p:spTree>
       <p:nvGrpSpPr>
-        <p:cNvPr id="9" name="Shape 9"/>
+        <p:cNvPr id="1" name="Shape 9"/>
         <p:cNvGrpSpPr/>
         <p:nvPr/>
       </p:nvGrpSpPr>
@@ -2561,14 +2629,14 @@
             <a:avLst/>
           </a:prstGeom>
           <a:noFill/>
-          <a:ln cap="flat" cmpd="sng" w="76200">
+          <a:ln w="76200" cap="flat" cmpd="sng">
             <a:solidFill>
               <a:schemeClr val="lt2"/>
             </a:solidFill>
             <a:prstDash val="solid"/>
             <a:round/>
-            <a:headEnd len="sm" w="sm" type="none"/>
-            <a:tailEnd len="sm" w="sm" type="none"/>
+            <a:headEnd type="none" w="sm" len="sm"/>
+            <a:tailEnd type="none" w="sm" len="sm"/>
           </a:ln>
         </p:spPr>
       </p:cxnSp>
@@ -2587,14 +2655,14 @@
             <a:avLst/>
           </a:prstGeom>
           <a:noFill/>
-          <a:ln cap="flat" cmpd="sng" w="76200">
+          <a:ln w="76200" cap="flat" cmpd="sng">
             <a:solidFill>
               <a:schemeClr val="lt2"/>
             </a:solidFill>
             <a:prstDash val="solid"/>
             <a:round/>
-            <a:headEnd len="sm" w="sm" type="none"/>
-            <a:tailEnd len="sm" w="sm" type="none"/>
+            <a:headEnd type="none" w="sm" len="sm"/>
+            <a:tailEnd type="none" w="sm" len="sm"/>
           </a:ln>
         </p:spPr>
       </p:cxnSp>
@@ -2627,14 +2695,14 @@
               <a:avLst/>
             </a:prstGeom>
             <a:noFill/>
-            <a:ln cap="flat" cmpd="sng" w="76200">
+            <a:ln w="76200" cap="flat" cmpd="sng">
               <a:solidFill>
                 <a:schemeClr val="accent3"/>
               </a:solidFill>
               <a:prstDash val="solid"/>
               <a:round/>
-              <a:headEnd len="sm" w="sm" type="none"/>
-              <a:tailEnd len="sm" w="sm" type="none"/>
+              <a:headEnd type="none" w="sm" len="sm"/>
+              <a:tailEnd type="none" w="sm" len="sm"/>
             </a:ln>
           </p:spPr>
         </p:cxnSp>
@@ -2653,14 +2721,14 @@
               <a:avLst/>
             </a:prstGeom>
             <a:noFill/>
-            <a:ln cap="flat" cmpd="sng" w="9525">
+            <a:ln w="9525" cap="flat" cmpd="sng">
               <a:solidFill>
                 <a:schemeClr val="accent3"/>
               </a:solidFill>
               <a:prstDash val="solid"/>
               <a:round/>
-              <a:headEnd len="sm" w="sm" type="none"/>
-              <a:tailEnd len="sm" w="sm" type="none"/>
+              <a:headEnd type="none" w="sm" len="sm"/>
+              <a:tailEnd type="none" w="sm" len="sm"/>
             </a:ln>
           </p:spPr>
         </p:cxnSp>
@@ -2694,14 +2762,14 @@
               <a:avLst/>
             </a:prstGeom>
             <a:noFill/>
-            <a:ln cap="flat" cmpd="sng" w="76200">
+            <a:ln w="76200" cap="flat" cmpd="sng">
               <a:solidFill>
                 <a:schemeClr val="accent3"/>
               </a:solidFill>
               <a:prstDash val="solid"/>
               <a:round/>
-              <a:headEnd len="sm" w="sm" type="none"/>
-              <a:tailEnd len="sm" w="sm" type="none"/>
+              <a:headEnd type="none" w="sm" len="sm"/>
+              <a:tailEnd type="none" w="sm" len="sm"/>
             </a:ln>
           </p:spPr>
         </p:cxnSp>
@@ -2720,14 +2788,14 @@
               <a:avLst/>
             </a:prstGeom>
             <a:noFill/>
-            <a:ln cap="flat" cmpd="sng" w="9525">
+            <a:ln w="9525" cap="flat" cmpd="sng">
               <a:solidFill>
                 <a:schemeClr val="accent3"/>
               </a:solidFill>
               <a:prstDash val="solid"/>
               <a:round/>
-              <a:headEnd len="sm" w="sm" type="none"/>
-              <a:tailEnd len="sm" w="sm" type="none"/>
+              <a:headEnd type="none" w="sm" len="sm"/>
+              <a:tailEnd type="none" w="sm" len="sm"/>
             </a:ln>
           </p:spPr>
         </p:cxnSp>
@@ -2735,7 +2803,9 @@
       <p:sp>
         <p:nvSpPr>
           <p:cNvPr id="18" name="Google Shape;18;p2"/>
-          <p:cNvSpPr txBox="1"/>
+          <p:cNvSpPr txBox="1">
+            <a:spLocks noGrp="1"/>
+          </p:cNvSpPr>
           <p:nvPr>
             <p:ph type="ctrTitle"/>
           </p:nvPr>
@@ -2750,7 +2820,7 @@
           </a:prstGeom>
         </p:spPr>
         <p:txBody>
-          <a:bodyPr anchorCtr="0" anchor="b" bIns="91425" lIns="91425" spcFirstLastPara="1" rIns="91425" wrap="square" tIns="91425">
+          <a:bodyPr spcFirstLastPara="1" wrap="square" lIns="91425" tIns="91425" rIns="91425" bIns="91425" anchor="b" anchorCtr="0">
             <a:noAutofit/>
           </a:bodyPr>
           <a:lstStyle>
@@ -2854,15 +2924,19 @@
               <a:defRPr sz="5400"/>
             </a:lvl9pPr>
           </a:lstStyle>
-          <a:p/>
+          <a:p>
+            <a:endParaRPr/>
+          </a:p>
         </p:txBody>
       </p:sp>
       <p:sp>
         <p:nvSpPr>
           <p:cNvPr id="19" name="Google Shape;19;p2"/>
-          <p:cNvSpPr txBox="1"/>
+          <p:cNvSpPr txBox="1">
+            <a:spLocks noGrp="1"/>
+          </p:cNvSpPr>
           <p:nvPr>
-            <p:ph idx="1" type="subTitle"/>
+            <p:ph type="subTitle" idx="1"/>
           </p:nvPr>
         </p:nvSpPr>
         <p:spPr>
@@ -2875,7 +2949,7 @@
           </a:prstGeom>
         </p:spPr>
         <p:txBody>
-          <a:bodyPr anchorCtr="0" anchor="t" bIns="91425" lIns="91425" spcFirstLastPara="1" rIns="91425" wrap="square" tIns="91425">
+          <a:bodyPr spcFirstLastPara="1" wrap="square" lIns="91425" tIns="91425" rIns="91425" bIns="91425" anchor="t" anchorCtr="0">
             <a:noAutofit/>
           </a:bodyPr>
           <a:lstStyle>
@@ -3006,15 +3080,19 @@
               <a:defRPr sz="2400"/>
             </a:lvl9pPr>
           </a:lstStyle>
-          <a:p/>
+          <a:p>
+            <a:endParaRPr/>
+          </a:p>
         </p:txBody>
       </p:sp>
       <p:sp>
         <p:nvSpPr>
           <p:cNvPr id="20" name="Google Shape;20;p2"/>
-          <p:cNvSpPr txBox="1"/>
+          <p:cNvSpPr txBox="1">
+            <a:spLocks noGrp="1"/>
+          </p:cNvSpPr>
           <p:nvPr>
-            <p:ph idx="12" type="sldNum"/>
+            <p:ph type="sldNum" idx="12"/>
           </p:nvPr>
         </p:nvSpPr>
         <p:spPr>
@@ -3027,7 +3105,7 @@
           </a:prstGeom>
         </p:spPr>
         <p:txBody>
-          <a:bodyPr anchorCtr="0" anchor="ctr" bIns="91425" lIns="91425" spcFirstLastPara="1" rIns="91425" wrap="square" tIns="91425">
+          <a:bodyPr spcFirstLastPara="1" wrap="square" lIns="91425" tIns="91425" rIns="91425" bIns="91425" anchor="ctr" anchorCtr="0">
             <a:noAutofit/>
           </a:bodyPr>
           <a:lstStyle>
@@ -3069,7 +3147,7 @@
             </a:lvl9pPr>
           </a:lstStyle>
           <a:p>
-            <a:pPr indent="0" lvl="0" marL="0" rtl="0" algn="r">
+            <a:pPr marL="0" lvl="0" indent="0" algn="r" rtl="0">
               <a:spcBef>
                 <a:spcPts val="0"/>
               </a:spcBef>
@@ -3095,11 +3173,11 @@
 </file>
 
 <file path=ppt/slideLayouts/slideLayout10.xml><?xml version="1.0" encoding="utf-8"?>
-<p:sldLayout xmlns:a="http://schemas.openxmlformats.org/drawingml/2006/main" xmlns:r="http://schemas.openxmlformats.org/officeDocument/2006/relationships" xmlns:mc="http://schemas.openxmlformats.org/markup-compatibility/2006" xmlns:mv="urn:schemas-microsoft-com:mac:vml" xmlns:p="http://schemas.openxmlformats.org/presentationml/2006/main" xmlns:c="http://schemas.openxmlformats.org/drawingml/2006/chart" xmlns:dgm="http://schemas.openxmlformats.org/drawingml/2006/diagram" xmlns:o="urn:schemas-microsoft-com:office:office" xmlns:v="urn:schemas-microsoft-com:vml" xmlns:pvml="urn:schemas-microsoft-com:office:powerpoint" xmlns:com="http://schemas.openxmlformats.org/drawingml/2006/compatibility" xmlns:p14="http://schemas.microsoft.com/office/powerpoint/2010/main" xmlns:p15="http://schemas.microsoft.com/office/powerpoint/2012/main" xmlns:ahyp="http://schemas.microsoft.com/office/drawing/2018/hyperlinkcolor" matchingName="Big number">
+<p:sldLayout xmlns:a="http://schemas.openxmlformats.org/drawingml/2006/main" xmlns:r="http://schemas.openxmlformats.org/officeDocument/2006/relationships" xmlns:p="http://schemas.openxmlformats.org/presentationml/2006/main" matchingName="Big number">
   <p:cSld name="BIG_NUMBER">
     <p:spTree>
       <p:nvGrpSpPr>
-        <p:cNvPr id="55" name="Shape 55"/>
+        <p:cNvPr id="1" name="Shape 55"/>
         <p:cNvGrpSpPr/>
         <p:nvPr/>
       </p:nvGrpSpPr>
@@ -3133,12 +3211,12 @@
           </a:ln>
         </p:spPr>
         <p:txBody>
-          <a:bodyPr anchorCtr="0" anchor="ctr" bIns="91425" lIns="91425" spcFirstLastPara="1" rIns="91425" wrap="square" tIns="91425">
+          <a:bodyPr spcFirstLastPara="1" wrap="square" lIns="91425" tIns="91425" rIns="91425" bIns="91425" anchor="ctr" anchorCtr="0">
             <a:noAutofit/>
           </a:bodyPr>
           <a:lstStyle/>
           <a:p>
-            <a:pPr indent="0" lvl="0" marL="0" rtl="0" algn="l">
+            <a:pPr marL="0" lvl="0" indent="0" algn="l" rtl="0">
               <a:spcBef>
                 <a:spcPts val="0"/>
               </a:spcBef>
@@ -3147,9 +3225,6 @@
               </a:spcAft>
               <a:buNone/>
             </a:pPr>
-            <a:r>
-              <a:t/>
-            </a:r>
             <a:endParaRPr/>
           </a:p>
         </p:txBody>
@@ -3157,9 +3232,11 @@
       <p:sp>
         <p:nvSpPr>
           <p:cNvPr id="57" name="Google Shape;57;p11"/>
-          <p:cNvSpPr txBox="1"/>
+          <p:cNvSpPr txBox="1">
+            <a:spLocks noGrp="1"/>
+          </p:cNvSpPr>
           <p:nvPr>
-            <p:ph hasCustomPrompt="1" type="title"/>
+            <p:ph type="title" hasCustomPrompt="1"/>
           </p:nvPr>
         </p:nvSpPr>
         <p:spPr>
@@ -3172,7 +3249,7 @@
           </a:prstGeom>
         </p:spPr>
         <p:txBody>
-          <a:bodyPr anchorCtr="0" anchor="ctr" bIns="91425" lIns="91425" spcFirstLastPara="1" rIns="91425" wrap="square" tIns="91425">
+          <a:bodyPr spcFirstLastPara="1" wrap="square" lIns="91425" tIns="91425" rIns="91425" bIns="91425" anchor="ctr" anchorCtr="0">
             <a:noAutofit/>
           </a:bodyPr>
           <a:lstStyle>
@@ -3349,9 +3426,11 @@
       <p:sp>
         <p:nvSpPr>
           <p:cNvPr id="58" name="Google Shape;58;p11"/>
-          <p:cNvSpPr txBox="1"/>
+          <p:cNvSpPr txBox="1">
+            <a:spLocks noGrp="1"/>
+          </p:cNvSpPr>
           <p:nvPr>
-            <p:ph idx="1" type="body"/>
+            <p:ph type="body" idx="1"/>
           </p:nvPr>
         </p:nvSpPr>
         <p:spPr>
@@ -3364,11 +3443,11 @@
           </a:prstGeom>
         </p:spPr>
         <p:txBody>
-          <a:bodyPr anchorCtr="0" anchor="t" bIns="91425" lIns="91425" spcFirstLastPara="1" rIns="91425" wrap="square" tIns="91425">
+          <a:bodyPr spcFirstLastPara="1" wrap="square" lIns="91425" tIns="91425" rIns="91425" bIns="91425" anchor="t" anchorCtr="0">
             <a:noAutofit/>
           </a:bodyPr>
           <a:lstStyle>
-            <a:lvl1pPr indent="-342900" lvl="0" marL="457200" algn="ctr">
+            <a:lvl1pPr marL="457200" lvl="0" indent="-342900" algn="ctr">
               <a:spcBef>
                 <a:spcPts val="0"/>
               </a:spcBef>
@@ -3379,7 +3458,7 @@
               <a:buChar char="●"/>
               <a:defRPr/>
             </a:lvl1pPr>
-            <a:lvl2pPr indent="-317500" lvl="1" marL="914400" algn="ctr">
+            <a:lvl2pPr marL="914400" lvl="1" indent="-317500" algn="ctr">
               <a:spcBef>
                 <a:spcPts val="1600"/>
               </a:spcBef>
@@ -3390,7 +3469,7 @@
               <a:buChar char="○"/>
               <a:defRPr/>
             </a:lvl2pPr>
-            <a:lvl3pPr indent="-317500" lvl="2" marL="1371600" algn="ctr">
+            <a:lvl3pPr marL="1371600" lvl="2" indent="-317500" algn="ctr">
               <a:spcBef>
                 <a:spcPts val="1600"/>
               </a:spcBef>
@@ -3401,7 +3480,7 @@
               <a:buChar char="■"/>
               <a:defRPr/>
             </a:lvl3pPr>
-            <a:lvl4pPr indent="-317500" lvl="3" marL="1828800" algn="ctr">
+            <a:lvl4pPr marL="1828800" lvl="3" indent="-317500" algn="ctr">
               <a:spcBef>
                 <a:spcPts val="1600"/>
               </a:spcBef>
@@ -3412,7 +3491,7 @@
               <a:buChar char="●"/>
               <a:defRPr/>
             </a:lvl4pPr>
-            <a:lvl5pPr indent="-317500" lvl="4" marL="2286000" algn="ctr">
+            <a:lvl5pPr marL="2286000" lvl="4" indent="-317500" algn="ctr">
               <a:spcBef>
                 <a:spcPts val="1600"/>
               </a:spcBef>
@@ -3423,7 +3502,7 @@
               <a:buChar char="○"/>
               <a:defRPr/>
             </a:lvl5pPr>
-            <a:lvl6pPr indent="-317500" lvl="5" marL="2743200" algn="ctr">
+            <a:lvl6pPr marL="2743200" lvl="5" indent="-317500" algn="ctr">
               <a:spcBef>
                 <a:spcPts val="1600"/>
               </a:spcBef>
@@ -3434,7 +3513,7 @@
               <a:buChar char="■"/>
               <a:defRPr/>
             </a:lvl6pPr>
-            <a:lvl7pPr indent="-317500" lvl="6" marL="3200400" algn="ctr">
+            <a:lvl7pPr marL="3200400" lvl="6" indent="-317500" algn="ctr">
               <a:spcBef>
                 <a:spcPts val="1600"/>
               </a:spcBef>
@@ -3445,7 +3524,7 @@
               <a:buChar char="●"/>
               <a:defRPr/>
             </a:lvl7pPr>
-            <a:lvl8pPr indent="-317500" lvl="7" marL="3657600" algn="ctr">
+            <a:lvl8pPr marL="3657600" lvl="7" indent="-317500" algn="ctr">
               <a:spcBef>
                 <a:spcPts val="1600"/>
               </a:spcBef>
@@ -3456,7 +3535,7 @@
               <a:buChar char="○"/>
               <a:defRPr/>
             </a:lvl8pPr>
-            <a:lvl9pPr indent="-317500" lvl="8" marL="4114800" algn="ctr">
+            <a:lvl9pPr marL="4114800" lvl="8" indent="-317500" algn="ctr">
               <a:spcBef>
                 <a:spcPts val="1600"/>
               </a:spcBef>
@@ -3468,15 +3547,19 @@
               <a:defRPr/>
             </a:lvl9pPr>
           </a:lstStyle>
-          <a:p/>
+          <a:p>
+            <a:endParaRPr/>
+          </a:p>
         </p:txBody>
       </p:sp>
       <p:sp>
         <p:nvSpPr>
           <p:cNvPr id="59" name="Google Shape;59;p11"/>
-          <p:cNvSpPr txBox="1"/>
+          <p:cNvSpPr txBox="1">
+            <a:spLocks noGrp="1"/>
+          </p:cNvSpPr>
           <p:nvPr>
-            <p:ph idx="12" type="sldNum"/>
+            <p:ph type="sldNum" idx="12"/>
           </p:nvPr>
         </p:nvSpPr>
         <p:spPr>
@@ -3489,7 +3572,7 @@
           </a:prstGeom>
         </p:spPr>
         <p:txBody>
-          <a:bodyPr anchorCtr="0" anchor="ctr" bIns="91425" lIns="91425" spcFirstLastPara="1" rIns="91425" wrap="square" tIns="91425">
+          <a:bodyPr spcFirstLastPara="1" wrap="square" lIns="91425" tIns="91425" rIns="91425" bIns="91425" anchor="ctr" anchorCtr="0">
             <a:noAutofit/>
           </a:bodyPr>
           <a:lstStyle>
@@ -3531,7 +3614,7 @@
             </a:lvl9pPr>
           </a:lstStyle>
           <a:p>
-            <a:pPr indent="0" lvl="0" marL="0" rtl="0" algn="r">
+            <a:pPr marL="0" lvl="0" indent="0" algn="r" rtl="0">
               <a:spcBef>
                 <a:spcPts val="0"/>
               </a:spcBef>
@@ -3557,11 +3640,11 @@
 </file>
 
 <file path=ppt/slideLayouts/slideLayout11.xml><?xml version="1.0" encoding="utf-8"?>
-<p:sldLayout xmlns:a="http://schemas.openxmlformats.org/drawingml/2006/main" xmlns:r="http://schemas.openxmlformats.org/officeDocument/2006/relationships" xmlns:mc="http://schemas.openxmlformats.org/markup-compatibility/2006" xmlns:mv="urn:schemas-microsoft-com:mac:vml" xmlns:p="http://schemas.openxmlformats.org/presentationml/2006/main" xmlns:c="http://schemas.openxmlformats.org/drawingml/2006/chart" xmlns:dgm="http://schemas.openxmlformats.org/drawingml/2006/diagram" xmlns:o="urn:schemas-microsoft-com:office:office" xmlns:v="urn:schemas-microsoft-com:vml" xmlns:pvml="urn:schemas-microsoft-com:office:powerpoint" xmlns:com="http://schemas.openxmlformats.org/drawingml/2006/compatibility" xmlns:p14="http://schemas.microsoft.com/office/powerpoint/2010/main" xmlns:p15="http://schemas.microsoft.com/office/powerpoint/2012/main" xmlns:ahyp="http://schemas.microsoft.com/office/drawing/2018/hyperlinkcolor" matchingName="Blank" type="blank">
+<p:sldLayout xmlns:a="http://schemas.openxmlformats.org/drawingml/2006/main" xmlns:r="http://schemas.openxmlformats.org/officeDocument/2006/relationships" xmlns:p="http://schemas.openxmlformats.org/presentationml/2006/main" matchingName="Blank" type="blank">
   <p:cSld name="BLANK">
     <p:spTree>
       <p:nvGrpSpPr>
-        <p:cNvPr id="60" name="Shape 60"/>
+        <p:cNvPr id="1" name="Shape 60"/>
         <p:cNvGrpSpPr/>
         <p:nvPr/>
       </p:nvGrpSpPr>
@@ -3576,9 +3659,11 @@
       <p:sp>
         <p:nvSpPr>
           <p:cNvPr id="61" name="Google Shape;61;p12"/>
-          <p:cNvSpPr txBox="1"/>
+          <p:cNvSpPr txBox="1">
+            <a:spLocks noGrp="1"/>
+          </p:cNvSpPr>
           <p:nvPr>
-            <p:ph idx="12" type="sldNum"/>
+            <p:ph type="sldNum" idx="12"/>
           </p:nvPr>
         </p:nvSpPr>
         <p:spPr>
@@ -3591,7 +3676,7 @@
           </a:prstGeom>
         </p:spPr>
         <p:txBody>
-          <a:bodyPr anchorCtr="0" anchor="ctr" bIns="91425" lIns="91425" spcFirstLastPara="1" rIns="91425" wrap="square" tIns="91425">
+          <a:bodyPr spcFirstLastPara="1" wrap="square" lIns="91425" tIns="91425" rIns="91425" bIns="91425" anchor="ctr" anchorCtr="0">
             <a:noAutofit/>
           </a:bodyPr>
           <a:lstStyle>
@@ -3633,7 +3718,7 @@
             </a:lvl9pPr>
           </a:lstStyle>
           <a:p>
-            <a:pPr indent="0" lvl="0" marL="0" rtl="0" algn="r">
+            <a:pPr marL="0" lvl="0" indent="0" algn="r" rtl="0">
               <a:spcBef>
                 <a:spcPts val="0"/>
               </a:spcBef>
@@ -3659,11 +3744,11 @@
 </file>
 
 <file path=ppt/slideLayouts/slideLayout2.xml><?xml version="1.0" encoding="utf-8"?>
-<p:sldLayout xmlns:a="http://schemas.openxmlformats.org/drawingml/2006/main" xmlns:r="http://schemas.openxmlformats.org/officeDocument/2006/relationships" xmlns:mc="http://schemas.openxmlformats.org/markup-compatibility/2006" xmlns:mv="urn:schemas-microsoft-com:mac:vml" xmlns:p="http://schemas.openxmlformats.org/presentationml/2006/main" xmlns:c="http://schemas.openxmlformats.org/drawingml/2006/chart" xmlns:dgm="http://schemas.openxmlformats.org/drawingml/2006/diagram" xmlns:o="urn:schemas-microsoft-com:office:office" xmlns:v="urn:schemas-microsoft-com:vml" xmlns:pvml="urn:schemas-microsoft-com:office:powerpoint" xmlns:com="http://schemas.openxmlformats.org/drawingml/2006/compatibility" xmlns:p14="http://schemas.microsoft.com/office/powerpoint/2010/main" xmlns:p15="http://schemas.microsoft.com/office/powerpoint/2012/main" xmlns:ahyp="http://schemas.microsoft.com/office/drawing/2018/hyperlinkcolor" matchingName="Section header" type="secHead">
+<p:sldLayout xmlns:a="http://schemas.openxmlformats.org/drawingml/2006/main" xmlns:r="http://schemas.openxmlformats.org/officeDocument/2006/relationships" xmlns:p="http://schemas.openxmlformats.org/presentationml/2006/main" matchingName="Section header" type="secHead">
   <p:cSld name="SECTION_HEADER">
     <p:spTree>
       <p:nvGrpSpPr>
-        <p:cNvPr id="21" name="Shape 21"/>
+        <p:cNvPr id="1" name="Shape 21"/>
         <p:cNvGrpSpPr/>
         <p:nvPr/>
       </p:nvGrpSpPr>
@@ -3697,12 +3782,12 @@
           </a:ln>
         </p:spPr>
         <p:txBody>
-          <a:bodyPr anchorCtr="0" anchor="ctr" bIns="91425" lIns="91425" spcFirstLastPara="1" rIns="91425" wrap="square" tIns="91425">
+          <a:bodyPr spcFirstLastPara="1" wrap="square" lIns="91425" tIns="91425" rIns="91425" bIns="91425" anchor="ctr" anchorCtr="0">
             <a:noAutofit/>
           </a:bodyPr>
           <a:lstStyle/>
           <a:p>
-            <a:pPr indent="0" lvl="0" marL="0" rtl="0" algn="l">
+            <a:pPr marL="0" lvl="0" indent="0" algn="l" rtl="0">
               <a:spcBef>
                 <a:spcPts val="0"/>
               </a:spcBef>
@@ -3711,9 +3796,6 @@
               </a:spcAft>
               <a:buNone/>
             </a:pPr>
-            <a:r>
-              <a:t/>
-            </a:r>
             <a:endParaRPr/>
           </a:p>
         </p:txBody>
@@ -3721,7 +3803,9 @@
       <p:sp>
         <p:nvSpPr>
           <p:cNvPr id="23" name="Google Shape;23;p3"/>
-          <p:cNvSpPr txBox="1"/>
+          <p:cNvSpPr txBox="1">
+            <a:spLocks noGrp="1"/>
+          </p:cNvSpPr>
           <p:nvPr>
             <p:ph type="title"/>
           </p:nvPr>
@@ -3736,7 +3820,7 @@
           </a:prstGeom>
         </p:spPr>
         <p:txBody>
-          <a:bodyPr anchorCtr="0" anchor="ctr" bIns="91425" lIns="91425" spcFirstLastPara="1" rIns="91425" wrap="square" tIns="91425">
+          <a:bodyPr spcFirstLastPara="1" wrap="square" lIns="91425" tIns="91425" rIns="91425" bIns="91425" anchor="ctr" anchorCtr="0">
             <a:noAutofit/>
           </a:bodyPr>
           <a:lstStyle>
@@ -3840,15 +3924,19 @@
               <a:defRPr/>
             </a:lvl9pPr>
           </a:lstStyle>
-          <a:p/>
+          <a:p>
+            <a:endParaRPr/>
+          </a:p>
         </p:txBody>
       </p:sp>
       <p:sp>
         <p:nvSpPr>
           <p:cNvPr id="24" name="Google Shape;24;p3"/>
-          <p:cNvSpPr txBox="1"/>
+          <p:cNvSpPr txBox="1">
+            <a:spLocks noGrp="1"/>
+          </p:cNvSpPr>
           <p:nvPr>
-            <p:ph idx="12" type="sldNum"/>
+            <p:ph type="sldNum" idx="12"/>
           </p:nvPr>
         </p:nvSpPr>
         <p:spPr>
@@ -3861,7 +3949,7 @@
           </a:prstGeom>
         </p:spPr>
         <p:txBody>
-          <a:bodyPr anchorCtr="0" anchor="ctr" bIns="91425" lIns="91425" spcFirstLastPara="1" rIns="91425" wrap="square" tIns="91425">
+          <a:bodyPr spcFirstLastPara="1" wrap="square" lIns="91425" tIns="91425" rIns="91425" bIns="91425" anchor="ctr" anchorCtr="0">
             <a:noAutofit/>
           </a:bodyPr>
           <a:lstStyle>
@@ -3939,7 +4027,7 @@
             </a:lvl9pPr>
           </a:lstStyle>
           <a:p>
-            <a:pPr indent="0" lvl="0" marL="0" rtl="0" algn="r">
+            <a:pPr marL="0" lvl="0" indent="0" algn="r" rtl="0">
               <a:spcBef>
                 <a:spcPts val="0"/>
               </a:spcBef>
@@ -3965,11 +4053,11 @@
 </file>
 
 <file path=ppt/slideLayouts/slideLayout3.xml><?xml version="1.0" encoding="utf-8"?>
-<p:sldLayout xmlns:a="http://schemas.openxmlformats.org/drawingml/2006/main" xmlns:r="http://schemas.openxmlformats.org/officeDocument/2006/relationships" xmlns:mc="http://schemas.openxmlformats.org/markup-compatibility/2006" xmlns:mv="urn:schemas-microsoft-com:mac:vml" xmlns:p="http://schemas.openxmlformats.org/presentationml/2006/main" xmlns:c="http://schemas.openxmlformats.org/drawingml/2006/chart" xmlns:dgm="http://schemas.openxmlformats.org/drawingml/2006/diagram" xmlns:o="urn:schemas-microsoft-com:office:office" xmlns:v="urn:schemas-microsoft-com:vml" xmlns:pvml="urn:schemas-microsoft-com:office:powerpoint" xmlns:com="http://schemas.openxmlformats.org/drawingml/2006/compatibility" xmlns:p14="http://schemas.microsoft.com/office/powerpoint/2010/main" xmlns:p15="http://schemas.microsoft.com/office/powerpoint/2012/main" xmlns:ahyp="http://schemas.microsoft.com/office/drawing/2018/hyperlinkcolor" matchingName="Title and body" type="tx">
+<p:sldLayout xmlns:a="http://schemas.openxmlformats.org/drawingml/2006/main" xmlns:r="http://schemas.openxmlformats.org/officeDocument/2006/relationships" xmlns:p="http://schemas.openxmlformats.org/presentationml/2006/main" matchingName="Title and body" type="tx">
   <p:cSld name="TITLE_AND_BODY">
     <p:spTree>
       <p:nvGrpSpPr>
-        <p:cNvPr id="25" name="Shape 25"/>
+        <p:cNvPr id="1" name="Shape 25"/>
         <p:cNvGrpSpPr/>
         <p:nvPr/>
       </p:nvGrpSpPr>
@@ -4003,12 +4091,12 @@
           </a:ln>
         </p:spPr>
         <p:txBody>
-          <a:bodyPr anchorCtr="0" anchor="ctr" bIns="91425" lIns="91425" spcFirstLastPara="1" rIns="91425" wrap="square" tIns="91425">
+          <a:bodyPr spcFirstLastPara="1" wrap="square" lIns="91425" tIns="91425" rIns="91425" bIns="91425" anchor="ctr" anchorCtr="0">
             <a:noAutofit/>
           </a:bodyPr>
           <a:lstStyle/>
           <a:p>
-            <a:pPr indent="0" lvl="0" marL="0" rtl="0" algn="l">
+            <a:pPr marL="0" lvl="0" indent="0" algn="l" rtl="0">
               <a:spcBef>
                 <a:spcPts val="0"/>
               </a:spcBef>
@@ -4017,9 +4105,6 @@
               </a:spcAft>
               <a:buNone/>
             </a:pPr>
-            <a:r>
-              <a:t/>
-            </a:r>
             <a:endParaRPr/>
           </a:p>
         </p:txBody>
@@ -4027,7 +4112,9 @@
       <p:sp>
         <p:nvSpPr>
           <p:cNvPr id="27" name="Google Shape;27;p4"/>
-          <p:cNvSpPr txBox="1"/>
+          <p:cNvSpPr txBox="1">
+            <a:spLocks noGrp="1"/>
+          </p:cNvSpPr>
           <p:nvPr>
             <p:ph type="title"/>
           </p:nvPr>
@@ -4042,7 +4129,7 @@
           </a:prstGeom>
         </p:spPr>
         <p:txBody>
-          <a:bodyPr anchorCtr="0" anchor="t" bIns="91425" lIns="91425" spcFirstLastPara="1" rIns="91425" wrap="square" tIns="91425">
+          <a:bodyPr spcFirstLastPara="1" wrap="square" lIns="91425" tIns="91425" rIns="91425" bIns="91425" anchor="t" anchorCtr="0">
             <a:noAutofit/>
           </a:bodyPr>
           <a:lstStyle>
@@ -4146,15 +4233,19 @@
               <a:defRPr/>
             </a:lvl9pPr>
           </a:lstStyle>
-          <a:p/>
+          <a:p>
+            <a:endParaRPr/>
+          </a:p>
         </p:txBody>
       </p:sp>
       <p:sp>
         <p:nvSpPr>
           <p:cNvPr id="28" name="Google Shape;28;p4"/>
-          <p:cNvSpPr txBox="1"/>
+          <p:cNvSpPr txBox="1">
+            <a:spLocks noGrp="1"/>
+          </p:cNvSpPr>
           <p:nvPr>
-            <p:ph idx="1" type="body"/>
+            <p:ph type="body" idx="1"/>
           </p:nvPr>
         </p:nvSpPr>
         <p:spPr>
@@ -4167,11 +4258,11 @@
           </a:prstGeom>
         </p:spPr>
         <p:txBody>
-          <a:bodyPr anchorCtr="0" anchor="t" bIns="91425" lIns="91425" spcFirstLastPara="1" rIns="91425" wrap="square" tIns="91425">
+          <a:bodyPr spcFirstLastPara="1" wrap="square" lIns="91425" tIns="91425" rIns="91425" bIns="91425" anchor="t" anchorCtr="0">
             <a:noAutofit/>
           </a:bodyPr>
           <a:lstStyle>
-            <a:lvl1pPr indent="-342900" lvl="0" marL="457200">
+            <a:lvl1pPr marL="457200" lvl="0" indent="-342900">
               <a:spcBef>
                 <a:spcPts val="0"/>
               </a:spcBef>
@@ -4182,7 +4273,7 @@
               <a:buChar char="●"/>
               <a:defRPr/>
             </a:lvl1pPr>
-            <a:lvl2pPr indent="-317500" lvl="1" marL="914400">
+            <a:lvl2pPr marL="914400" lvl="1" indent="-317500">
               <a:spcBef>
                 <a:spcPts val="1600"/>
               </a:spcBef>
@@ -4193,7 +4284,7 @@
               <a:buChar char="○"/>
               <a:defRPr/>
             </a:lvl2pPr>
-            <a:lvl3pPr indent="-317500" lvl="2" marL="1371600">
+            <a:lvl3pPr marL="1371600" lvl="2" indent="-317500">
               <a:spcBef>
                 <a:spcPts val="1600"/>
               </a:spcBef>
@@ -4204,7 +4295,7 @@
               <a:buChar char="■"/>
               <a:defRPr/>
             </a:lvl3pPr>
-            <a:lvl4pPr indent="-317500" lvl="3" marL="1828800">
+            <a:lvl4pPr marL="1828800" lvl="3" indent="-317500">
               <a:spcBef>
                 <a:spcPts val="1600"/>
               </a:spcBef>
@@ -4215,7 +4306,7 @@
               <a:buChar char="●"/>
               <a:defRPr/>
             </a:lvl4pPr>
-            <a:lvl5pPr indent="-317500" lvl="4" marL="2286000">
+            <a:lvl5pPr marL="2286000" lvl="4" indent="-317500">
               <a:spcBef>
                 <a:spcPts val="1600"/>
               </a:spcBef>
@@ -4226,7 +4317,7 @@
               <a:buChar char="○"/>
               <a:defRPr/>
             </a:lvl5pPr>
-            <a:lvl6pPr indent="-317500" lvl="5" marL="2743200">
+            <a:lvl6pPr marL="2743200" lvl="5" indent="-317500">
               <a:spcBef>
                 <a:spcPts val="1600"/>
               </a:spcBef>
@@ -4237,7 +4328,7 @@
               <a:buChar char="■"/>
               <a:defRPr/>
             </a:lvl6pPr>
-            <a:lvl7pPr indent="-317500" lvl="6" marL="3200400">
+            <a:lvl7pPr marL="3200400" lvl="6" indent="-317500">
               <a:spcBef>
                 <a:spcPts val="1600"/>
               </a:spcBef>
@@ -4248,7 +4339,7 @@
               <a:buChar char="●"/>
               <a:defRPr/>
             </a:lvl7pPr>
-            <a:lvl8pPr indent="-317500" lvl="7" marL="3657600">
+            <a:lvl8pPr marL="3657600" lvl="7" indent="-317500">
               <a:spcBef>
                 <a:spcPts val="1600"/>
               </a:spcBef>
@@ -4259,7 +4350,7 @@
               <a:buChar char="○"/>
               <a:defRPr/>
             </a:lvl8pPr>
-            <a:lvl9pPr indent="-317500" lvl="8" marL="4114800">
+            <a:lvl9pPr marL="4114800" lvl="8" indent="-317500">
               <a:spcBef>
                 <a:spcPts val="1600"/>
               </a:spcBef>
@@ -4271,15 +4362,19 @@
               <a:defRPr/>
             </a:lvl9pPr>
           </a:lstStyle>
-          <a:p/>
+          <a:p>
+            <a:endParaRPr/>
+          </a:p>
         </p:txBody>
       </p:sp>
       <p:sp>
         <p:nvSpPr>
           <p:cNvPr id="29" name="Google Shape;29;p4"/>
-          <p:cNvSpPr txBox="1"/>
+          <p:cNvSpPr txBox="1">
+            <a:spLocks noGrp="1"/>
+          </p:cNvSpPr>
           <p:nvPr>
-            <p:ph idx="12" type="sldNum"/>
+            <p:ph type="sldNum" idx="12"/>
           </p:nvPr>
         </p:nvSpPr>
         <p:spPr>
@@ -4292,7 +4387,7 @@
           </a:prstGeom>
         </p:spPr>
         <p:txBody>
-          <a:bodyPr anchorCtr="0" anchor="ctr" bIns="91425" lIns="91425" spcFirstLastPara="1" rIns="91425" wrap="square" tIns="91425">
+          <a:bodyPr spcFirstLastPara="1" wrap="square" lIns="91425" tIns="91425" rIns="91425" bIns="91425" anchor="ctr" anchorCtr="0">
             <a:noAutofit/>
           </a:bodyPr>
           <a:lstStyle>
@@ -4334,7 +4429,7 @@
             </a:lvl9pPr>
           </a:lstStyle>
           <a:p>
-            <a:pPr indent="0" lvl="0" marL="0" rtl="0" algn="r">
+            <a:pPr marL="0" lvl="0" indent="0" algn="r" rtl="0">
               <a:spcBef>
                 <a:spcPts val="0"/>
               </a:spcBef>
@@ -4360,11 +4455,11 @@
 </file>
 
 <file path=ppt/slideLayouts/slideLayout4.xml><?xml version="1.0" encoding="utf-8"?>
-<p:sldLayout xmlns:a="http://schemas.openxmlformats.org/drawingml/2006/main" xmlns:r="http://schemas.openxmlformats.org/officeDocument/2006/relationships" xmlns:mc="http://schemas.openxmlformats.org/markup-compatibility/2006" xmlns:mv="urn:schemas-microsoft-com:mac:vml" xmlns:p="http://schemas.openxmlformats.org/presentationml/2006/main" xmlns:c="http://schemas.openxmlformats.org/drawingml/2006/chart" xmlns:dgm="http://schemas.openxmlformats.org/drawingml/2006/diagram" xmlns:o="urn:schemas-microsoft-com:office:office" xmlns:v="urn:schemas-microsoft-com:vml" xmlns:pvml="urn:schemas-microsoft-com:office:powerpoint" xmlns:com="http://schemas.openxmlformats.org/drawingml/2006/compatibility" xmlns:p14="http://schemas.microsoft.com/office/powerpoint/2010/main" xmlns:p15="http://schemas.microsoft.com/office/powerpoint/2012/main" xmlns:ahyp="http://schemas.microsoft.com/office/drawing/2018/hyperlinkcolor" matchingName="Title and two columns" type="twoColTx">
+<p:sldLayout xmlns:a="http://schemas.openxmlformats.org/drawingml/2006/main" xmlns:r="http://schemas.openxmlformats.org/officeDocument/2006/relationships" xmlns:p="http://schemas.openxmlformats.org/presentationml/2006/main" matchingName="Title and two columns" type="twoColTx">
   <p:cSld name="TITLE_AND_TWO_COLUMNS">
     <p:spTree>
       <p:nvGrpSpPr>
-        <p:cNvPr id="30" name="Shape 30"/>
+        <p:cNvPr id="1" name="Shape 30"/>
         <p:cNvGrpSpPr/>
         <p:nvPr/>
       </p:nvGrpSpPr>
@@ -4379,7 +4474,9 @@
       <p:sp>
         <p:nvSpPr>
           <p:cNvPr id="31" name="Google Shape;31;p5"/>
-          <p:cNvSpPr txBox="1"/>
+          <p:cNvSpPr txBox="1">
+            <a:spLocks noGrp="1"/>
+          </p:cNvSpPr>
           <p:nvPr>
             <p:ph type="title"/>
           </p:nvPr>
@@ -4394,7 +4491,7 @@
           </a:prstGeom>
         </p:spPr>
         <p:txBody>
-          <a:bodyPr anchorCtr="0" anchor="t" bIns="91425" lIns="91425" spcFirstLastPara="1" rIns="91425" wrap="square" tIns="91425">
+          <a:bodyPr spcFirstLastPara="1" wrap="square" lIns="91425" tIns="91425" rIns="91425" bIns="91425" anchor="t" anchorCtr="0">
             <a:noAutofit/>
           </a:bodyPr>
           <a:lstStyle>
@@ -4498,15 +4595,19 @@
               <a:defRPr/>
             </a:lvl9pPr>
           </a:lstStyle>
-          <a:p/>
+          <a:p>
+            <a:endParaRPr/>
+          </a:p>
         </p:txBody>
       </p:sp>
       <p:sp>
         <p:nvSpPr>
           <p:cNvPr id="32" name="Google Shape;32;p5"/>
-          <p:cNvSpPr txBox="1"/>
+          <p:cNvSpPr txBox="1">
+            <a:spLocks noGrp="1"/>
+          </p:cNvSpPr>
           <p:nvPr>
-            <p:ph idx="1" type="body"/>
+            <p:ph type="body" idx="1"/>
           </p:nvPr>
         </p:nvSpPr>
         <p:spPr>
@@ -4519,11 +4620,11 @@
           </a:prstGeom>
         </p:spPr>
         <p:txBody>
-          <a:bodyPr anchorCtr="0" anchor="t" bIns="91425" lIns="91425" spcFirstLastPara="1" rIns="91425" wrap="square" tIns="91425">
+          <a:bodyPr spcFirstLastPara="1" wrap="square" lIns="91425" tIns="91425" rIns="91425" bIns="91425" anchor="t" anchorCtr="0">
             <a:noAutofit/>
           </a:bodyPr>
           <a:lstStyle>
-            <a:lvl1pPr indent="-317500" lvl="0" marL="457200">
+            <a:lvl1pPr marL="457200" lvl="0" indent="-317500">
               <a:spcBef>
                 <a:spcPts val="0"/>
               </a:spcBef>
@@ -4534,7 +4635,7 @@
               <a:buChar char="●"/>
               <a:defRPr sz="1400"/>
             </a:lvl1pPr>
-            <a:lvl2pPr indent="-304800" lvl="1" marL="914400">
+            <a:lvl2pPr marL="914400" lvl="1" indent="-304800">
               <a:spcBef>
                 <a:spcPts val="1600"/>
               </a:spcBef>
@@ -4545,7 +4646,7 @@
               <a:buChar char="○"/>
               <a:defRPr sz="1200"/>
             </a:lvl2pPr>
-            <a:lvl3pPr indent="-304800" lvl="2" marL="1371600">
+            <a:lvl3pPr marL="1371600" lvl="2" indent="-304800">
               <a:spcBef>
                 <a:spcPts val="1600"/>
               </a:spcBef>
@@ -4556,7 +4657,7 @@
               <a:buChar char="■"/>
               <a:defRPr sz="1200"/>
             </a:lvl3pPr>
-            <a:lvl4pPr indent="-304800" lvl="3" marL="1828800">
+            <a:lvl4pPr marL="1828800" lvl="3" indent="-304800">
               <a:spcBef>
                 <a:spcPts val="1600"/>
               </a:spcBef>
@@ -4567,7 +4668,7 @@
               <a:buChar char="●"/>
               <a:defRPr sz="1200"/>
             </a:lvl4pPr>
-            <a:lvl5pPr indent="-304800" lvl="4" marL="2286000">
+            <a:lvl5pPr marL="2286000" lvl="4" indent="-304800">
               <a:spcBef>
                 <a:spcPts val="1600"/>
               </a:spcBef>
@@ -4578,7 +4679,7 @@
               <a:buChar char="○"/>
               <a:defRPr sz="1200"/>
             </a:lvl5pPr>
-            <a:lvl6pPr indent="-304800" lvl="5" marL="2743200">
+            <a:lvl6pPr marL="2743200" lvl="5" indent="-304800">
               <a:spcBef>
                 <a:spcPts val="1600"/>
               </a:spcBef>
@@ -4589,7 +4690,7 @@
               <a:buChar char="■"/>
               <a:defRPr sz="1200"/>
             </a:lvl6pPr>
-            <a:lvl7pPr indent="-304800" lvl="6" marL="3200400">
+            <a:lvl7pPr marL="3200400" lvl="6" indent="-304800">
               <a:spcBef>
                 <a:spcPts val="1600"/>
               </a:spcBef>
@@ -4600,7 +4701,7 @@
               <a:buChar char="●"/>
               <a:defRPr sz="1200"/>
             </a:lvl7pPr>
-            <a:lvl8pPr indent="-304800" lvl="7" marL="3657600">
+            <a:lvl8pPr marL="3657600" lvl="7" indent="-304800">
               <a:spcBef>
                 <a:spcPts val="1600"/>
               </a:spcBef>
@@ -4611,7 +4712,7 @@
               <a:buChar char="○"/>
               <a:defRPr sz="1200"/>
             </a:lvl8pPr>
-            <a:lvl9pPr indent="-304800" lvl="8" marL="4114800">
+            <a:lvl9pPr marL="4114800" lvl="8" indent="-304800">
               <a:spcBef>
                 <a:spcPts val="1600"/>
               </a:spcBef>
@@ -4623,15 +4724,19 @@
               <a:defRPr sz="1200"/>
             </a:lvl9pPr>
           </a:lstStyle>
-          <a:p/>
+          <a:p>
+            <a:endParaRPr/>
+          </a:p>
         </p:txBody>
       </p:sp>
       <p:sp>
         <p:nvSpPr>
           <p:cNvPr id="33" name="Google Shape;33;p5"/>
-          <p:cNvSpPr txBox="1"/>
+          <p:cNvSpPr txBox="1">
+            <a:spLocks noGrp="1"/>
+          </p:cNvSpPr>
           <p:nvPr>
-            <p:ph idx="2" type="body"/>
+            <p:ph type="body" idx="2"/>
           </p:nvPr>
         </p:nvSpPr>
         <p:spPr>
@@ -4644,11 +4749,11 @@
           </a:prstGeom>
         </p:spPr>
         <p:txBody>
-          <a:bodyPr anchorCtr="0" anchor="t" bIns="91425" lIns="91425" spcFirstLastPara="1" rIns="91425" wrap="square" tIns="91425">
+          <a:bodyPr spcFirstLastPara="1" wrap="square" lIns="91425" tIns="91425" rIns="91425" bIns="91425" anchor="t" anchorCtr="0">
             <a:noAutofit/>
           </a:bodyPr>
           <a:lstStyle>
-            <a:lvl1pPr indent="-317500" lvl="0" marL="457200">
+            <a:lvl1pPr marL="457200" lvl="0" indent="-317500">
               <a:spcBef>
                 <a:spcPts val="0"/>
               </a:spcBef>
@@ -4659,7 +4764,7 @@
               <a:buChar char="●"/>
               <a:defRPr sz="1400"/>
             </a:lvl1pPr>
-            <a:lvl2pPr indent="-304800" lvl="1" marL="914400">
+            <a:lvl2pPr marL="914400" lvl="1" indent="-304800">
               <a:spcBef>
                 <a:spcPts val="1600"/>
               </a:spcBef>
@@ -4670,7 +4775,7 @@
               <a:buChar char="○"/>
               <a:defRPr sz="1200"/>
             </a:lvl2pPr>
-            <a:lvl3pPr indent="-304800" lvl="2" marL="1371600">
+            <a:lvl3pPr marL="1371600" lvl="2" indent="-304800">
               <a:spcBef>
                 <a:spcPts val="1600"/>
               </a:spcBef>
@@ -4681,7 +4786,7 @@
               <a:buChar char="■"/>
               <a:defRPr sz="1200"/>
             </a:lvl3pPr>
-            <a:lvl4pPr indent="-304800" lvl="3" marL="1828800">
+            <a:lvl4pPr marL="1828800" lvl="3" indent="-304800">
               <a:spcBef>
                 <a:spcPts val="1600"/>
               </a:spcBef>
@@ -4692,7 +4797,7 @@
               <a:buChar char="●"/>
               <a:defRPr sz="1200"/>
             </a:lvl4pPr>
-            <a:lvl5pPr indent="-304800" lvl="4" marL="2286000">
+            <a:lvl5pPr marL="2286000" lvl="4" indent="-304800">
               <a:spcBef>
                 <a:spcPts val="1600"/>
               </a:spcBef>
@@ -4703,7 +4808,7 @@
               <a:buChar char="○"/>
               <a:defRPr sz="1200"/>
             </a:lvl5pPr>
-            <a:lvl6pPr indent="-304800" lvl="5" marL="2743200">
+            <a:lvl6pPr marL="2743200" lvl="5" indent="-304800">
               <a:spcBef>
                 <a:spcPts val="1600"/>
               </a:spcBef>
@@ -4714,7 +4819,7 @@
               <a:buChar char="■"/>
               <a:defRPr sz="1200"/>
             </a:lvl6pPr>
-            <a:lvl7pPr indent="-304800" lvl="6" marL="3200400">
+            <a:lvl7pPr marL="3200400" lvl="6" indent="-304800">
               <a:spcBef>
                 <a:spcPts val="1600"/>
               </a:spcBef>
@@ -4725,7 +4830,7 @@
               <a:buChar char="●"/>
               <a:defRPr sz="1200"/>
             </a:lvl7pPr>
-            <a:lvl8pPr indent="-304800" lvl="7" marL="3657600">
+            <a:lvl8pPr marL="3657600" lvl="7" indent="-304800">
               <a:spcBef>
                 <a:spcPts val="1600"/>
               </a:spcBef>
@@ -4736,7 +4841,7 @@
               <a:buChar char="○"/>
               <a:defRPr sz="1200"/>
             </a:lvl8pPr>
-            <a:lvl9pPr indent="-304800" lvl="8" marL="4114800">
+            <a:lvl9pPr marL="4114800" lvl="8" indent="-304800">
               <a:spcBef>
                 <a:spcPts val="1600"/>
               </a:spcBef>
@@ -4748,15 +4853,19 @@
               <a:defRPr sz="1200"/>
             </a:lvl9pPr>
           </a:lstStyle>
-          <a:p/>
+          <a:p>
+            <a:endParaRPr/>
+          </a:p>
         </p:txBody>
       </p:sp>
       <p:sp>
         <p:nvSpPr>
           <p:cNvPr id="34" name="Google Shape;34;p5"/>
-          <p:cNvSpPr txBox="1"/>
+          <p:cNvSpPr txBox="1">
+            <a:spLocks noGrp="1"/>
+          </p:cNvSpPr>
           <p:nvPr>
-            <p:ph idx="12" type="sldNum"/>
+            <p:ph type="sldNum" idx="12"/>
           </p:nvPr>
         </p:nvSpPr>
         <p:spPr>
@@ -4769,7 +4878,7 @@
           </a:prstGeom>
         </p:spPr>
         <p:txBody>
-          <a:bodyPr anchorCtr="0" anchor="ctr" bIns="91425" lIns="91425" spcFirstLastPara="1" rIns="91425" wrap="square" tIns="91425">
+          <a:bodyPr spcFirstLastPara="1" wrap="square" lIns="91425" tIns="91425" rIns="91425" bIns="91425" anchor="ctr" anchorCtr="0">
             <a:noAutofit/>
           </a:bodyPr>
           <a:lstStyle>
@@ -4811,7 +4920,7 @@
             </a:lvl9pPr>
           </a:lstStyle>
           <a:p>
-            <a:pPr indent="0" lvl="0" marL="0" rtl="0" algn="r">
+            <a:pPr marL="0" lvl="0" indent="0" algn="r" rtl="0">
               <a:spcBef>
                 <a:spcPts val="0"/>
               </a:spcBef>
@@ -4837,11 +4946,11 @@
 </file>
 
 <file path=ppt/slideLayouts/slideLayout5.xml><?xml version="1.0" encoding="utf-8"?>
-<p:sldLayout xmlns:a="http://schemas.openxmlformats.org/drawingml/2006/main" xmlns:r="http://schemas.openxmlformats.org/officeDocument/2006/relationships" xmlns:mc="http://schemas.openxmlformats.org/markup-compatibility/2006" xmlns:mv="urn:schemas-microsoft-com:mac:vml" xmlns:p="http://schemas.openxmlformats.org/presentationml/2006/main" xmlns:c="http://schemas.openxmlformats.org/drawingml/2006/chart" xmlns:dgm="http://schemas.openxmlformats.org/drawingml/2006/diagram" xmlns:o="urn:schemas-microsoft-com:office:office" xmlns:v="urn:schemas-microsoft-com:vml" xmlns:pvml="urn:schemas-microsoft-com:office:powerpoint" xmlns:com="http://schemas.openxmlformats.org/drawingml/2006/compatibility" xmlns:p14="http://schemas.microsoft.com/office/powerpoint/2010/main" xmlns:p15="http://schemas.microsoft.com/office/powerpoint/2012/main" xmlns:ahyp="http://schemas.microsoft.com/office/drawing/2018/hyperlinkcolor" matchingName="Title only" type="titleOnly">
+<p:sldLayout xmlns:a="http://schemas.openxmlformats.org/drawingml/2006/main" xmlns:r="http://schemas.openxmlformats.org/officeDocument/2006/relationships" xmlns:p="http://schemas.openxmlformats.org/presentationml/2006/main" matchingName="Title only" type="titleOnly">
   <p:cSld name="TITLE_ONLY">
     <p:spTree>
       <p:nvGrpSpPr>
-        <p:cNvPr id="35" name="Shape 35"/>
+        <p:cNvPr id="1" name="Shape 35"/>
         <p:cNvGrpSpPr/>
         <p:nvPr/>
       </p:nvGrpSpPr>
@@ -4856,7 +4965,9 @@
       <p:sp>
         <p:nvSpPr>
           <p:cNvPr id="36" name="Google Shape;36;p6"/>
-          <p:cNvSpPr txBox="1"/>
+          <p:cNvSpPr txBox="1">
+            <a:spLocks noGrp="1"/>
+          </p:cNvSpPr>
           <p:nvPr>
             <p:ph type="title"/>
           </p:nvPr>
@@ -4871,7 +4982,7 @@
           </a:prstGeom>
         </p:spPr>
         <p:txBody>
-          <a:bodyPr anchorCtr="0" anchor="t" bIns="91425" lIns="91425" spcFirstLastPara="1" rIns="91425" wrap="square" tIns="91425">
+          <a:bodyPr spcFirstLastPara="1" wrap="square" lIns="91425" tIns="91425" rIns="91425" bIns="91425" anchor="t" anchorCtr="0">
             <a:noAutofit/>
           </a:bodyPr>
           <a:lstStyle>
@@ -4975,15 +5086,19 @@
               <a:defRPr/>
             </a:lvl9pPr>
           </a:lstStyle>
-          <a:p/>
+          <a:p>
+            <a:endParaRPr/>
+          </a:p>
         </p:txBody>
       </p:sp>
       <p:sp>
         <p:nvSpPr>
           <p:cNvPr id="37" name="Google Shape;37;p6"/>
-          <p:cNvSpPr txBox="1"/>
+          <p:cNvSpPr txBox="1">
+            <a:spLocks noGrp="1"/>
+          </p:cNvSpPr>
           <p:nvPr>
-            <p:ph idx="12" type="sldNum"/>
+            <p:ph type="sldNum" idx="12"/>
           </p:nvPr>
         </p:nvSpPr>
         <p:spPr>
@@ -4996,7 +5111,7 @@
           </a:prstGeom>
         </p:spPr>
         <p:txBody>
-          <a:bodyPr anchorCtr="0" anchor="ctr" bIns="91425" lIns="91425" spcFirstLastPara="1" rIns="91425" wrap="square" tIns="91425">
+          <a:bodyPr spcFirstLastPara="1" wrap="square" lIns="91425" tIns="91425" rIns="91425" bIns="91425" anchor="ctr" anchorCtr="0">
             <a:noAutofit/>
           </a:bodyPr>
           <a:lstStyle>
@@ -5038,7 +5153,7 @@
             </a:lvl9pPr>
           </a:lstStyle>
           <a:p>
-            <a:pPr indent="0" lvl="0" marL="0" rtl="0" algn="r">
+            <a:pPr marL="0" lvl="0" indent="0" algn="r" rtl="0">
               <a:spcBef>
                 <a:spcPts val="0"/>
               </a:spcBef>
@@ -5064,11 +5179,11 @@
 </file>
 
 <file path=ppt/slideLayouts/slideLayout6.xml><?xml version="1.0" encoding="utf-8"?>
-<p:sldLayout xmlns:a="http://schemas.openxmlformats.org/drawingml/2006/main" xmlns:r="http://schemas.openxmlformats.org/officeDocument/2006/relationships" xmlns:mc="http://schemas.openxmlformats.org/markup-compatibility/2006" xmlns:mv="urn:schemas-microsoft-com:mac:vml" xmlns:p="http://schemas.openxmlformats.org/presentationml/2006/main" xmlns:c="http://schemas.openxmlformats.org/drawingml/2006/chart" xmlns:dgm="http://schemas.openxmlformats.org/drawingml/2006/diagram" xmlns:o="urn:schemas-microsoft-com:office:office" xmlns:v="urn:schemas-microsoft-com:vml" xmlns:pvml="urn:schemas-microsoft-com:office:powerpoint" xmlns:com="http://schemas.openxmlformats.org/drawingml/2006/compatibility" xmlns:p14="http://schemas.microsoft.com/office/powerpoint/2010/main" xmlns:p15="http://schemas.microsoft.com/office/powerpoint/2012/main" xmlns:ahyp="http://schemas.microsoft.com/office/drawing/2018/hyperlinkcolor" matchingName="One column text">
+<p:sldLayout xmlns:a="http://schemas.openxmlformats.org/drawingml/2006/main" xmlns:r="http://schemas.openxmlformats.org/officeDocument/2006/relationships" xmlns:p="http://schemas.openxmlformats.org/presentationml/2006/main" matchingName="One column text">
   <p:cSld name="ONE_COLUMN_TEXT">
     <p:spTree>
       <p:nvGrpSpPr>
-        <p:cNvPr id="38" name="Shape 38"/>
+        <p:cNvPr id="1" name="Shape 38"/>
         <p:cNvGrpSpPr/>
         <p:nvPr/>
       </p:nvGrpSpPr>
@@ -5083,7 +5198,9 @@
       <p:sp>
         <p:nvSpPr>
           <p:cNvPr id="39" name="Google Shape;39;p7"/>
-          <p:cNvSpPr txBox="1"/>
+          <p:cNvSpPr txBox="1">
+            <a:spLocks noGrp="1"/>
+          </p:cNvSpPr>
           <p:nvPr>
             <p:ph type="title"/>
           </p:nvPr>
@@ -5098,7 +5215,7 @@
           </a:prstGeom>
         </p:spPr>
         <p:txBody>
-          <a:bodyPr anchorCtr="0" anchor="b" bIns="91425" lIns="91425" spcFirstLastPara="1" rIns="91425" wrap="square" tIns="91425">
+          <a:bodyPr spcFirstLastPara="1" wrap="square" lIns="91425" tIns="91425" rIns="91425" bIns="91425" anchor="b" anchorCtr="0">
             <a:noAutofit/>
           </a:bodyPr>
           <a:lstStyle>
@@ -5202,15 +5319,19 @@
               <a:defRPr sz="2400"/>
             </a:lvl9pPr>
           </a:lstStyle>
-          <a:p/>
+          <a:p>
+            <a:endParaRPr/>
+          </a:p>
         </p:txBody>
       </p:sp>
       <p:sp>
         <p:nvSpPr>
           <p:cNvPr id="40" name="Google Shape;40;p7"/>
-          <p:cNvSpPr txBox="1"/>
+          <p:cNvSpPr txBox="1">
+            <a:spLocks noGrp="1"/>
+          </p:cNvSpPr>
           <p:nvPr>
-            <p:ph idx="1" type="body"/>
+            <p:ph type="body" idx="1"/>
           </p:nvPr>
         </p:nvSpPr>
         <p:spPr>
@@ -5223,11 +5344,11 @@
           </a:prstGeom>
         </p:spPr>
         <p:txBody>
-          <a:bodyPr anchorCtr="0" anchor="t" bIns="91425" lIns="91425" spcFirstLastPara="1" rIns="91425" wrap="square" tIns="91425">
+          <a:bodyPr spcFirstLastPara="1" wrap="square" lIns="91425" tIns="91425" rIns="91425" bIns="91425" anchor="t" anchorCtr="0">
             <a:noAutofit/>
           </a:bodyPr>
           <a:lstStyle>
-            <a:lvl1pPr indent="-304800" lvl="0" marL="457200">
+            <a:lvl1pPr marL="457200" lvl="0" indent="-304800">
               <a:spcBef>
                 <a:spcPts val="0"/>
               </a:spcBef>
@@ -5238,7 +5359,7 @@
               <a:buChar char="●"/>
               <a:defRPr sz="1200"/>
             </a:lvl1pPr>
-            <a:lvl2pPr indent="-304800" lvl="1" marL="914400">
+            <a:lvl2pPr marL="914400" lvl="1" indent="-304800">
               <a:spcBef>
                 <a:spcPts val="1600"/>
               </a:spcBef>
@@ -5249,7 +5370,7 @@
               <a:buChar char="○"/>
               <a:defRPr sz="1200"/>
             </a:lvl2pPr>
-            <a:lvl3pPr indent="-304800" lvl="2" marL="1371600">
+            <a:lvl3pPr marL="1371600" lvl="2" indent="-304800">
               <a:spcBef>
                 <a:spcPts val="1600"/>
               </a:spcBef>
@@ -5260,7 +5381,7 @@
               <a:buChar char="■"/>
               <a:defRPr sz="1200"/>
             </a:lvl3pPr>
-            <a:lvl4pPr indent="-304800" lvl="3" marL="1828800">
+            <a:lvl4pPr marL="1828800" lvl="3" indent="-304800">
               <a:spcBef>
                 <a:spcPts val="1600"/>
               </a:spcBef>
@@ -5271,7 +5392,7 @@
               <a:buChar char="●"/>
               <a:defRPr sz="1200"/>
             </a:lvl4pPr>
-            <a:lvl5pPr indent="-304800" lvl="4" marL="2286000">
+            <a:lvl5pPr marL="2286000" lvl="4" indent="-304800">
               <a:spcBef>
                 <a:spcPts val="1600"/>
               </a:spcBef>
@@ -5282,7 +5403,7 @@
               <a:buChar char="○"/>
               <a:defRPr sz="1200"/>
             </a:lvl5pPr>
-            <a:lvl6pPr indent="-304800" lvl="5" marL="2743200">
+            <a:lvl6pPr marL="2743200" lvl="5" indent="-304800">
               <a:spcBef>
                 <a:spcPts val="1600"/>
               </a:spcBef>
@@ -5293,7 +5414,7 @@
               <a:buChar char="■"/>
               <a:defRPr sz="1200"/>
             </a:lvl6pPr>
-            <a:lvl7pPr indent="-304800" lvl="6" marL="3200400">
+            <a:lvl7pPr marL="3200400" lvl="6" indent="-304800">
               <a:spcBef>
                 <a:spcPts val="1600"/>
               </a:spcBef>
@@ -5304,7 +5425,7 @@
               <a:buChar char="●"/>
               <a:defRPr sz="1200"/>
             </a:lvl7pPr>
-            <a:lvl8pPr indent="-304800" lvl="7" marL="3657600">
+            <a:lvl8pPr marL="3657600" lvl="7" indent="-304800">
               <a:spcBef>
                 <a:spcPts val="1600"/>
               </a:spcBef>
@@ -5315,7 +5436,7 @@
               <a:buChar char="○"/>
               <a:defRPr sz="1200"/>
             </a:lvl8pPr>
-            <a:lvl9pPr indent="-304800" lvl="8" marL="4114800">
+            <a:lvl9pPr marL="4114800" lvl="8" indent="-304800">
               <a:spcBef>
                 <a:spcPts val="1600"/>
               </a:spcBef>
@@ -5327,15 +5448,19 @@
               <a:defRPr sz="1200"/>
             </a:lvl9pPr>
           </a:lstStyle>
-          <a:p/>
+          <a:p>
+            <a:endParaRPr/>
+          </a:p>
         </p:txBody>
       </p:sp>
       <p:sp>
         <p:nvSpPr>
           <p:cNvPr id="41" name="Google Shape;41;p7"/>
-          <p:cNvSpPr txBox="1"/>
+          <p:cNvSpPr txBox="1">
+            <a:spLocks noGrp="1"/>
+          </p:cNvSpPr>
           <p:nvPr>
-            <p:ph idx="12" type="sldNum"/>
+            <p:ph type="sldNum" idx="12"/>
           </p:nvPr>
         </p:nvSpPr>
         <p:spPr>
@@ -5348,7 +5473,7 @@
           </a:prstGeom>
         </p:spPr>
         <p:txBody>
-          <a:bodyPr anchorCtr="0" anchor="ctr" bIns="91425" lIns="91425" spcFirstLastPara="1" rIns="91425" wrap="square" tIns="91425">
+          <a:bodyPr spcFirstLastPara="1" wrap="square" lIns="91425" tIns="91425" rIns="91425" bIns="91425" anchor="ctr" anchorCtr="0">
             <a:noAutofit/>
           </a:bodyPr>
           <a:lstStyle>
@@ -5390,7 +5515,7 @@
             </a:lvl9pPr>
           </a:lstStyle>
           <a:p>
-            <a:pPr indent="0" lvl="0" marL="0" rtl="0" algn="r">
+            <a:pPr marL="0" lvl="0" indent="0" algn="r" rtl="0">
               <a:spcBef>
                 <a:spcPts val="0"/>
               </a:spcBef>
@@ -5416,18 +5541,19 @@
 </file>
 
 <file path=ppt/slideLayouts/slideLayout7.xml><?xml version="1.0" encoding="utf-8"?>
-<p:sldLayout xmlns:a="http://schemas.openxmlformats.org/drawingml/2006/main" xmlns:r="http://schemas.openxmlformats.org/officeDocument/2006/relationships" xmlns:mc="http://schemas.openxmlformats.org/markup-compatibility/2006" xmlns:mv="urn:schemas-microsoft-com:mac:vml" xmlns:p="http://schemas.openxmlformats.org/presentationml/2006/main" xmlns:c="http://schemas.openxmlformats.org/drawingml/2006/chart" xmlns:dgm="http://schemas.openxmlformats.org/drawingml/2006/diagram" xmlns:o="urn:schemas-microsoft-com:office:office" xmlns:v="urn:schemas-microsoft-com:vml" xmlns:pvml="urn:schemas-microsoft-com:office:powerpoint" xmlns:com="http://schemas.openxmlformats.org/drawingml/2006/compatibility" xmlns:p14="http://schemas.microsoft.com/office/powerpoint/2010/main" xmlns:p15="http://schemas.microsoft.com/office/powerpoint/2012/main" xmlns:ahyp="http://schemas.microsoft.com/office/drawing/2018/hyperlinkcolor" matchingName="Main point">
+<p:sldLayout xmlns:a="http://schemas.openxmlformats.org/drawingml/2006/main" xmlns:r="http://schemas.openxmlformats.org/officeDocument/2006/relationships" xmlns:p="http://schemas.openxmlformats.org/presentationml/2006/main" matchingName="Main point">
   <p:cSld name="MAIN_POINT">
     <p:bg>
       <p:bgPr>
         <a:solidFill>
           <a:schemeClr val="accent6"/>
         </a:solidFill>
+        <a:effectLst/>
       </p:bgPr>
     </p:bg>
     <p:spTree>
       <p:nvGrpSpPr>
-        <p:cNvPr id="42" name="Shape 42"/>
+        <p:cNvPr id="1" name="Shape 42"/>
         <p:cNvGrpSpPr/>
         <p:nvPr/>
       </p:nvGrpSpPr>
@@ -5442,7 +5568,9 @@
       <p:sp>
         <p:nvSpPr>
           <p:cNvPr id="43" name="Google Shape;43;p8"/>
-          <p:cNvSpPr txBox="1"/>
+          <p:cNvSpPr txBox="1">
+            <a:spLocks noGrp="1"/>
+          </p:cNvSpPr>
           <p:nvPr>
             <p:ph type="title"/>
           </p:nvPr>
@@ -5457,7 +5585,7 @@
           </a:prstGeom>
         </p:spPr>
         <p:txBody>
-          <a:bodyPr anchorCtr="0" anchor="ctr" bIns="91425" lIns="91425" spcFirstLastPara="1" rIns="91425" wrap="square" tIns="91425">
+          <a:bodyPr spcFirstLastPara="1" wrap="square" lIns="91425" tIns="91425" rIns="91425" bIns="91425" anchor="ctr" anchorCtr="0">
             <a:noAutofit/>
           </a:bodyPr>
           <a:lstStyle>
@@ -5473,7 +5601,7 @@
               </a:buClr>
               <a:buSzPts val="5400"/>
               <a:buNone/>
-              <a:defRPr b="0" sz="5400">
+              <a:defRPr sz="5400" b="0">
                 <a:solidFill>
                   <a:schemeClr val="dk2"/>
                 </a:solidFill>
@@ -5491,7 +5619,7 @@
               </a:buClr>
               <a:buSzPts val="5400"/>
               <a:buNone/>
-              <a:defRPr b="0" sz="5400">
+              <a:defRPr sz="5400" b="0">
                 <a:solidFill>
                   <a:schemeClr val="dk2"/>
                 </a:solidFill>
@@ -5509,7 +5637,7 @@
               </a:buClr>
               <a:buSzPts val="5400"/>
               <a:buNone/>
-              <a:defRPr b="0" sz="5400">
+              <a:defRPr sz="5400" b="0">
                 <a:solidFill>
                   <a:schemeClr val="dk2"/>
                 </a:solidFill>
@@ -5527,7 +5655,7 @@
               </a:buClr>
               <a:buSzPts val="5400"/>
               <a:buNone/>
-              <a:defRPr b="0" sz="5400">
+              <a:defRPr sz="5400" b="0">
                 <a:solidFill>
                   <a:schemeClr val="dk2"/>
                 </a:solidFill>
@@ -5545,7 +5673,7 @@
               </a:buClr>
               <a:buSzPts val="5400"/>
               <a:buNone/>
-              <a:defRPr b="0" sz="5400">
+              <a:defRPr sz="5400" b="0">
                 <a:solidFill>
                   <a:schemeClr val="dk2"/>
                 </a:solidFill>
@@ -5563,7 +5691,7 @@
               </a:buClr>
               <a:buSzPts val="5400"/>
               <a:buNone/>
-              <a:defRPr b="0" sz="5400">
+              <a:defRPr sz="5400" b="0">
                 <a:solidFill>
                   <a:schemeClr val="dk2"/>
                 </a:solidFill>
@@ -5581,7 +5709,7 @@
               </a:buClr>
               <a:buSzPts val="5400"/>
               <a:buNone/>
-              <a:defRPr b="0" sz="5400">
+              <a:defRPr sz="5400" b="0">
                 <a:solidFill>
                   <a:schemeClr val="dk2"/>
                 </a:solidFill>
@@ -5599,7 +5727,7 @@
               </a:buClr>
               <a:buSzPts val="5400"/>
               <a:buNone/>
-              <a:defRPr b="0" sz="5400">
+              <a:defRPr sz="5400" b="0">
                 <a:solidFill>
                   <a:schemeClr val="dk2"/>
                 </a:solidFill>
@@ -5617,22 +5745,26 @@
               </a:buClr>
               <a:buSzPts val="5400"/>
               <a:buNone/>
-              <a:defRPr b="0" sz="5400">
+              <a:defRPr sz="5400" b="0">
                 <a:solidFill>
                   <a:schemeClr val="dk2"/>
                 </a:solidFill>
               </a:defRPr>
             </a:lvl9pPr>
           </a:lstStyle>
-          <a:p/>
+          <a:p>
+            <a:endParaRPr/>
+          </a:p>
         </p:txBody>
       </p:sp>
       <p:sp>
         <p:nvSpPr>
           <p:cNvPr id="44" name="Google Shape;44;p8"/>
-          <p:cNvSpPr txBox="1"/>
+          <p:cNvSpPr txBox="1">
+            <a:spLocks noGrp="1"/>
+          </p:cNvSpPr>
           <p:nvPr>
-            <p:ph idx="12" type="sldNum"/>
+            <p:ph type="sldNum" idx="12"/>
           </p:nvPr>
         </p:nvSpPr>
         <p:spPr>
@@ -5645,7 +5777,7 @@
           </a:prstGeom>
         </p:spPr>
         <p:txBody>
-          <a:bodyPr anchorCtr="0" anchor="ctr" bIns="91425" lIns="91425" spcFirstLastPara="1" rIns="91425" wrap="square" tIns="91425">
+          <a:bodyPr spcFirstLastPara="1" wrap="square" lIns="91425" tIns="91425" rIns="91425" bIns="91425" anchor="ctr" anchorCtr="0">
             <a:noAutofit/>
           </a:bodyPr>
           <a:lstStyle>
@@ -5687,7 +5819,7 @@
             </a:lvl9pPr>
           </a:lstStyle>
           <a:p>
-            <a:pPr indent="0" lvl="0" marL="0" rtl="0" algn="r">
+            <a:pPr marL="0" lvl="0" indent="0" algn="r" rtl="0">
               <a:spcBef>
                 <a:spcPts val="0"/>
               </a:spcBef>
@@ -5713,11 +5845,11 @@
 </file>
 
 <file path=ppt/slideLayouts/slideLayout8.xml><?xml version="1.0" encoding="utf-8"?>
-<p:sldLayout xmlns:a="http://schemas.openxmlformats.org/drawingml/2006/main" xmlns:r="http://schemas.openxmlformats.org/officeDocument/2006/relationships" xmlns:mc="http://schemas.openxmlformats.org/markup-compatibility/2006" xmlns:mv="urn:schemas-microsoft-com:mac:vml" xmlns:p="http://schemas.openxmlformats.org/presentationml/2006/main" xmlns:c="http://schemas.openxmlformats.org/drawingml/2006/chart" xmlns:dgm="http://schemas.openxmlformats.org/drawingml/2006/diagram" xmlns:o="urn:schemas-microsoft-com:office:office" xmlns:v="urn:schemas-microsoft-com:vml" xmlns:pvml="urn:schemas-microsoft-com:office:powerpoint" xmlns:com="http://schemas.openxmlformats.org/drawingml/2006/compatibility" xmlns:p14="http://schemas.microsoft.com/office/powerpoint/2010/main" xmlns:p15="http://schemas.microsoft.com/office/powerpoint/2012/main" xmlns:ahyp="http://schemas.microsoft.com/office/drawing/2018/hyperlinkcolor" matchingName="Section title and description">
+<p:sldLayout xmlns:a="http://schemas.openxmlformats.org/drawingml/2006/main" xmlns:r="http://schemas.openxmlformats.org/officeDocument/2006/relationships" xmlns:p="http://schemas.openxmlformats.org/presentationml/2006/main" matchingName="Section title and description">
   <p:cSld name="SECTION_TITLE_AND_DESCRIPTION">
     <p:spTree>
       <p:nvGrpSpPr>
-        <p:cNvPr id="45" name="Shape 45"/>
+        <p:cNvPr id="1" name="Shape 45"/>
         <p:cNvGrpSpPr/>
         <p:nvPr/>
       </p:nvGrpSpPr>
@@ -5751,12 +5883,12 @@
           </a:ln>
         </p:spPr>
         <p:txBody>
-          <a:bodyPr anchorCtr="0" anchor="ctr" bIns="91425" lIns="91425" spcFirstLastPara="1" rIns="91425" wrap="square" tIns="91425">
+          <a:bodyPr spcFirstLastPara="1" wrap="square" lIns="91425" tIns="91425" rIns="91425" bIns="91425" anchor="ctr" anchorCtr="0">
             <a:noAutofit/>
           </a:bodyPr>
           <a:lstStyle/>
           <a:p>
-            <a:pPr indent="0" lvl="0" marL="0" rtl="0" algn="l">
+            <a:pPr marL="0" lvl="0" indent="0" algn="l" rtl="0">
               <a:spcBef>
                 <a:spcPts val="0"/>
               </a:spcBef>
@@ -5765,9 +5897,6 @@
               </a:spcAft>
               <a:buNone/>
             </a:pPr>
-            <a:r>
-              <a:t/>
-            </a:r>
             <a:endParaRPr/>
           </a:p>
         </p:txBody>
@@ -5787,21 +5916,23 @@
             <a:avLst/>
           </a:prstGeom>
           <a:noFill/>
-          <a:ln cap="flat" cmpd="sng" w="19050">
+          <a:ln w="19050" cap="flat" cmpd="sng">
             <a:solidFill>
               <a:schemeClr val="lt1"/>
             </a:solidFill>
             <a:prstDash val="solid"/>
             <a:round/>
-            <a:headEnd len="sm" w="sm" type="none"/>
-            <a:tailEnd len="sm" w="sm" type="none"/>
+            <a:headEnd type="none" w="sm" len="sm"/>
+            <a:tailEnd type="none" w="sm" len="sm"/>
           </a:ln>
         </p:spPr>
       </p:cxnSp>
       <p:sp>
         <p:nvSpPr>
           <p:cNvPr id="48" name="Google Shape;48;p9"/>
-          <p:cNvSpPr txBox="1"/>
+          <p:cNvSpPr txBox="1">
+            <a:spLocks noGrp="1"/>
+          </p:cNvSpPr>
           <p:nvPr>
             <p:ph type="title"/>
           </p:nvPr>
@@ -5816,7 +5947,7 @@
           </a:prstGeom>
         </p:spPr>
         <p:txBody>
-          <a:bodyPr anchorCtr="0" anchor="b" bIns="91425" lIns="91425" spcFirstLastPara="1" rIns="91425" wrap="square" tIns="91425">
+          <a:bodyPr spcFirstLastPara="1" wrap="square" lIns="91425" tIns="91425" rIns="91425" bIns="91425" anchor="b" anchorCtr="0">
             <a:noAutofit/>
           </a:bodyPr>
           <a:lstStyle>
@@ -5920,15 +6051,19 @@
               <a:defRPr sz="4200"/>
             </a:lvl9pPr>
           </a:lstStyle>
-          <a:p/>
+          <a:p>
+            <a:endParaRPr/>
+          </a:p>
         </p:txBody>
       </p:sp>
       <p:sp>
         <p:nvSpPr>
           <p:cNvPr id="49" name="Google Shape;49;p9"/>
-          <p:cNvSpPr txBox="1"/>
+          <p:cNvSpPr txBox="1">
+            <a:spLocks noGrp="1"/>
+          </p:cNvSpPr>
           <p:nvPr>
-            <p:ph idx="1" type="subTitle"/>
+            <p:ph type="subTitle" idx="1"/>
           </p:nvPr>
         </p:nvSpPr>
         <p:spPr>
@@ -5941,7 +6076,7 @@
           </a:prstGeom>
         </p:spPr>
         <p:txBody>
-          <a:bodyPr anchorCtr="0" anchor="t" bIns="91425" lIns="91425" spcFirstLastPara="1" rIns="91425" wrap="square" tIns="91425">
+          <a:bodyPr spcFirstLastPara="1" wrap="square" lIns="91425" tIns="91425" rIns="91425" bIns="91425" anchor="t" anchorCtr="0">
             <a:noAutofit/>
           </a:bodyPr>
           <a:lstStyle>
@@ -6072,15 +6207,19 @@
               <a:defRPr sz="2100"/>
             </a:lvl9pPr>
           </a:lstStyle>
-          <a:p/>
+          <a:p>
+            <a:endParaRPr/>
+          </a:p>
         </p:txBody>
       </p:sp>
       <p:sp>
         <p:nvSpPr>
           <p:cNvPr id="50" name="Google Shape;50;p9"/>
-          <p:cNvSpPr txBox="1"/>
+          <p:cNvSpPr txBox="1">
+            <a:spLocks noGrp="1"/>
+          </p:cNvSpPr>
           <p:nvPr>
-            <p:ph idx="2" type="body"/>
+            <p:ph type="body" idx="2"/>
           </p:nvPr>
         </p:nvSpPr>
         <p:spPr>
@@ -6093,11 +6232,11 @@
           </a:prstGeom>
         </p:spPr>
         <p:txBody>
-          <a:bodyPr anchorCtr="0" anchor="ctr" bIns="91425" lIns="91425" spcFirstLastPara="1" rIns="91425" wrap="square" tIns="91425">
+          <a:bodyPr spcFirstLastPara="1" wrap="square" lIns="91425" tIns="91425" rIns="91425" bIns="91425" anchor="ctr" anchorCtr="0">
             <a:noAutofit/>
           </a:bodyPr>
           <a:lstStyle>
-            <a:lvl1pPr indent="-342900" lvl="0" marL="457200">
+            <a:lvl1pPr marL="457200" lvl="0" indent="-342900">
               <a:spcBef>
                 <a:spcPts val="0"/>
               </a:spcBef>
@@ -6115,7 +6254,7 @@
                 </a:solidFill>
               </a:defRPr>
             </a:lvl1pPr>
-            <a:lvl2pPr indent="-317500" lvl="1" marL="914400">
+            <a:lvl2pPr marL="914400" lvl="1" indent="-317500">
               <a:spcBef>
                 <a:spcPts val="1600"/>
               </a:spcBef>
@@ -6133,7 +6272,7 @@
                 </a:solidFill>
               </a:defRPr>
             </a:lvl2pPr>
-            <a:lvl3pPr indent="-317500" lvl="2" marL="1371600">
+            <a:lvl3pPr marL="1371600" lvl="2" indent="-317500">
               <a:spcBef>
                 <a:spcPts val="1600"/>
               </a:spcBef>
@@ -6151,7 +6290,7 @@
                 </a:solidFill>
               </a:defRPr>
             </a:lvl3pPr>
-            <a:lvl4pPr indent="-317500" lvl="3" marL="1828800">
+            <a:lvl4pPr marL="1828800" lvl="3" indent="-317500">
               <a:spcBef>
                 <a:spcPts val="1600"/>
               </a:spcBef>
@@ -6169,7 +6308,7 @@
                 </a:solidFill>
               </a:defRPr>
             </a:lvl4pPr>
-            <a:lvl5pPr indent="-317500" lvl="4" marL="2286000">
+            <a:lvl5pPr marL="2286000" lvl="4" indent="-317500">
               <a:spcBef>
                 <a:spcPts val="1600"/>
               </a:spcBef>
@@ -6187,7 +6326,7 @@
                 </a:solidFill>
               </a:defRPr>
             </a:lvl5pPr>
-            <a:lvl6pPr indent="-317500" lvl="5" marL="2743200">
+            <a:lvl6pPr marL="2743200" lvl="5" indent="-317500">
               <a:spcBef>
                 <a:spcPts val="1600"/>
               </a:spcBef>
@@ -6205,7 +6344,7 @@
                 </a:solidFill>
               </a:defRPr>
             </a:lvl6pPr>
-            <a:lvl7pPr indent="-317500" lvl="6" marL="3200400">
+            <a:lvl7pPr marL="3200400" lvl="6" indent="-317500">
               <a:spcBef>
                 <a:spcPts val="1600"/>
               </a:spcBef>
@@ -6223,7 +6362,7 @@
                 </a:solidFill>
               </a:defRPr>
             </a:lvl7pPr>
-            <a:lvl8pPr indent="-317500" lvl="7" marL="3657600">
+            <a:lvl8pPr marL="3657600" lvl="7" indent="-317500">
               <a:spcBef>
                 <a:spcPts val="1600"/>
               </a:spcBef>
@@ -6241,7 +6380,7 @@
                 </a:solidFill>
               </a:defRPr>
             </a:lvl8pPr>
-            <a:lvl9pPr indent="-317500" lvl="8" marL="4114800">
+            <a:lvl9pPr marL="4114800" lvl="8" indent="-317500">
               <a:spcBef>
                 <a:spcPts val="1600"/>
               </a:spcBef>
@@ -6260,15 +6399,19 @@
               </a:defRPr>
             </a:lvl9pPr>
           </a:lstStyle>
-          <a:p/>
+          <a:p>
+            <a:endParaRPr/>
+          </a:p>
         </p:txBody>
       </p:sp>
       <p:sp>
         <p:nvSpPr>
           <p:cNvPr id="51" name="Google Shape;51;p9"/>
-          <p:cNvSpPr txBox="1"/>
+          <p:cNvSpPr txBox="1">
+            <a:spLocks noGrp="1"/>
+          </p:cNvSpPr>
           <p:nvPr>
-            <p:ph idx="12" type="sldNum"/>
+            <p:ph type="sldNum" idx="12"/>
           </p:nvPr>
         </p:nvSpPr>
         <p:spPr>
@@ -6281,7 +6424,7 @@
           </a:prstGeom>
         </p:spPr>
         <p:txBody>
-          <a:bodyPr anchorCtr="0" anchor="ctr" bIns="91425" lIns="91425" spcFirstLastPara="1" rIns="91425" wrap="square" tIns="91425">
+          <a:bodyPr spcFirstLastPara="1" wrap="square" lIns="91425" tIns="91425" rIns="91425" bIns="91425" anchor="ctr" anchorCtr="0">
             <a:noAutofit/>
           </a:bodyPr>
           <a:lstStyle>
@@ -6359,7 +6502,7 @@
             </a:lvl9pPr>
           </a:lstStyle>
           <a:p>
-            <a:pPr indent="0" lvl="0" marL="0" rtl="0" algn="r">
+            <a:pPr marL="0" lvl="0" indent="0" algn="r" rtl="0">
               <a:spcBef>
                 <a:spcPts val="0"/>
               </a:spcBef>
@@ -6385,11 +6528,11 @@
 </file>
 
 <file path=ppt/slideLayouts/slideLayout9.xml><?xml version="1.0" encoding="utf-8"?>
-<p:sldLayout xmlns:a="http://schemas.openxmlformats.org/drawingml/2006/main" xmlns:r="http://schemas.openxmlformats.org/officeDocument/2006/relationships" xmlns:mc="http://schemas.openxmlformats.org/markup-compatibility/2006" xmlns:mv="urn:schemas-microsoft-com:mac:vml" xmlns:p="http://schemas.openxmlformats.org/presentationml/2006/main" xmlns:c="http://schemas.openxmlformats.org/drawingml/2006/chart" xmlns:dgm="http://schemas.openxmlformats.org/drawingml/2006/diagram" xmlns:o="urn:schemas-microsoft-com:office:office" xmlns:v="urn:schemas-microsoft-com:vml" xmlns:pvml="urn:schemas-microsoft-com:office:powerpoint" xmlns:com="http://schemas.openxmlformats.org/drawingml/2006/compatibility" xmlns:p14="http://schemas.microsoft.com/office/powerpoint/2010/main" xmlns:p15="http://schemas.microsoft.com/office/powerpoint/2012/main" xmlns:ahyp="http://schemas.microsoft.com/office/drawing/2018/hyperlinkcolor" matchingName="Caption">
+<p:sldLayout xmlns:a="http://schemas.openxmlformats.org/drawingml/2006/main" xmlns:r="http://schemas.openxmlformats.org/officeDocument/2006/relationships" xmlns:p="http://schemas.openxmlformats.org/presentationml/2006/main" matchingName="Caption">
   <p:cSld name="CAPTION_ONLY">
     <p:spTree>
       <p:nvGrpSpPr>
-        <p:cNvPr id="52" name="Shape 52"/>
+        <p:cNvPr id="1" name="Shape 52"/>
         <p:cNvGrpSpPr/>
         <p:nvPr/>
       </p:nvGrpSpPr>
@@ -6404,9 +6547,11 @@
       <p:sp>
         <p:nvSpPr>
           <p:cNvPr id="53" name="Google Shape;53;p10"/>
-          <p:cNvSpPr txBox="1"/>
+          <p:cNvSpPr txBox="1">
+            <a:spLocks noGrp="1"/>
+          </p:cNvSpPr>
           <p:nvPr>
-            <p:ph idx="1" type="body"/>
+            <p:ph type="body" idx="1"/>
           </p:nvPr>
         </p:nvSpPr>
         <p:spPr>
@@ -6419,11 +6564,11 @@
           </a:prstGeom>
         </p:spPr>
         <p:txBody>
-          <a:bodyPr anchorCtr="0" anchor="ctr" bIns="91425" lIns="91425" spcFirstLastPara="1" rIns="91425" wrap="square" tIns="91425">
+          <a:bodyPr spcFirstLastPara="1" wrap="square" lIns="91425" tIns="91425" rIns="91425" bIns="91425" anchor="ctr" anchorCtr="0">
             <a:noAutofit/>
           </a:bodyPr>
           <a:lstStyle>
-            <a:lvl1pPr indent="-228600" lvl="0" marL="457200">
+            <a:lvl1pPr marL="457200" lvl="0" indent="-228600">
               <a:lnSpc>
                 <a:spcPct val="100000"/>
               </a:lnSpc>
@@ -6444,15 +6589,19 @@
               </a:defRPr>
             </a:lvl1pPr>
           </a:lstStyle>
-          <a:p/>
+          <a:p>
+            <a:endParaRPr/>
+          </a:p>
         </p:txBody>
       </p:sp>
       <p:sp>
         <p:nvSpPr>
           <p:cNvPr id="54" name="Google Shape;54;p10"/>
-          <p:cNvSpPr txBox="1"/>
+          <p:cNvSpPr txBox="1">
+            <a:spLocks noGrp="1"/>
+          </p:cNvSpPr>
           <p:nvPr>
-            <p:ph idx="12" type="sldNum"/>
+            <p:ph type="sldNum" idx="12"/>
           </p:nvPr>
         </p:nvSpPr>
         <p:spPr>
@@ -6465,7 +6614,7 @@
           </a:prstGeom>
         </p:spPr>
         <p:txBody>
-          <a:bodyPr anchorCtr="0" anchor="ctr" bIns="91425" lIns="91425" spcFirstLastPara="1" rIns="91425" wrap="square" tIns="91425">
+          <a:bodyPr spcFirstLastPara="1" wrap="square" lIns="91425" tIns="91425" rIns="91425" bIns="91425" anchor="ctr" anchorCtr="0">
             <a:noAutofit/>
           </a:bodyPr>
           <a:lstStyle>
@@ -6507,7 +6656,7 @@
             </a:lvl9pPr>
           </a:lstStyle>
           <a:p>
-            <a:pPr indent="0" lvl="0" marL="0" rtl="0" algn="r">
+            <a:pPr marL="0" lvl="0" indent="0" algn="r" rtl="0">
               <a:spcBef>
                 <a:spcPts val="0"/>
               </a:spcBef>
@@ -6533,18 +6682,19 @@
 </file>
 
 <file path=ppt/slideMasters/slideMaster1.xml><?xml version="1.0" encoding="utf-8"?>
-<p:sldMaster xmlns:a="http://schemas.openxmlformats.org/drawingml/2006/main" xmlns:r="http://schemas.openxmlformats.org/officeDocument/2006/relationships" xmlns:mc="http://schemas.openxmlformats.org/markup-compatibility/2006" xmlns:mv="urn:schemas-microsoft-com:mac:vml" xmlns:p="http://schemas.openxmlformats.org/presentationml/2006/main" xmlns:c="http://schemas.openxmlformats.org/drawingml/2006/chart" xmlns:dgm="http://schemas.openxmlformats.org/drawingml/2006/diagram" xmlns:o="urn:schemas-microsoft-com:office:office" xmlns:v="urn:schemas-microsoft-com:vml" xmlns:pvml="urn:schemas-microsoft-com:office:powerpoint" xmlns:com="http://schemas.openxmlformats.org/drawingml/2006/compatibility" xmlns:p14="http://schemas.microsoft.com/office/powerpoint/2010/main" xmlns:p15="http://schemas.microsoft.com/office/powerpoint/2012/main" xmlns:ahyp="http://schemas.microsoft.com/office/drawing/2018/hyperlinkcolor">
+<p:sldMaster xmlns:a="http://schemas.openxmlformats.org/drawingml/2006/main" xmlns:r="http://schemas.openxmlformats.org/officeDocument/2006/relationships" xmlns:p="http://schemas.openxmlformats.org/presentationml/2006/main">
   <p:cSld name="tropic">
     <p:bg>
       <p:bgPr>
         <a:solidFill>
           <a:schemeClr val="lt1"/>
         </a:solidFill>
+        <a:effectLst/>
       </p:bgPr>
     </p:bg>
     <p:spTree>
       <p:nvGrpSpPr>
-        <p:cNvPr id="5" name="Shape 5"/>
+        <p:cNvPr id="1" name="Shape 5"/>
         <p:cNvGrpSpPr/>
         <p:nvPr/>
       </p:nvGrpSpPr>
@@ -6559,7 +6709,9 @@
       <p:sp>
         <p:nvSpPr>
           <p:cNvPr id="6" name="Google Shape;6;p1"/>
-          <p:cNvSpPr txBox="1"/>
+          <p:cNvSpPr txBox="1">
+            <a:spLocks noGrp="1"/>
+          </p:cNvSpPr>
           <p:nvPr>
             <p:ph type="title"/>
           </p:nvPr>
@@ -6578,7 +6730,7 @@
           </a:ln>
         </p:spPr>
         <p:txBody>
-          <a:bodyPr anchorCtr="0" anchor="t" bIns="91425" lIns="91425" spcFirstLastPara="1" rIns="91425" wrap="square" tIns="91425">
+          <a:bodyPr spcFirstLastPara="1" wrap="square" lIns="91425" tIns="91425" rIns="91425" bIns="91425" anchor="t" anchorCtr="0">
             <a:noAutofit/>
           </a:bodyPr>
           <a:lstStyle>
@@ -6595,7 +6747,7 @@
               <a:buSzPts val="3600"/>
               <a:buFont typeface="PT Sans Narrow"/>
               <a:buNone/>
-              <a:defRPr b="1" sz="3600">
+              <a:defRPr sz="3600" b="1">
                 <a:solidFill>
                   <a:schemeClr val="accent1"/>
                 </a:solidFill>
@@ -6618,7 +6770,7 @@
               <a:buSzPts val="3600"/>
               <a:buFont typeface="PT Sans Narrow"/>
               <a:buNone/>
-              <a:defRPr b="1" sz="3600">
+              <a:defRPr sz="3600" b="1">
                 <a:solidFill>
                   <a:schemeClr val="accent1"/>
                 </a:solidFill>
@@ -6641,7 +6793,7 @@
               <a:buSzPts val="3600"/>
               <a:buFont typeface="PT Sans Narrow"/>
               <a:buNone/>
-              <a:defRPr b="1" sz="3600">
+              <a:defRPr sz="3600" b="1">
                 <a:solidFill>
                   <a:schemeClr val="accent1"/>
                 </a:solidFill>
@@ -6664,7 +6816,7 @@
               <a:buSzPts val="3600"/>
               <a:buFont typeface="PT Sans Narrow"/>
               <a:buNone/>
-              <a:defRPr b="1" sz="3600">
+              <a:defRPr sz="3600" b="1">
                 <a:solidFill>
                   <a:schemeClr val="accent1"/>
                 </a:solidFill>
@@ -6687,7 +6839,7 @@
               <a:buSzPts val="3600"/>
               <a:buFont typeface="PT Sans Narrow"/>
               <a:buNone/>
-              <a:defRPr b="1" sz="3600">
+              <a:defRPr sz="3600" b="1">
                 <a:solidFill>
                   <a:schemeClr val="accent1"/>
                 </a:solidFill>
@@ -6710,7 +6862,7 @@
               <a:buSzPts val="3600"/>
               <a:buFont typeface="PT Sans Narrow"/>
               <a:buNone/>
-              <a:defRPr b="1" sz="3600">
+              <a:defRPr sz="3600" b="1">
                 <a:solidFill>
                   <a:schemeClr val="accent1"/>
                 </a:solidFill>
@@ -6733,7 +6885,7 @@
               <a:buSzPts val="3600"/>
               <a:buFont typeface="PT Sans Narrow"/>
               <a:buNone/>
-              <a:defRPr b="1" sz="3600">
+              <a:defRPr sz="3600" b="1">
                 <a:solidFill>
                   <a:schemeClr val="accent1"/>
                 </a:solidFill>
@@ -6756,7 +6908,7 @@
               <a:buSzPts val="3600"/>
               <a:buFont typeface="PT Sans Narrow"/>
               <a:buNone/>
-              <a:defRPr b="1" sz="3600">
+              <a:defRPr sz="3600" b="1">
                 <a:solidFill>
                   <a:schemeClr val="accent1"/>
                 </a:solidFill>
@@ -6779,7 +6931,7 @@
               <a:buSzPts val="3600"/>
               <a:buFont typeface="PT Sans Narrow"/>
               <a:buNone/>
-              <a:defRPr b="1" sz="3600">
+              <a:defRPr sz="3600" b="1">
                 <a:solidFill>
                   <a:schemeClr val="accent1"/>
                 </a:solidFill>
@@ -6790,15 +6942,19 @@
               </a:defRPr>
             </a:lvl9pPr>
           </a:lstStyle>
-          <a:p/>
+          <a:p>
+            <a:endParaRPr/>
+          </a:p>
         </p:txBody>
       </p:sp>
       <p:sp>
         <p:nvSpPr>
           <p:cNvPr id="7" name="Google Shape;7;p1"/>
-          <p:cNvSpPr txBox="1"/>
+          <p:cNvSpPr txBox="1">
+            <a:spLocks noGrp="1"/>
+          </p:cNvSpPr>
           <p:nvPr>
-            <p:ph idx="1" type="body"/>
+            <p:ph type="body" idx="1"/>
           </p:nvPr>
         </p:nvSpPr>
         <p:spPr>
@@ -6815,11 +6971,11 @@
           </a:ln>
         </p:spPr>
         <p:txBody>
-          <a:bodyPr anchorCtr="0" anchor="t" bIns="91425" lIns="91425" spcFirstLastPara="1" rIns="91425" wrap="square" tIns="91425">
+          <a:bodyPr spcFirstLastPara="1" wrap="square" lIns="91425" tIns="91425" rIns="91425" bIns="91425" anchor="t" anchorCtr="0">
             <a:noAutofit/>
           </a:bodyPr>
           <a:lstStyle>
-            <a:lvl1pPr indent="-342900" lvl="0" marL="457200">
+            <a:lvl1pPr marL="457200" lvl="0" indent="-342900">
               <a:lnSpc>
                 <a:spcPct val="115000"/>
               </a:lnSpc>
@@ -6845,7 +7001,7 @@
                 <a:sym typeface="Open Sans"/>
               </a:defRPr>
             </a:lvl1pPr>
-            <a:lvl2pPr indent="-317500" lvl="1" marL="914400">
+            <a:lvl2pPr marL="914400" lvl="1" indent="-317500">
               <a:lnSpc>
                 <a:spcPct val="115000"/>
               </a:lnSpc>
@@ -6871,7 +7027,7 @@
                 <a:sym typeface="Open Sans"/>
               </a:defRPr>
             </a:lvl2pPr>
-            <a:lvl3pPr indent="-317500" lvl="2" marL="1371600">
+            <a:lvl3pPr marL="1371600" lvl="2" indent="-317500">
               <a:lnSpc>
                 <a:spcPct val="115000"/>
               </a:lnSpc>
@@ -6897,7 +7053,7 @@
                 <a:sym typeface="Open Sans"/>
               </a:defRPr>
             </a:lvl3pPr>
-            <a:lvl4pPr indent="-317500" lvl="3" marL="1828800">
+            <a:lvl4pPr marL="1828800" lvl="3" indent="-317500">
               <a:lnSpc>
                 <a:spcPct val="115000"/>
               </a:lnSpc>
@@ -6923,7 +7079,7 @@
                 <a:sym typeface="Open Sans"/>
               </a:defRPr>
             </a:lvl4pPr>
-            <a:lvl5pPr indent="-317500" lvl="4" marL="2286000">
+            <a:lvl5pPr marL="2286000" lvl="4" indent="-317500">
               <a:lnSpc>
                 <a:spcPct val="115000"/>
               </a:lnSpc>
@@ -6949,7 +7105,7 @@
                 <a:sym typeface="Open Sans"/>
               </a:defRPr>
             </a:lvl5pPr>
-            <a:lvl6pPr indent="-317500" lvl="5" marL="2743200">
+            <a:lvl6pPr marL="2743200" lvl="5" indent="-317500">
               <a:lnSpc>
                 <a:spcPct val="115000"/>
               </a:lnSpc>
@@ -6975,7 +7131,7 @@
                 <a:sym typeface="Open Sans"/>
               </a:defRPr>
             </a:lvl6pPr>
-            <a:lvl7pPr indent="-317500" lvl="6" marL="3200400">
+            <a:lvl7pPr marL="3200400" lvl="6" indent="-317500">
               <a:lnSpc>
                 <a:spcPct val="115000"/>
               </a:lnSpc>
@@ -7001,7 +7157,7 @@
                 <a:sym typeface="Open Sans"/>
               </a:defRPr>
             </a:lvl7pPr>
-            <a:lvl8pPr indent="-317500" lvl="7" marL="3657600">
+            <a:lvl8pPr marL="3657600" lvl="7" indent="-317500">
               <a:lnSpc>
                 <a:spcPct val="115000"/>
               </a:lnSpc>
@@ -7027,7 +7183,7 @@
                 <a:sym typeface="Open Sans"/>
               </a:defRPr>
             </a:lvl8pPr>
-            <a:lvl9pPr indent="-317500" lvl="8" marL="4114800">
+            <a:lvl9pPr marL="4114800" lvl="8" indent="-317500">
               <a:lnSpc>
                 <a:spcPct val="115000"/>
               </a:lnSpc>
@@ -7054,15 +7210,19 @@
               </a:defRPr>
             </a:lvl9pPr>
           </a:lstStyle>
-          <a:p/>
+          <a:p>
+            <a:endParaRPr/>
+          </a:p>
         </p:txBody>
       </p:sp>
       <p:sp>
         <p:nvSpPr>
           <p:cNvPr id="8" name="Google Shape;8;p1"/>
-          <p:cNvSpPr txBox="1"/>
+          <p:cNvSpPr txBox="1">
+            <a:spLocks noGrp="1"/>
+          </p:cNvSpPr>
           <p:nvPr>
-            <p:ph idx="12" type="sldNum"/>
+            <p:ph type="sldNum" idx="12"/>
           </p:nvPr>
         </p:nvSpPr>
         <p:spPr>
@@ -7079,7 +7239,7 @@
           </a:ln>
         </p:spPr>
         <p:txBody>
-          <a:bodyPr anchorCtr="0" anchor="ctr" bIns="91425" lIns="91425" spcFirstLastPara="1" rIns="91425" wrap="square" tIns="91425">
+          <a:bodyPr spcFirstLastPara="1" wrap="square" lIns="91425" tIns="91425" rIns="91425" bIns="91425" anchor="ctr" anchorCtr="0">
             <a:noAutofit/>
           </a:bodyPr>
           <a:lstStyle>
@@ -7193,7 +7353,7 @@
             </a:lvl9pPr>
           </a:lstStyle>
           <a:p>
-            <a:pPr indent="0" lvl="0" marL="0" rtl="0" algn="r">
+            <a:pPr marL="0" lvl="0" indent="0" algn="r" rtl="0">
               <a:spcBef>
                 <a:spcPts val="0"/>
               </a:spcBef>
@@ -7212,7 +7372,7 @@
       </p:sp>
     </p:spTree>
   </p:cSld>
-  <p:clrMap accent1="accent1" accent2="accent2" accent3="accent3" accent4="accent4" accent5="accent5" accent6="accent6" bg1="lt1" bg2="dk2" tx1="dk1" tx2="lt2" folHlink="folHlink" hlink="hlink"/>
+  <p:clrMap bg1="lt1" tx1="dk1" bg2="dk2" tx2="lt2" accent1="accent1" accent2="accent2" accent3="accent3" accent4="accent4" accent5="accent5" accent6="accent6" hlink="hlink" folHlink="folHlink"/>
   <p:sldLayoutIdLst>
     <p:sldLayoutId id="2147483648" r:id="rId1"/>
     <p:sldLayoutId id="2147483649" r:id="rId2"/>
@@ -7226,10 +7386,10 @@
     <p:sldLayoutId id="2147483657" r:id="rId10"/>
     <p:sldLayoutId id="2147483658" r:id="rId11"/>
   </p:sldLayoutIdLst>
-  <p:hf dt="0" ftr="0" hdr="0" sldNum="0"/>
+  <p:hf sldNum="0" hdr="0" ftr="0" dt="0"/>
   <p:txStyles>
     <p:titleStyle>
-      <a:defPPr lvl="0" marR="0" rtl="0" algn="l">
+      <a:defPPr marR="0" lvl="0" algn="l" rtl="0">
         <a:lnSpc>
           <a:spcPct val="100000"/>
         </a:lnSpc>
@@ -7240,7 +7400,7 @@
           <a:spcPts val="0"/>
         </a:spcAft>
       </a:defPPr>
-      <a:lvl1pPr lvl="0" marR="0" rtl="0" algn="l">
+      <a:lvl1pPr marR="0" lvl="0" algn="l" rtl="0">
         <a:lnSpc>
           <a:spcPct val="100000"/>
         </a:lnSpc>
@@ -7254,7 +7414,7 @@
           <a:srgbClr val="000000"/>
         </a:buClr>
         <a:buFont typeface="Arial"/>
-        <a:defRPr b="0" i="0" sz="1400" u="none" cap="none" strike="noStrike">
+        <a:defRPr sz="1400" b="0" i="0" u="none" strike="noStrike" cap="none">
           <a:solidFill>
             <a:srgbClr val="000000"/>
           </a:solidFill>
@@ -7264,7 +7424,7 @@
           <a:sym typeface="Arial"/>
         </a:defRPr>
       </a:lvl1pPr>
-      <a:lvl2pPr lvl="1" marR="0" rtl="0" algn="l">
+      <a:lvl2pPr marR="0" lvl="1" algn="l" rtl="0">
         <a:lnSpc>
           <a:spcPct val="100000"/>
         </a:lnSpc>
@@ -7278,7 +7438,7 @@
           <a:srgbClr val="000000"/>
         </a:buClr>
         <a:buFont typeface="Arial"/>
-        <a:defRPr b="0" i="0" sz="1400" u="none" cap="none" strike="noStrike">
+        <a:defRPr sz="1400" b="0" i="0" u="none" strike="noStrike" cap="none">
           <a:solidFill>
             <a:srgbClr val="000000"/>
           </a:solidFill>
@@ -7288,7 +7448,7 @@
           <a:sym typeface="Arial"/>
         </a:defRPr>
       </a:lvl2pPr>
-      <a:lvl3pPr lvl="2" marR="0" rtl="0" algn="l">
+      <a:lvl3pPr marR="0" lvl="2" algn="l" rtl="0">
         <a:lnSpc>
           <a:spcPct val="100000"/>
         </a:lnSpc>
@@ -7302,7 +7462,7 @@
           <a:srgbClr val="000000"/>
         </a:buClr>
         <a:buFont typeface="Arial"/>
-        <a:defRPr b="0" i="0" sz="1400" u="none" cap="none" strike="noStrike">
+        <a:defRPr sz="1400" b="0" i="0" u="none" strike="noStrike" cap="none">
           <a:solidFill>
             <a:srgbClr val="000000"/>
           </a:solidFill>
@@ -7312,7 +7472,7 @@
           <a:sym typeface="Arial"/>
         </a:defRPr>
       </a:lvl3pPr>
-      <a:lvl4pPr lvl="3" marR="0" rtl="0" algn="l">
+      <a:lvl4pPr marR="0" lvl="3" algn="l" rtl="0">
         <a:lnSpc>
           <a:spcPct val="100000"/>
         </a:lnSpc>
@@ -7326,7 +7486,7 @@
           <a:srgbClr val="000000"/>
         </a:buClr>
         <a:buFont typeface="Arial"/>
-        <a:defRPr b="0" i="0" sz="1400" u="none" cap="none" strike="noStrike">
+        <a:defRPr sz="1400" b="0" i="0" u="none" strike="noStrike" cap="none">
           <a:solidFill>
             <a:srgbClr val="000000"/>
           </a:solidFill>
@@ -7336,7 +7496,7 @@
           <a:sym typeface="Arial"/>
         </a:defRPr>
       </a:lvl4pPr>
-      <a:lvl5pPr lvl="4" marR="0" rtl="0" algn="l">
+      <a:lvl5pPr marR="0" lvl="4" algn="l" rtl="0">
         <a:lnSpc>
           <a:spcPct val="100000"/>
         </a:lnSpc>
@@ -7350,7 +7510,7 @@
           <a:srgbClr val="000000"/>
         </a:buClr>
         <a:buFont typeface="Arial"/>
-        <a:defRPr b="0" i="0" sz="1400" u="none" cap="none" strike="noStrike">
+        <a:defRPr sz="1400" b="0" i="0" u="none" strike="noStrike" cap="none">
           <a:solidFill>
             <a:srgbClr val="000000"/>
           </a:solidFill>
@@ -7360,7 +7520,7 @@
           <a:sym typeface="Arial"/>
         </a:defRPr>
       </a:lvl5pPr>
-      <a:lvl6pPr lvl="5" marR="0" rtl="0" algn="l">
+      <a:lvl6pPr marR="0" lvl="5" algn="l" rtl="0">
         <a:lnSpc>
           <a:spcPct val="100000"/>
         </a:lnSpc>
@@ -7374,7 +7534,7 @@
           <a:srgbClr val="000000"/>
         </a:buClr>
         <a:buFont typeface="Arial"/>
-        <a:defRPr b="0" i="0" sz="1400" u="none" cap="none" strike="noStrike">
+        <a:defRPr sz="1400" b="0" i="0" u="none" strike="noStrike" cap="none">
           <a:solidFill>
             <a:srgbClr val="000000"/>
           </a:solidFill>
@@ -7384,7 +7544,7 @@
           <a:sym typeface="Arial"/>
         </a:defRPr>
       </a:lvl6pPr>
-      <a:lvl7pPr lvl="6" marR="0" rtl="0" algn="l">
+      <a:lvl7pPr marR="0" lvl="6" algn="l" rtl="0">
         <a:lnSpc>
           <a:spcPct val="100000"/>
         </a:lnSpc>
@@ -7398,7 +7558,7 @@
           <a:srgbClr val="000000"/>
         </a:buClr>
         <a:buFont typeface="Arial"/>
-        <a:defRPr b="0" i="0" sz="1400" u="none" cap="none" strike="noStrike">
+        <a:defRPr sz="1400" b="0" i="0" u="none" strike="noStrike" cap="none">
           <a:solidFill>
             <a:srgbClr val="000000"/>
           </a:solidFill>
@@ -7408,7 +7568,7 @@
           <a:sym typeface="Arial"/>
         </a:defRPr>
       </a:lvl7pPr>
-      <a:lvl8pPr lvl="7" marR="0" rtl="0" algn="l">
+      <a:lvl8pPr marR="0" lvl="7" algn="l" rtl="0">
         <a:lnSpc>
           <a:spcPct val="100000"/>
         </a:lnSpc>
@@ -7422,7 +7582,7 @@
           <a:srgbClr val="000000"/>
         </a:buClr>
         <a:buFont typeface="Arial"/>
-        <a:defRPr b="0" i="0" sz="1400" u="none" cap="none" strike="noStrike">
+        <a:defRPr sz="1400" b="0" i="0" u="none" strike="noStrike" cap="none">
           <a:solidFill>
             <a:srgbClr val="000000"/>
           </a:solidFill>
@@ -7432,7 +7592,7 @@
           <a:sym typeface="Arial"/>
         </a:defRPr>
       </a:lvl8pPr>
-      <a:lvl9pPr lvl="8" marR="0" rtl="0" algn="l">
+      <a:lvl9pPr marR="0" lvl="8" algn="l" rtl="0">
         <a:lnSpc>
           <a:spcPct val="100000"/>
         </a:lnSpc>
@@ -7446,7 +7606,7 @@
           <a:srgbClr val="000000"/>
         </a:buClr>
         <a:buFont typeface="Arial"/>
-        <a:defRPr b="0" i="0" sz="1400" u="none" cap="none" strike="noStrike">
+        <a:defRPr sz="1400" b="0" i="0" u="none" strike="noStrike" cap="none">
           <a:solidFill>
             <a:srgbClr val="000000"/>
           </a:solidFill>
@@ -7458,7 +7618,7 @@
       </a:lvl9pPr>
     </p:titleStyle>
     <p:bodyStyle>
-      <a:defPPr lvl="0" marR="0" rtl="0" algn="l">
+      <a:defPPr marR="0" lvl="0" algn="l" rtl="0">
         <a:lnSpc>
           <a:spcPct val="100000"/>
         </a:lnSpc>
@@ -7469,7 +7629,7 @@
           <a:spcPts val="0"/>
         </a:spcAft>
       </a:defPPr>
-      <a:lvl1pPr lvl="0" marR="0" rtl="0" algn="l">
+      <a:lvl1pPr marR="0" lvl="0" algn="l" rtl="0">
         <a:lnSpc>
           <a:spcPct val="100000"/>
         </a:lnSpc>
@@ -7483,7 +7643,7 @@
           <a:srgbClr val="000000"/>
         </a:buClr>
         <a:buFont typeface="Arial"/>
-        <a:defRPr b="0" i="0" sz="1400" u="none" cap="none" strike="noStrike">
+        <a:defRPr sz="1400" b="0" i="0" u="none" strike="noStrike" cap="none">
           <a:solidFill>
             <a:srgbClr val="000000"/>
           </a:solidFill>
@@ -7493,7 +7653,7 @@
           <a:sym typeface="Arial"/>
         </a:defRPr>
       </a:lvl1pPr>
-      <a:lvl2pPr lvl="1" marR="0" rtl="0" algn="l">
+      <a:lvl2pPr marR="0" lvl="1" algn="l" rtl="0">
         <a:lnSpc>
           <a:spcPct val="100000"/>
         </a:lnSpc>
@@ -7507,7 +7667,7 @@
           <a:srgbClr val="000000"/>
         </a:buClr>
         <a:buFont typeface="Arial"/>
-        <a:defRPr b="0" i="0" sz="1400" u="none" cap="none" strike="noStrike">
+        <a:defRPr sz="1400" b="0" i="0" u="none" strike="noStrike" cap="none">
           <a:solidFill>
             <a:srgbClr val="000000"/>
           </a:solidFill>
@@ -7517,7 +7677,7 @@
           <a:sym typeface="Arial"/>
         </a:defRPr>
       </a:lvl2pPr>
-      <a:lvl3pPr lvl="2" marR="0" rtl="0" algn="l">
+      <a:lvl3pPr marR="0" lvl="2" algn="l" rtl="0">
         <a:lnSpc>
           <a:spcPct val="100000"/>
         </a:lnSpc>
@@ -7531,7 +7691,7 @@
           <a:srgbClr val="000000"/>
         </a:buClr>
         <a:buFont typeface="Arial"/>
-        <a:defRPr b="0" i="0" sz="1400" u="none" cap="none" strike="noStrike">
+        <a:defRPr sz="1400" b="0" i="0" u="none" strike="noStrike" cap="none">
           <a:solidFill>
             <a:srgbClr val="000000"/>
           </a:solidFill>
@@ -7541,7 +7701,7 @@
           <a:sym typeface="Arial"/>
         </a:defRPr>
       </a:lvl3pPr>
-      <a:lvl4pPr lvl="3" marR="0" rtl="0" algn="l">
+      <a:lvl4pPr marR="0" lvl="3" algn="l" rtl="0">
         <a:lnSpc>
           <a:spcPct val="100000"/>
         </a:lnSpc>
@@ -7555,7 +7715,7 @@
           <a:srgbClr val="000000"/>
         </a:buClr>
         <a:buFont typeface="Arial"/>
-        <a:defRPr b="0" i="0" sz="1400" u="none" cap="none" strike="noStrike">
+        <a:defRPr sz="1400" b="0" i="0" u="none" strike="noStrike" cap="none">
           <a:solidFill>
             <a:srgbClr val="000000"/>
           </a:solidFill>
@@ -7565,7 +7725,7 @@
           <a:sym typeface="Arial"/>
         </a:defRPr>
       </a:lvl4pPr>
-      <a:lvl5pPr lvl="4" marR="0" rtl="0" algn="l">
+      <a:lvl5pPr marR="0" lvl="4" algn="l" rtl="0">
         <a:lnSpc>
           <a:spcPct val="100000"/>
         </a:lnSpc>
@@ -7579,7 +7739,7 @@
           <a:srgbClr val="000000"/>
         </a:buClr>
         <a:buFont typeface="Arial"/>
-        <a:defRPr b="0" i="0" sz="1400" u="none" cap="none" strike="noStrike">
+        <a:defRPr sz="1400" b="0" i="0" u="none" strike="noStrike" cap="none">
           <a:solidFill>
             <a:srgbClr val="000000"/>
           </a:solidFill>
@@ -7589,7 +7749,7 @@
           <a:sym typeface="Arial"/>
         </a:defRPr>
       </a:lvl5pPr>
-      <a:lvl6pPr lvl="5" marR="0" rtl="0" algn="l">
+      <a:lvl6pPr marR="0" lvl="5" algn="l" rtl="0">
         <a:lnSpc>
           <a:spcPct val="100000"/>
         </a:lnSpc>
@@ -7603,7 +7763,7 @@
           <a:srgbClr val="000000"/>
         </a:buClr>
         <a:buFont typeface="Arial"/>
-        <a:defRPr b="0" i="0" sz="1400" u="none" cap="none" strike="noStrike">
+        <a:defRPr sz="1400" b="0" i="0" u="none" strike="noStrike" cap="none">
           <a:solidFill>
             <a:srgbClr val="000000"/>
           </a:solidFill>
@@ -7613,7 +7773,7 @@
           <a:sym typeface="Arial"/>
         </a:defRPr>
       </a:lvl6pPr>
-      <a:lvl7pPr lvl="6" marR="0" rtl="0" algn="l">
+      <a:lvl7pPr marR="0" lvl="6" algn="l" rtl="0">
         <a:lnSpc>
           <a:spcPct val="100000"/>
         </a:lnSpc>
@@ -7627,7 +7787,7 @@
           <a:srgbClr val="000000"/>
         </a:buClr>
         <a:buFont typeface="Arial"/>
-        <a:defRPr b="0" i="0" sz="1400" u="none" cap="none" strike="noStrike">
+        <a:defRPr sz="1400" b="0" i="0" u="none" strike="noStrike" cap="none">
           <a:solidFill>
             <a:srgbClr val="000000"/>
           </a:solidFill>
@@ -7637,7 +7797,7 @@
           <a:sym typeface="Arial"/>
         </a:defRPr>
       </a:lvl7pPr>
-      <a:lvl8pPr lvl="7" marR="0" rtl="0" algn="l">
+      <a:lvl8pPr marR="0" lvl="7" algn="l" rtl="0">
         <a:lnSpc>
           <a:spcPct val="100000"/>
         </a:lnSpc>
@@ -7651,7 +7811,7 @@
           <a:srgbClr val="000000"/>
         </a:buClr>
         <a:buFont typeface="Arial"/>
-        <a:defRPr b="0" i="0" sz="1400" u="none" cap="none" strike="noStrike">
+        <a:defRPr sz="1400" b="0" i="0" u="none" strike="noStrike" cap="none">
           <a:solidFill>
             <a:srgbClr val="000000"/>
           </a:solidFill>
@@ -7661,7 +7821,7 @@
           <a:sym typeface="Arial"/>
         </a:defRPr>
       </a:lvl8pPr>
-      <a:lvl9pPr lvl="8" marR="0" rtl="0" algn="l">
+      <a:lvl9pPr marR="0" lvl="8" algn="l" rtl="0">
         <a:lnSpc>
           <a:spcPct val="100000"/>
         </a:lnSpc>
@@ -7675,7 +7835,7 @@
           <a:srgbClr val="000000"/>
         </a:buClr>
         <a:buFont typeface="Arial"/>
-        <a:defRPr b="0" i="0" sz="1400" u="none" cap="none" strike="noStrike">
+        <a:defRPr sz="1400" b="0" i="0" u="none" strike="noStrike" cap="none">
           <a:solidFill>
             <a:srgbClr val="000000"/>
           </a:solidFill>
@@ -7687,7 +7847,7 @@
       </a:lvl9pPr>
     </p:bodyStyle>
     <p:otherStyle>
-      <a:defPPr lvl="0" marR="0" rtl="0" algn="l">
+      <a:defPPr marR="0" lvl="0" algn="l" rtl="0">
         <a:lnSpc>
           <a:spcPct val="100000"/>
         </a:lnSpc>
@@ -7698,7 +7858,7 @@
           <a:spcPts val="0"/>
         </a:spcAft>
       </a:defPPr>
-      <a:lvl1pPr lvl="0" marR="0" rtl="0" algn="l">
+      <a:lvl1pPr marR="0" lvl="0" algn="l" rtl="0">
         <a:lnSpc>
           <a:spcPct val="100000"/>
         </a:lnSpc>
@@ -7712,7 +7872,7 @@
           <a:srgbClr val="000000"/>
         </a:buClr>
         <a:buFont typeface="Arial"/>
-        <a:defRPr b="0" i="0" sz="1400" u="none" cap="none" strike="noStrike">
+        <a:defRPr sz="1400" b="0" i="0" u="none" strike="noStrike" cap="none">
           <a:solidFill>
             <a:srgbClr val="000000"/>
           </a:solidFill>
@@ -7722,7 +7882,7 @@
           <a:sym typeface="Arial"/>
         </a:defRPr>
       </a:lvl1pPr>
-      <a:lvl2pPr lvl="1" marR="0" rtl="0" algn="l">
+      <a:lvl2pPr marR="0" lvl="1" algn="l" rtl="0">
         <a:lnSpc>
           <a:spcPct val="100000"/>
         </a:lnSpc>
@@ -7736,7 +7896,7 @@
           <a:srgbClr val="000000"/>
         </a:buClr>
         <a:buFont typeface="Arial"/>
-        <a:defRPr b="0" i="0" sz="1400" u="none" cap="none" strike="noStrike">
+        <a:defRPr sz="1400" b="0" i="0" u="none" strike="noStrike" cap="none">
           <a:solidFill>
             <a:srgbClr val="000000"/>
           </a:solidFill>
@@ -7746,7 +7906,7 @@
           <a:sym typeface="Arial"/>
         </a:defRPr>
       </a:lvl2pPr>
-      <a:lvl3pPr lvl="2" marR="0" rtl="0" algn="l">
+      <a:lvl3pPr marR="0" lvl="2" algn="l" rtl="0">
         <a:lnSpc>
           <a:spcPct val="100000"/>
         </a:lnSpc>
@@ -7760,7 +7920,7 @@
           <a:srgbClr val="000000"/>
         </a:buClr>
         <a:buFont typeface="Arial"/>
-        <a:defRPr b="0" i="0" sz="1400" u="none" cap="none" strike="noStrike">
+        <a:defRPr sz="1400" b="0" i="0" u="none" strike="noStrike" cap="none">
           <a:solidFill>
             <a:srgbClr val="000000"/>
           </a:solidFill>
@@ -7770,7 +7930,7 @@
           <a:sym typeface="Arial"/>
         </a:defRPr>
       </a:lvl3pPr>
-      <a:lvl4pPr lvl="3" marR="0" rtl="0" algn="l">
+      <a:lvl4pPr marR="0" lvl="3" algn="l" rtl="0">
         <a:lnSpc>
           <a:spcPct val="100000"/>
         </a:lnSpc>
@@ -7784,7 +7944,7 @@
           <a:srgbClr val="000000"/>
         </a:buClr>
         <a:buFont typeface="Arial"/>
-        <a:defRPr b="0" i="0" sz="1400" u="none" cap="none" strike="noStrike">
+        <a:defRPr sz="1400" b="0" i="0" u="none" strike="noStrike" cap="none">
           <a:solidFill>
             <a:srgbClr val="000000"/>
           </a:solidFill>
@@ -7794,7 +7954,7 @@
           <a:sym typeface="Arial"/>
         </a:defRPr>
       </a:lvl4pPr>
-      <a:lvl5pPr lvl="4" marR="0" rtl="0" algn="l">
+      <a:lvl5pPr marR="0" lvl="4" algn="l" rtl="0">
         <a:lnSpc>
           <a:spcPct val="100000"/>
         </a:lnSpc>
@@ -7808,7 +7968,7 @@
           <a:srgbClr val="000000"/>
         </a:buClr>
         <a:buFont typeface="Arial"/>
-        <a:defRPr b="0" i="0" sz="1400" u="none" cap="none" strike="noStrike">
+        <a:defRPr sz="1400" b="0" i="0" u="none" strike="noStrike" cap="none">
           <a:solidFill>
             <a:srgbClr val="000000"/>
           </a:solidFill>
@@ -7818,7 +7978,7 @@
           <a:sym typeface="Arial"/>
         </a:defRPr>
       </a:lvl5pPr>
-      <a:lvl6pPr lvl="5" marR="0" rtl="0" algn="l">
+      <a:lvl6pPr marR="0" lvl="5" algn="l" rtl="0">
         <a:lnSpc>
           <a:spcPct val="100000"/>
         </a:lnSpc>
@@ -7832,7 +7992,7 @@
           <a:srgbClr val="000000"/>
         </a:buClr>
         <a:buFont typeface="Arial"/>
-        <a:defRPr b="0" i="0" sz="1400" u="none" cap="none" strike="noStrike">
+        <a:defRPr sz="1400" b="0" i="0" u="none" strike="noStrike" cap="none">
           <a:solidFill>
             <a:srgbClr val="000000"/>
           </a:solidFill>
@@ -7842,7 +8002,7 @@
           <a:sym typeface="Arial"/>
         </a:defRPr>
       </a:lvl6pPr>
-      <a:lvl7pPr lvl="6" marR="0" rtl="0" algn="l">
+      <a:lvl7pPr marR="0" lvl="6" algn="l" rtl="0">
         <a:lnSpc>
           <a:spcPct val="100000"/>
         </a:lnSpc>
@@ -7856,7 +8016,7 @@
           <a:srgbClr val="000000"/>
         </a:buClr>
         <a:buFont typeface="Arial"/>
-        <a:defRPr b="0" i="0" sz="1400" u="none" cap="none" strike="noStrike">
+        <a:defRPr sz="1400" b="0" i="0" u="none" strike="noStrike" cap="none">
           <a:solidFill>
             <a:srgbClr val="000000"/>
           </a:solidFill>
@@ -7866,7 +8026,7 @@
           <a:sym typeface="Arial"/>
         </a:defRPr>
       </a:lvl7pPr>
-      <a:lvl8pPr lvl="7" marR="0" rtl="0" algn="l">
+      <a:lvl8pPr marR="0" lvl="7" algn="l" rtl="0">
         <a:lnSpc>
           <a:spcPct val="100000"/>
         </a:lnSpc>
@@ -7880,7 +8040,7 @@
           <a:srgbClr val="000000"/>
         </a:buClr>
         <a:buFont typeface="Arial"/>
-        <a:defRPr b="0" i="0" sz="1400" u="none" cap="none" strike="noStrike">
+        <a:defRPr sz="1400" b="0" i="0" u="none" strike="noStrike" cap="none">
           <a:solidFill>
             <a:srgbClr val="000000"/>
           </a:solidFill>
@@ -7890,7 +8050,7 @@
           <a:sym typeface="Arial"/>
         </a:defRPr>
       </a:lvl8pPr>
-      <a:lvl9pPr lvl="8" marR="0" rtl="0" algn="l">
+      <a:lvl9pPr marR="0" lvl="8" algn="l" rtl="0">
         <a:lnSpc>
           <a:spcPct val="100000"/>
         </a:lnSpc>
@@ -7904,7 +8064,7 @@
           <a:srgbClr val="000000"/>
         </a:buClr>
         <a:buFont typeface="Arial"/>
-        <a:defRPr b="0" i="0" sz="1400" u="none" cap="none" strike="noStrike">
+        <a:defRPr sz="1400" b="0" i="0" u="none" strike="noStrike" cap="none">
           <a:solidFill>
             <a:srgbClr val="000000"/>
           </a:solidFill>
@@ -7920,11 +8080,11 @@
 </file>
 
 <file path=ppt/slides/slide1.xml><?xml version="1.0" encoding="utf-8"?>
-<p:sld xmlns:a="http://schemas.openxmlformats.org/drawingml/2006/main" xmlns:r="http://schemas.openxmlformats.org/officeDocument/2006/relationships" xmlns:mc="http://schemas.openxmlformats.org/markup-compatibility/2006" xmlns:mv="urn:schemas-microsoft-com:mac:vml" xmlns:p="http://schemas.openxmlformats.org/presentationml/2006/main" xmlns:c="http://schemas.openxmlformats.org/drawingml/2006/chart" xmlns:dgm="http://schemas.openxmlformats.org/drawingml/2006/diagram" xmlns:o="urn:schemas-microsoft-com:office:office" xmlns:v="urn:schemas-microsoft-com:vml" xmlns:pvml="urn:schemas-microsoft-com:office:powerpoint" xmlns:com="http://schemas.openxmlformats.org/drawingml/2006/compatibility" xmlns:p14="http://schemas.microsoft.com/office/powerpoint/2010/main" xmlns:p15="http://schemas.microsoft.com/office/powerpoint/2012/main" xmlns:ahyp="http://schemas.microsoft.com/office/drawing/2018/hyperlinkcolor">
+<p:sld xmlns:a="http://schemas.openxmlformats.org/drawingml/2006/main" xmlns:r="http://schemas.openxmlformats.org/officeDocument/2006/relationships" xmlns:p="http://schemas.openxmlformats.org/presentationml/2006/main">
   <p:cSld>
     <p:spTree>
       <p:nvGrpSpPr>
-        <p:cNvPr id="65" name="Shape 65"/>
+        <p:cNvPr id="1" name="Shape 65"/>
         <p:cNvGrpSpPr/>
         <p:nvPr/>
       </p:nvGrpSpPr>
@@ -7939,7 +8099,9 @@
       <p:sp>
         <p:nvSpPr>
           <p:cNvPr id="66" name="Google Shape;66;p13"/>
-          <p:cNvSpPr txBox="1"/>
+          <p:cNvSpPr txBox="1">
+            <a:spLocks noGrp="1"/>
+          </p:cNvSpPr>
           <p:nvPr>
             <p:ph type="ctrTitle"/>
           </p:nvPr>
@@ -7954,12 +8116,12 @@
           </a:prstGeom>
         </p:spPr>
         <p:txBody>
-          <a:bodyPr anchorCtr="0" anchor="b" bIns="91425" lIns="91425" spcFirstLastPara="1" rIns="91425" wrap="square" tIns="91425">
+          <a:bodyPr spcFirstLastPara="1" wrap="square" lIns="91425" tIns="91425" rIns="91425" bIns="91425" anchor="b" anchorCtr="0">
             <a:noAutofit/>
           </a:bodyPr>
           <a:lstStyle/>
           <a:p>
-            <a:pPr indent="0" lvl="0" marL="0" rtl="0" algn="ctr">
+            <a:pPr marL="0" lvl="0" indent="0" algn="ctr" rtl="0">
               <a:spcBef>
                 <a:spcPts val="0"/>
               </a:spcBef>
@@ -7979,9 +8141,11 @@
       <p:sp>
         <p:nvSpPr>
           <p:cNvPr id="67" name="Google Shape;67;p13"/>
-          <p:cNvSpPr txBox="1"/>
+          <p:cNvSpPr txBox="1">
+            <a:spLocks noGrp="1"/>
+          </p:cNvSpPr>
           <p:nvPr>
-            <p:ph idx="1" type="subTitle"/>
+            <p:ph type="subTitle" idx="1"/>
           </p:nvPr>
         </p:nvSpPr>
         <p:spPr>
@@ -7994,12 +8158,12 @@
           </a:prstGeom>
         </p:spPr>
         <p:txBody>
-          <a:bodyPr anchorCtr="0" anchor="t" bIns="91425" lIns="91425" spcFirstLastPara="1" rIns="91425" wrap="square" tIns="91425">
+          <a:bodyPr spcFirstLastPara="1" wrap="square" lIns="91425" tIns="91425" rIns="91425" bIns="91425" anchor="t" anchorCtr="0">
             <a:noAutofit/>
           </a:bodyPr>
           <a:lstStyle/>
           <a:p>
-            <a:pPr indent="0" lvl="0" marL="0" rtl="0" algn="ctr">
+            <a:pPr marL="0" lvl="0" indent="0" algn="ctr" rtl="0">
               <a:spcBef>
                 <a:spcPts val="0"/>
               </a:spcBef>
@@ -8015,7 +8179,7 @@
             <a:endParaRPr/>
           </a:p>
           <a:p>
-            <a:pPr indent="0" lvl="0" marL="0" rtl="0" algn="ctr">
+            <a:pPr marL="0" lvl="0" indent="0" algn="ctr" rtl="0">
               <a:spcBef>
                 <a:spcPts val="0"/>
               </a:spcBef>
@@ -8041,11 +8205,11 @@
 </file>
 
 <file path=ppt/slides/slide10.xml><?xml version="1.0" encoding="utf-8"?>
-<p:sld xmlns:a="http://schemas.openxmlformats.org/drawingml/2006/main" xmlns:r="http://schemas.openxmlformats.org/officeDocument/2006/relationships" xmlns:mc="http://schemas.openxmlformats.org/markup-compatibility/2006" xmlns:mv="urn:schemas-microsoft-com:mac:vml" xmlns:p="http://schemas.openxmlformats.org/presentationml/2006/main" xmlns:c="http://schemas.openxmlformats.org/drawingml/2006/chart" xmlns:dgm="http://schemas.openxmlformats.org/drawingml/2006/diagram" xmlns:o="urn:schemas-microsoft-com:office:office" xmlns:v="urn:schemas-microsoft-com:vml" xmlns:pvml="urn:schemas-microsoft-com:office:powerpoint" xmlns:com="http://schemas.openxmlformats.org/drawingml/2006/compatibility" xmlns:p14="http://schemas.microsoft.com/office/powerpoint/2010/main" xmlns:p15="http://schemas.microsoft.com/office/powerpoint/2012/main" xmlns:ahyp="http://schemas.microsoft.com/office/drawing/2018/hyperlinkcolor">
+<p:sld xmlns:a="http://schemas.openxmlformats.org/drawingml/2006/main" xmlns:r="http://schemas.openxmlformats.org/officeDocument/2006/relationships" xmlns:p="http://schemas.openxmlformats.org/presentationml/2006/main">
   <p:cSld>
     <p:spTree>
       <p:nvGrpSpPr>
-        <p:cNvPr id="127" name="Shape 127"/>
+        <p:cNvPr id="1" name="Shape 127"/>
         <p:cNvGrpSpPr/>
         <p:nvPr/>
       </p:nvGrpSpPr>
@@ -8060,7 +8224,9 @@
       <p:sp>
         <p:nvSpPr>
           <p:cNvPr id="128" name="Google Shape;128;p22"/>
-          <p:cNvSpPr txBox="1"/>
+          <p:cNvSpPr txBox="1">
+            <a:spLocks noGrp="1"/>
+          </p:cNvSpPr>
           <p:nvPr>
             <p:ph type="title"/>
           </p:nvPr>
@@ -8075,12 +8241,12 @@
           </a:prstGeom>
         </p:spPr>
         <p:txBody>
-          <a:bodyPr anchorCtr="0" anchor="t" bIns="91425" lIns="91425" spcFirstLastPara="1" rIns="91425" wrap="square" tIns="91425">
+          <a:bodyPr spcFirstLastPara="1" wrap="square" lIns="91425" tIns="91425" rIns="91425" bIns="91425" anchor="t" anchorCtr="0">
             <a:noAutofit/>
           </a:bodyPr>
           <a:lstStyle/>
           <a:p>
-            <a:pPr indent="0" lvl="0" marL="0" rtl="0" algn="l">
+            <a:pPr marL="0" lvl="0" indent="0" algn="l" rtl="0">
               <a:spcBef>
                 <a:spcPts val="0"/>
               </a:spcBef>
@@ -8100,9 +8266,11 @@
       <p:sp>
         <p:nvSpPr>
           <p:cNvPr id="129" name="Google Shape;129;p22"/>
-          <p:cNvSpPr txBox="1"/>
+          <p:cNvSpPr txBox="1">
+            <a:spLocks noGrp="1"/>
+          </p:cNvSpPr>
           <p:nvPr>
-            <p:ph idx="1" type="body"/>
+            <p:ph type="body" idx="1"/>
           </p:nvPr>
         </p:nvSpPr>
         <p:spPr>
@@ -8115,12 +8283,12 @@
           </a:prstGeom>
         </p:spPr>
         <p:txBody>
-          <a:bodyPr anchorCtr="0" anchor="t" bIns="91425" lIns="91425" spcFirstLastPara="1" rIns="91425" wrap="square" tIns="91425">
+          <a:bodyPr spcFirstLastPara="1" wrap="square" lIns="91425" tIns="91425" rIns="91425" bIns="91425" anchor="t" anchorCtr="0">
             <a:noAutofit/>
           </a:bodyPr>
           <a:lstStyle/>
           <a:p>
-            <a:pPr indent="0" lvl="0" marL="0" rtl="0" algn="l">
+            <a:pPr marL="0" lvl="0" indent="0" algn="l" rtl="0">
               <a:spcBef>
                 <a:spcPts val="0"/>
               </a:spcBef>
@@ -8136,7 +8304,7 @@
             <a:endParaRPr sz="2400"/>
           </a:p>
           <a:p>
-            <a:pPr indent="0" lvl="0" marL="0" rtl="0" algn="l">
+            <a:pPr marL="0" lvl="0" indent="0" algn="l" rtl="0">
               <a:spcBef>
                 <a:spcPts val="1600"/>
               </a:spcBef>
@@ -8152,7 +8320,7 @@
             <a:endParaRPr sz="2400"/>
           </a:p>
           <a:p>
-            <a:pPr indent="0" lvl="0" marL="0" rtl="0" algn="l">
+            <a:pPr marL="0" lvl="0" indent="0" algn="l" rtl="0">
               <a:spcBef>
                 <a:spcPts val="1600"/>
               </a:spcBef>
@@ -8168,7 +8336,7 @@
             <a:endParaRPr sz="2400"/>
           </a:p>
           <a:p>
-            <a:pPr indent="0" lvl="0" marL="0" rtl="0" algn="l">
+            <a:pPr marL="0" lvl="0" indent="0" algn="l" rtl="0">
               <a:spcBef>
                 <a:spcPts val="1600"/>
               </a:spcBef>
@@ -8177,9 +8345,6 @@
               </a:spcAft>
               <a:buNone/>
             </a:pPr>
-            <a:r>
-              <a:t/>
-            </a:r>
             <a:endParaRPr/>
           </a:p>
         </p:txBody>
@@ -8193,11 +8358,11 @@
 </file>
 
 <file path=ppt/slides/slide11.xml><?xml version="1.0" encoding="utf-8"?>
-<p:sld xmlns:a="http://schemas.openxmlformats.org/drawingml/2006/main" xmlns:r="http://schemas.openxmlformats.org/officeDocument/2006/relationships" xmlns:mc="http://schemas.openxmlformats.org/markup-compatibility/2006" xmlns:mv="urn:schemas-microsoft-com:mac:vml" xmlns:p="http://schemas.openxmlformats.org/presentationml/2006/main" xmlns:c="http://schemas.openxmlformats.org/drawingml/2006/chart" xmlns:dgm="http://schemas.openxmlformats.org/drawingml/2006/diagram" xmlns:o="urn:schemas-microsoft-com:office:office" xmlns:v="urn:schemas-microsoft-com:vml" xmlns:pvml="urn:schemas-microsoft-com:office:powerpoint" xmlns:com="http://schemas.openxmlformats.org/drawingml/2006/compatibility" xmlns:p14="http://schemas.microsoft.com/office/powerpoint/2010/main" xmlns:p15="http://schemas.microsoft.com/office/powerpoint/2012/main" xmlns:ahyp="http://schemas.microsoft.com/office/drawing/2018/hyperlinkcolor">
+<p:sld xmlns:a="http://schemas.openxmlformats.org/drawingml/2006/main" xmlns:r="http://schemas.openxmlformats.org/officeDocument/2006/relationships" xmlns:p="http://schemas.openxmlformats.org/presentationml/2006/main">
   <p:cSld>
     <p:spTree>
       <p:nvGrpSpPr>
-        <p:cNvPr id="133" name="Shape 133"/>
+        <p:cNvPr id="1" name="Shape 133"/>
         <p:cNvGrpSpPr/>
         <p:nvPr/>
       </p:nvGrpSpPr>
@@ -8212,7 +8377,9 @@
       <p:sp>
         <p:nvSpPr>
           <p:cNvPr id="134" name="Google Shape;134;p23"/>
-          <p:cNvSpPr txBox="1"/>
+          <p:cNvSpPr txBox="1">
+            <a:spLocks noGrp="1"/>
+          </p:cNvSpPr>
           <p:nvPr>
             <p:ph type="title"/>
           </p:nvPr>
@@ -8227,12 +8394,12 @@
           </a:prstGeom>
         </p:spPr>
         <p:txBody>
-          <a:bodyPr anchorCtr="0" anchor="t" bIns="91425" lIns="91425" spcFirstLastPara="1" rIns="91425" wrap="square" tIns="91425">
+          <a:bodyPr spcFirstLastPara="1" wrap="square" lIns="91425" tIns="91425" rIns="91425" bIns="91425" anchor="t" anchorCtr="0">
             <a:noAutofit/>
           </a:bodyPr>
           <a:lstStyle/>
           <a:p>
-            <a:pPr indent="0" lvl="0" marL="0" rtl="0" algn="l">
+            <a:pPr marL="0" lvl="0" indent="0" algn="l" rtl="0">
               <a:spcBef>
                 <a:spcPts val="0"/>
               </a:spcBef>
@@ -8257,21 +8424,51 @@
         </p:nvGraphicFramePr>
         <p:xfrm>
           <a:off x="0" y="1804275"/>
-          <a:ext cx="3000000" cy="3000000"/>
+          <a:ext cx="9088775" cy="1701260"/>
         </p:xfrm>
         <a:graphic>
           <a:graphicData uri="http://schemas.openxmlformats.org/drawingml/2006/table">
             <a:tbl>
               <a:tblPr>
                 <a:noFill/>
-                <a:tableStyleId>{79B0B2F7-3600-45C8-931B-81ED240DB619}</a:tableStyleId>
+                <a:tableStyleId>{E87A18ED-B9E9-4AC1-91F3-08D2AE80BEAF}</a:tableStyleId>
               </a:tblPr>
               <a:tblGrid>
-                <a:gridCol w="772525"/>
-                <a:gridCol w="2078525"/>
-                <a:gridCol w="2154625"/>
-                <a:gridCol w="2078525"/>
-                <a:gridCol w="2004575"/>
+                <a:gridCol w="772525">
+                  <a:extLst>
+                    <a:ext uri="{9D8B030D-6E8A-4147-A177-3AD203B41FA5}">
+                      <a16:colId xmlns:a16="http://schemas.microsoft.com/office/drawing/2014/main" val="20000"/>
+                    </a:ext>
+                  </a:extLst>
+                </a:gridCol>
+                <a:gridCol w="2078525">
+                  <a:extLst>
+                    <a:ext uri="{9D8B030D-6E8A-4147-A177-3AD203B41FA5}">
+                      <a16:colId xmlns:a16="http://schemas.microsoft.com/office/drawing/2014/main" val="20001"/>
+                    </a:ext>
+                  </a:extLst>
+                </a:gridCol>
+                <a:gridCol w="2154625">
+                  <a:extLst>
+                    <a:ext uri="{9D8B030D-6E8A-4147-A177-3AD203B41FA5}">
+                      <a16:colId xmlns:a16="http://schemas.microsoft.com/office/drawing/2014/main" val="20002"/>
+                    </a:ext>
+                  </a:extLst>
+                </a:gridCol>
+                <a:gridCol w="2078525">
+                  <a:extLst>
+                    <a:ext uri="{9D8B030D-6E8A-4147-A177-3AD203B41FA5}">
+                      <a16:colId xmlns:a16="http://schemas.microsoft.com/office/drawing/2014/main" val="20003"/>
+                    </a:ext>
+                  </a:extLst>
+                </a:gridCol>
+                <a:gridCol w="2004575">
+                  <a:extLst>
+                    <a:ext uri="{9D8B030D-6E8A-4147-A177-3AD203B41FA5}">
+                      <a16:colId xmlns:a16="http://schemas.microsoft.com/office/drawing/2014/main" val="20004"/>
+                    </a:ext>
+                  </a:extLst>
+                </a:gridCol>
               </a:tblGrid>
               <a:tr h="595650">
                 <a:tc>
@@ -8279,7 +8476,7 @@
                     <a:bodyPr/>
                     <a:lstStyle/>
                     <a:p>
-                      <a:pPr indent="0" lvl="0" marL="0" rtl="0" algn="l">
+                      <a:pPr marL="0" lvl="0" indent="0" algn="l" rtl="0">
                         <a:spcBef>
                           <a:spcPts val="0"/>
                         </a:spcBef>
@@ -8288,20 +8485,17 @@
                         </a:spcAft>
                         <a:buNone/>
                       </a:pPr>
-                      <a:r>
-                        <a:t/>
-                      </a:r>
                       <a:endParaRPr/>
                     </a:p>
                   </a:txBody>
-                  <a:tcPr marT="91425" marB="91425" marR="91425" marL="91425"/>
+                  <a:tcPr marL="91425" marR="91425" marT="91425" marB="91425"/>
                 </a:tc>
                 <a:tc>
                   <a:txBody>
                     <a:bodyPr/>
                     <a:lstStyle/>
                     <a:p>
-                      <a:pPr indent="0" lvl="0" marL="0" rtl="0" algn="ctr">
+                      <a:pPr marL="0" lvl="0" indent="0" algn="ctr" rtl="0">
                         <a:lnSpc>
                           <a:spcPct val="100000"/>
                         </a:lnSpc>
@@ -8320,14 +8514,14 @@
                       <a:endParaRPr/>
                     </a:p>
                   </a:txBody>
-                  <a:tcPr marT="91425" marB="91425" marR="91425" marL="91425"/>
+                  <a:tcPr marL="91425" marR="91425" marT="91425" marB="91425"/>
                 </a:tc>
                 <a:tc>
                   <a:txBody>
                     <a:bodyPr/>
                     <a:lstStyle/>
                     <a:p>
-                      <a:pPr indent="0" lvl="0" marL="0" rtl="0" algn="ctr">
+                      <a:pPr marL="0" lvl="0" indent="0" algn="ctr" rtl="0">
                         <a:lnSpc>
                           <a:spcPct val="100000"/>
                         </a:lnSpc>
@@ -8346,14 +8540,14 @@
                       <a:endParaRPr/>
                     </a:p>
                   </a:txBody>
-                  <a:tcPr marT="91425" marB="91425" marR="91425" marL="91425"/>
+                  <a:tcPr marL="91425" marR="91425" marT="91425" marB="91425"/>
                 </a:tc>
                 <a:tc>
                   <a:txBody>
                     <a:bodyPr/>
                     <a:lstStyle/>
                     <a:p>
-                      <a:pPr indent="0" lvl="0" marL="0" rtl="0" algn="ctr">
+                      <a:pPr marL="0" lvl="0" indent="0" algn="ctr" rtl="0">
                         <a:lnSpc>
                           <a:spcPct val="100000"/>
                         </a:lnSpc>
@@ -8372,14 +8566,14 @@
                       <a:endParaRPr/>
                     </a:p>
                   </a:txBody>
-                  <a:tcPr marT="91425" marB="91425" marR="91425" marL="91425"/>
+                  <a:tcPr marL="91425" marR="91425" marT="91425" marB="91425"/>
                 </a:tc>
                 <a:tc>
                   <a:txBody>
                     <a:bodyPr/>
                     <a:lstStyle/>
                     <a:p>
-                      <a:pPr indent="0" lvl="0" marL="0" rtl="0" algn="ctr">
+                      <a:pPr marL="0" lvl="0" indent="0" algn="ctr" rtl="0">
                         <a:lnSpc>
                           <a:spcPct val="100000"/>
                         </a:lnSpc>
@@ -8398,8 +8592,13 @@
                       <a:endParaRPr/>
                     </a:p>
                   </a:txBody>
-                  <a:tcPr marT="91425" marB="91425" marR="91425" marL="91425"/>
+                  <a:tcPr marL="91425" marR="91425" marT="91425" marB="91425"/>
                 </a:tc>
+                <a:extLst>
+                  <a:ext uri="{0D108BD9-81ED-4DB2-BD59-A6C34878D82A}">
+                    <a16:rowId xmlns:a16="http://schemas.microsoft.com/office/drawing/2014/main" val="10000"/>
+                  </a:ext>
+                </a:extLst>
               </a:tr>
               <a:tr h="709400">
                 <a:tc>
@@ -8407,7 +8606,7 @@
                     <a:bodyPr/>
                     <a:lstStyle/>
                     <a:p>
-                      <a:pPr indent="0" lvl="0" marL="0" rtl="0" algn="l">
+                      <a:pPr marL="0" lvl="0" indent="0" algn="l" rtl="0">
                         <a:spcBef>
                           <a:spcPts val="0"/>
                         </a:spcBef>
@@ -8423,14 +8622,14 @@
                       <a:endParaRPr/>
                     </a:p>
                   </a:txBody>
-                  <a:tcPr marT="91425" marB="91425" marR="91425" marL="91425"/>
+                  <a:tcPr marL="91425" marR="91425" marT="91425" marB="91425"/>
                 </a:tc>
                 <a:tc>
                   <a:txBody>
                     <a:bodyPr/>
                     <a:lstStyle/>
                     <a:p>
-                      <a:pPr indent="0" lvl="0" marL="0" rtl="0" algn="l">
+                      <a:pPr marL="0" lvl="0" indent="0" algn="l" rtl="0">
                         <a:spcBef>
                           <a:spcPts val="0"/>
                         </a:spcBef>
@@ -8439,20 +8638,17 @@
                         </a:spcAft>
                         <a:buNone/>
                       </a:pPr>
-                      <a:r>
-                        <a:t/>
-                      </a:r>
                       <a:endParaRPr/>
                     </a:p>
                   </a:txBody>
-                  <a:tcPr marT="91425" marB="91425" marR="91425" marL="91425"/>
+                  <a:tcPr marL="91425" marR="91425" marT="91425" marB="91425"/>
                 </a:tc>
                 <a:tc>
                   <a:txBody>
                     <a:bodyPr/>
                     <a:lstStyle/>
                     <a:p>
-                      <a:pPr indent="0" lvl="0" marL="0" rtl="0" algn="l">
+                      <a:pPr marL="0" lvl="0" indent="0" algn="l" rtl="0">
                         <a:spcBef>
                           <a:spcPts val="0"/>
                         </a:spcBef>
@@ -8461,20 +8657,17 @@
                         </a:spcAft>
                         <a:buNone/>
                       </a:pPr>
-                      <a:r>
-                        <a:t/>
-                      </a:r>
                       <a:endParaRPr/>
                     </a:p>
                   </a:txBody>
-                  <a:tcPr marT="91425" marB="91425" marR="91425" marL="91425"/>
+                  <a:tcPr marL="91425" marR="91425" marT="91425" marB="91425"/>
                 </a:tc>
                 <a:tc>
                   <a:txBody>
                     <a:bodyPr/>
                     <a:lstStyle/>
                     <a:p>
-                      <a:pPr indent="0" lvl="0" marL="0" rtl="0" algn="l">
+                      <a:pPr marL="0" lvl="0" indent="0" algn="l" rtl="0">
                         <a:spcBef>
                           <a:spcPts val="0"/>
                         </a:spcBef>
@@ -8483,20 +8676,17 @@
                         </a:spcAft>
                         <a:buNone/>
                       </a:pPr>
-                      <a:r>
-                        <a:t/>
-                      </a:r>
                       <a:endParaRPr/>
                     </a:p>
                   </a:txBody>
-                  <a:tcPr marT="91425" marB="91425" marR="91425" marL="91425"/>
+                  <a:tcPr marL="91425" marR="91425" marT="91425" marB="91425"/>
                 </a:tc>
                 <a:tc>
                   <a:txBody>
                     <a:bodyPr/>
                     <a:lstStyle/>
                     <a:p>
-                      <a:pPr indent="0" lvl="0" marL="0" rtl="0" algn="l">
+                      <a:pPr marL="0" lvl="0" indent="0" algn="l" rtl="0">
                         <a:spcBef>
                           <a:spcPts val="0"/>
                         </a:spcBef>
@@ -8505,14 +8695,16 @@
                         </a:spcAft>
                         <a:buNone/>
                       </a:pPr>
-                      <a:r>
-                        <a:t/>
-                      </a:r>
                       <a:endParaRPr/>
                     </a:p>
                   </a:txBody>
-                  <a:tcPr marT="91425" marB="91425" marR="91425" marL="91425"/>
+                  <a:tcPr marL="91425" marR="91425" marT="91425" marB="91425"/>
                 </a:tc>
+                <a:extLst>
+                  <a:ext uri="{0D108BD9-81ED-4DB2-BD59-A6C34878D82A}">
+                    <a16:rowId xmlns:a16="http://schemas.microsoft.com/office/drawing/2014/main" val="10001"/>
+                  </a:ext>
+                </a:extLst>
               </a:tr>
               <a:tr h="390600">
                 <a:tc>
@@ -8520,7 +8712,7 @@
                     <a:bodyPr/>
                     <a:lstStyle/>
                     <a:p>
-                      <a:pPr indent="0" lvl="0" marL="0" rtl="0" algn="l">
+                      <a:pPr marL="0" lvl="0" indent="0" algn="l" rtl="0">
                         <a:spcBef>
                           <a:spcPts val="0"/>
                         </a:spcBef>
@@ -8536,14 +8728,14 @@
                       <a:endParaRPr/>
                     </a:p>
                   </a:txBody>
-                  <a:tcPr marT="91425" marB="91425" marR="91425" marL="91425"/>
+                  <a:tcPr marL="91425" marR="91425" marT="91425" marB="91425"/>
                 </a:tc>
                 <a:tc>
                   <a:txBody>
                     <a:bodyPr/>
                     <a:lstStyle/>
                     <a:p>
-                      <a:pPr indent="0" lvl="0" marL="0" rtl="0" algn="l">
+                      <a:pPr marL="0" lvl="0" indent="0" algn="l" rtl="0">
                         <a:spcBef>
                           <a:spcPts val="0"/>
                         </a:spcBef>
@@ -8552,20 +8744,17 @@
                         </a:spcAft>
                         <a:buNone/>
                       </a:pPr>
-                      <a:r>
-                        <a:t/>
-                      </a:r>
                       <a:endParaRPr/>
                     </a:p>
                   </a:txBody>
-                  <a:tcPr marT="91425" marB="91425" marR="91425" marL="91425"/>
+                  <a:tcPr marL="91425" marR="91425" marT="91425" marB="91425"/>
                 </a:tc>
                 <a:tc>
                   <a:txBody>
                     <a:bodyPr/>
                     <a:lstStyle/>
                     <a:p>
-                      <a:pPr indent="0" lvl="0" marL="0" rtl="0" algn="l">
+                      <a:pPr marL="0" lvl="0" indent="0" algn="l" rtl="0">
                         <a:spcBef>
                           <a:spcPts val="0"/>
                         </a:spcBef>
@@ -8574,20 +8763,17 @@
                         </a:spcAft>
                         <a:buNone/>
                       </a:pPr>
-                      <a:r>
-                        <a:t/>
-                      </a:r>
                       <a:endParaRPr/>
                     </a:p>
                   </a:txBody>
-                  <a:tcPr marT="91425" marB="91425" marR="91425" marL="91425"/>
+                  <a:tcPr marL="91425" marR="91425" marT="91425" marB="91425"/>
                 </a:tc>
                 <a:tc>
                   <a:txBody>
                     <a:bodyPr/>
                     <a:lstStyle/>
                     <a:p>
-                      <a:pPr indent="0" lvl="0" marL="0" rtl="0" algn="l">
+                      <a:pPr marL="0" lvl="0" indent="0" algn="l" rtl="0">
                         <a:spcBef>
                           <a:spcPts val="0"/>
                         </a:spcBef>
@@ -8596,20 +8782,17 @@
                         </a:spcAft>
                         <a:buNone/>
                       </a:pPr>
-                      <a:r>
-                        <a:t/>
-                      </a:r>
                       <a:endParaRPr/>
                     </a:p>
                   </a:txBody>
-                  <a:tcPr marT="91425" marB="91425" marR="91425" marL="91425"/>
+                  <a:tcPr marL="91425" marR="91425" marT="91425" marB="91425"/>
                 </a:tc>
                 <a:tc>
                   <a:txBody>
                     <a:bodyPr/>
                     <a:lstStyle/>
                     <a:p>
-                      <a:pPr indent="0" lvl="0" marL="0" rtl="0" algn="l">
+                      <a:pPr marL="0" lvl="0" indent="0" algn="l" rtl="0">
                         <a:spcBef>
                           <a:spcPts val="0"/>
                         </a:spcBef>
@@ -8618,14 +8801,16 @@
                         </a:spcAft>
                         <a:buNone/>
                       </a:pPr>
-                      <a:r>
-                        <a:t/>
-                      </a:r>
                       <a:endParaRPr/>
                     </a:p>
                   </a:txBody>
-                  <a:tcPr marT="91425" marB="91425" marR="91425" marL="91425"/>
+                  <a:tcPr marL="91425" marR="91425" marT="91425" marB="91425"/>
                 </a:tc>
+                <a:extLst>
+                  <a:ext uri="{0D108BD9-81ED-4DB2-BD59-A6C34878D82A}">
+                    <a16:rowId xmlns:a16="http://schemas.microsoft.com/office/drawing/2014/main" val="10002"/>
+                  </a:ext>
+                </a:extLst>
               </a:tr>
             </a:tbl>
           </a:graphicData>
@@ -8641,7 +8826,7 @@
           <a:blip r:embed="rId3">
             <a:alphaModFix/>
           </a:blip>
-          <a:srcRect b="40821" l="0" r="6217" t="0"/>
+          <a:srcRect r="6217" b="40821"/>
           <a:stretch/>
         </p:blipFill>
         <p:spPr>
@@ -8668,7 +8853,7 @@
           <a:blip r:embed="rId4">
             <a:alphaModFix/>
           </a:blip>
-          <a:srcRect b="41193" l="0" r="7071" t="0"/>
+          <a:srcRect r="7071" b="41193"/>
           <a:stretch/>
         </p:blipFill>
         <p:spPr>
@@ -8695,7 +8880,7 @@
           <a:blip r:embed="rId5">
             <a:alphaModFix/>
           </a:blip>
-          <a:srcRect b="41846" l="0" r="8941" t="0"/>
+          <a:srcRect r="8941" b="41846"/>
           <a:stretch/>
         </p:blipFill>
         <p:spPr>
@@ -8722,7 +8907,7 @@
           <a:blip r:embed="rId6">
             <a:alphaModFix/>
           </a:blip>
-          <a:srcRect b="76868" l="0" r="0" t="0"/>
+          <a:srcRect b="76868"/>
           <a:stretch/>
         </p:blipFill>
         <p:spPr>
@@ -8749,7 +8934,7 @@
           <a:blip r:embed="rId7">
             <a:alphaModFix/>
           </a:blip>
-          <a:srcRect b="77504" l="0" r="0" t="0"/>
+          <a:srcRect b="77504"/>
           <a:stretch/>
         </p:blipFill>
         <p:spPr>
@@ -8776,7 +8961,7 @@
           <a:blip r:embed="rId8">
             <a:alphaModFix/>
           </a:blip>
-          <a:srcRect b="38168" l="0" r="0" t="0"/>
+          <a:srcRect b="38168"/>
           <a:stretch/>
         </p:blipFill>
         <p:spPr>
@@ -8803,7 +8988,7 @@
           <a:blip r:embed="rId9">
             <a:alphaModFix/>
           </a:blip>
-          <a:srcRect b="76105" l="0" r="0" t="0"/>
+          <a:srcRect b="76105"/>
           <a:stretch/>
         </p:blipFill>
         <p:spPr>
@@ -8830,7 +9015,7 @@
           <a:blip r:embed="rId10">
             <a:alphaModFix/>
           </a:blip>
-          <a:srcRect b="76336" l="0" r="0" t="0"/>
+          <a:srcRect b="76336"/>
           <a:stretch/>
         </p:blipFill>
         <p:spPr>
@@ -8856,11 +9041,11 @@
 </file>
 
 <file path=ppt/slides/slide2.xml><?xml version="1.0" encoding="utf-8"?>
-<p:sld xmlns:a="http://schemas.openxmlformats.org/drawingml/2006/main" xmlns:r="http://schemas.openxmlformats.org/officeDocument/2006/relationships" xmlns:mc="http://schemas.openxmlformats.org/markup-compatibility/2006" xmlns:mv="urn:schemas-microsoft-com:mac:vml" xmlns:p="http://schemas.openxmlformats.org/presentationml/2006/main" xmlns:c="http://schemas.openxmlformats.org/drawingml/2006/chart" xmlns:dgm="http://schemas.openxmlformats.org/drawingml/2006/diagram" xmlns:o="urn:schemas-microsoft-com:office:office" xmlns:v="urn:schemas-microsoft-com:vml" xmlns:pvml="urn:schemas-microsoft-com:office:powerpoint" xmlns:com="http://schemas.openxmlformats.org/drawingml/2006/compatibility" xmlns:p14="http://schemas.microsoft.com/office/powerpoint/2010/main" xmlns:p15="http://schemas.microsoft.com/office/powerpoint/2012/main" xmlns:ahyp="http://schemas.microsoft.com/office/drawing/2018/hyperlinkcolor">
+<p:sld xmlns:a="http://schemas.openxmlformats.org/drawingml/2006/main" xmlns:r="http://schemas.openxmlformats.org/officeDocument/2006/relationships" xmlns:p="http://schemas.openxmlformats.org/presentationml/2006/main">
   <p:cSld>
     <p:spTree>
       <p:nvGrpSpPr>
-        <p:cNvPr id="71" name="Shape 71"/>
+        <p:cNvPr id="1" name="Shape 71"/>
         <p:cNvGrpSpPr/>
         <p:nvPr/>
       </p:nvGrpSpPr>
@@ -8875,7 +9060,9 @@
       <p:sp>
         <p:nvSpPr>
           <p:cNvPr id="72" name="Google Shape;72;p14"/>
-          <p:cNvSpPr txBox="1"/>
+          <p:cNvSpPr txBox="1">
+            <a:spLocks noGrp="1"/>
+          </p:cNvSpPr>
           <p:nvPr>
             <p:ph type="title"/>
           </p:nvPr>
@@ -8890,12 +9077,12 @@
           </a:prstGeom>
         </p:spPr>
         <p:txBody>
-          <a:bodyPr anchorCtr="0" anchor="t" bIns="91425" lIns="91425" spcFirstLastPara="1" rIns="91425" wrap="square" tIns="91425">
+          <a:bodyPr spcFirstLastPara="1" wrap="square" lIns="91425" tIns="91425" rIns="91425" bIns="91425" anchor="t" anchorCtr="0">
             <a:noAutofit/>
           </a:bodyPr>
           <a:lstStyle/>
           <a:p>
-            <a:pPr indent="0" lvl="0" marL="0" rtl="0" algn="l">
+            <a:pPr marL="0" lvl="0" indent="0" algn="l" rtl="0">
               <a:spcBef>
                 <a:spcPts val="0"/>
               </a:spcBef>
@@ -8915,9 +9102,11 @@
       <p:sp>
         <p:nvSpPr>
           <p:cNvPr id="73" name="Google Shape;73;p14"/>
-          <p:cNvSpPr txBox="1"/>
+          <p:cNvSpPr txBox="1">
+            <a:spLocks noGrp="1"/>
+          </p:cNvSpPr>
           <p:nvPr>
-            <p:ph idx="1" type="body"/>
+            <p:ph type="body" idx="1"/>
           </p:nvPr>
         </p:nvSpPr>
         <p:spPr>
@@ -8930,12 +9119,12 @@
           </a:prstGeom>
         </p:spPr>
         <p:txBody>
-          <a:bodyPr anchorCtr="0" anchor="t" bIns="91425" lIns="91425" spcFirstLastPara="1" rIns="91425" wrap="square" tIns="91425">
+          <a:bodyPr spcFirstLastPara="1" wrap="square" lIns="91425" tIns="91425" rIns="91425" bIns="91425" anchor="t" anchorCtr="0">
             <a:noAutofit/>
           </a:bodyPr>
           <a:lstStyle/>
           <a:p>
-            <a:pPr indent="0" lvl="0" marL="0" rtl="0" algn="l">
+            <a:pPr marL="0" lvl="0" indent="0" algn="l" rtl="0">
               <a:spcBef>
                 <a:spcPts val="0"/>
               </a:spcBef>
@@ -8951,7 +9140,7 @@
             <a:endParaRPr sz="2400"/>
           </a:p>
           <a:p>
-            <a:pPr indent="0" lvl="0" marL="0" rtl="0" algn="l">
+            <a:pPr marL="0" lvl="0" indent="0" algn="l" rtl="0">
               <a:spcBef>
                 <a:spcPts val="1600"/>
               </a:spcBef>
@@ -8967,7 +9156,7 @@
             <a:endParaRPr sz="2400"/>
           </a:p>
           <a:p>
-            <a:pPr indent="0" lvl="0" marL="0" rtl="0" algn="l">
+            <a:pPr marL="0" lvl="0" indent="0" algn="l" rtl="0">
               <a:spcBef>
                 <a:spcPts val="1600"/>
               </a:spcBef>
@@ -8983,7 +9172,7 @@
             <a:endParaRPr sz="2400"/>
           </a:p>
           <a:p>
-            <a:pPr indent="0" lvl="0" marL="0" rtl="0" algn="l">
+            <a:pPr marL="0" lvl="0" indent="0" algn="l" rtl="0">
               <a:spcBef>
                 <a:spcPts val="1600"/>
               </a:spcBef>
@@ -8992,13 +9181,10 @@
               </a:spcAft>
               <a:buNone/>
             </a:pPr>
-            <a:r>
-              <a:t/>
-            </a:r>
             <a:endParaRPr sz="2400"/>
           </a:p>
           <a:p>
-            <a:pPr indent="0" lvl="0" marL="0" rtl="0" algn="l">
+            <a:pPr marL="0" lvl="0" indent="0" algn="l" rtl="0">
               <a:spcBef>
                 <a:spcPts val="1600"/>
               </a:spcBef>
@@ -9007,13 +9193,10 @@
               </a:spcAft>
               <a:buNone/>
             </a:pPr>
-            <a:r>
-              <a:t/>
-            </a:r>
             <a:endParaRPr sz="2400"/>
           </a:p>
           <a:p>
-            <a:pPr indent="0" lvl="0" marL="0" rtl="0" algn="l">
+            <a:pPr marL="0" lvl="0" indent="0" algn="l" rtl="0">
               <a:spcBef>
                 <a:spcPts val="1600"/>
               </a:spcBef>
@@ -9022,13 +9205,10 @@
               </a:spcAft>
               <a:buNone/>
             </a:pPr>
-            <a:r>
-              <a:t/>
-            </a:r>
             <a:endParaRPr sz="2400"/>
           </a:p>
           <a:p>
-            <a:pPr indent="0" lvl="0" marL="0" rtl="0" algn="l">
+            <a:pPr marL="0" lvl="0" indent="0" algn="l" rtl="0">
               <a:spcBef>
                 <a:spcPts val="1600"/>
               </a:spcBef>
@@ -9037,9 +9217,6 @@
               </a:spcAft>
               <a:buNone/>
             </a:pPr>
-            <a:r>
-              <a:t/>
-            </a:r>
             <a:endParaRPr sz="2400"/>
           </a:p>
         </p:txBody>
@@ -9053,11 +9230,11 @@
 </file>
 
 <file path=ppt/slides/slide3.xml><?xml version="1.0" encoding="utf-8"?>
-<p:sld xmlns:a="http://schemas.openxmlformats.org/drawingml/2006/main" xmlns:r="http://schemas.openxmlformats.org/officeDocument/2006/relationships" xmlns:mc="http://schemas.openxmlformats.org/markup-compatibility/2006" xmlns:mv="urn:schemas-microsoft-com:mac:vml" xmlns:p="http://schemas.openxmlformats.org/presentationml/2006/main" xmlns:c="http://schemas.openxmlformats.org/drawingml/2006/chart" xmlns:dgm="http://schemas.openxmlformats.org/drawingml/2006/diagram" xmlns:o="urn:schemas-microsoft-com:office:office" xmlns:v="urn:schemas-microsoft-com:vml" xmlns:pvml="urn:schemas-microsoft-com:office:powerpoint" xmlns:com="http://schemas.openxmlformats.org/drawingml/2006/compatibility" xmlns:p14="http://schemas.microsoft.com/office/powerpoint/2010/main" xmlns:p15="http://schemas.microsoft.com/office/powerpoint/2012/main" xmlns:ahyp="http://schemas.microsoft.com/office/drawing/2018/hyperlinkcolor">
+<p:sld xmlns:a="http://schemas.openxmlformats.org/drawingml/2006/main" xmlns:r="http://schemas.openxmlformats.org/officeDocument/2006/relationships" xmlns:p="http://schemas.openxmlformats.org/presentationml/2006/main">
   <p:cSld>
     <p:spTree>
       <p:nvGrpSpPr>
-        <p:cNvPr id="77" name="Shape 77"/>
+        <p:cNvPr id="1" name="Shape 77"/>
         <p:cNvGrpSpPr/>
         <p:nvPr/>
       </p:nvGrpSpPr>
@@ -9072,7 +9249,9 @@
       <p:sp>
         <p:nvSpPr>
           <p:cNvPr id="78" name="Google Shape;78;p15"/>
-          <p:cNvSpPr txBox="1"/>
+          <p:cNvSpPr txBox="1">
+            <a:spLocks noGrp="1"/>
+          </p:cNvSpPr>
           <p:nvPr>
             <p:ph type="title"/>
           </p:nvPr>
@@ -9087,12 +9266,12 @@
           </a:prstGeom>
         </p:spPr>
         <p:txBody>
-          <a:bodyPr anchorCtr="0" anchor="t" bIns="91425" lIns="91425" spcFirstLastPara="1" rIns="91425" wrap="square" tIns="91425">
+          <a:bodyPr spcFirstLastPara="1" wrap="square" lIns="91425" tIns="91425" rIns="91425" bIns="91425" anchor="t" anchorCtr="0">
             <a:noAutofit/>
           </a:bodyPr>
           <a:lstStyle/>
           <a:p>
-            <a:pPr indent="0" lvl="0" marL="0" rtl="0" algn="l">
+            <a:pPr marL="0" lvl="0" indent="0" algn="l" rtl="0">
               <a:spcBef>
                 <a:spcPts val="0"/>
               </a:spcBef>
@@ -9112,9 +9291,11 @@
       <p:sp>
         <p:nvSpPr>
           <p:cNvPr id="79" name="Google Shape;79;p15"/>
-          <p:cNvSpPr txBox="1"/>
+          <p:cNvSpPr txBox="1">
+            <a:spLocks noGrp="1"/>
+          </p:cNvSpPr>
           <p:nvPr>
-            <p:ph idx="1" type="body"/>
+            <p:ph type="body" idx="1"/>
           </p:nvPr>
         </p:nvSpPr>
         <p:spPr>
@@ -9127,12 +9308,12 @@
           </a:prstGeom>
         </p:spPr>
         <p:txBody>
-          <a:bodyPr anchorCtr="0" anchor="t" bIns="91425" lIns="91425" spcFirstLastPara="1" rIns="91425" wrap="square" tIns="91425">
+          <a:bodyPr spcFirstLastPara="1" wrap="square" lIns="91425" tIns="91425" rIns="91425" bIns="91425" anchor="t" anchorCtr="0">
             <a:noAutofit/>
           </a:bodyPr>
           <a:lstStyle/>
           <a:p>
-            <a:pPr indent="0" lvl="0" marL="0" rtl="0" algn="l">
+            <a:pPr marL="0" lvl="0" indent="0" algn="l" rtl="0">
               <a:spcBef>
                 <a:spcPts val="0"/>
               </a:spcBef>
@@ -9164,21 +9345,93 @@
             <a:tbl>
               <a:tblPr>
                 <a:noFill/>
-                <a:tableStyleId>{79B0B2F7-3600-45C8-931B-81ED240DB619}</a:tableStyleId>
+                <a:tableStyleId>{E87A18ED-B9E9-4AC1-91F3-08D2AE80BEAF}</a:tableStyleId>
               </a:tblPr>
               <a:tblGrid>
-                <a:gridCol w="693900"/>
-                <a:gridCol w="739800"/>
-                <a:gridCol w="556175"/>
-                <a:gridCol w="831650"/>
-                <a:gridCol w="923525"/>
-                <a:gridCol w="775325"/>
-                <a:gridCol w="755175"/>
-                <a:gridCol w="750200"/>
-                <a:gridCol w="418375"/>
-                <a:gridCol w="954150"/>
-                <a:gridCol w="785725"/>
-                <a:gridCol w="755125"/>
+                <a:gridCol w="693900">
+                  <a:extLst>
+                    <a:ext uri="{9D8B030D-6E8A-4147-A177-3AD203B41FA5}">
+                      <a16:colId xmlns:a16="http://schemas.microsoft.com/office/drawing/2014/main" val="20000"/>
+                    </a:ext>
+                  </a:extLst>
+                </a:gridCol>
+                <a:gridCol w="739800">
+                  <a:extLst>
+                    <a:ext uri="{9D8B030D-6E8A-4147-A177-3AD203B41FA5}">
+                      <a16:colId xmlns:a16="http://schemas.microsoft.com/office/drawing/2014/main" val="20001"/>
+                    </a:ext>
+                  </a:extLst>
+                </a:gridCol>
+                <a:gridCol w="556175">
+                  <a:extLst>
+                    <a:ext uri="{9D8B030D-6E8A-4147-A177-3AD203B41FA5}">
+                      <a16:colId xmlns:a16="http://schemas.microsoft.com/office/drawing/2014/main" val="20002"/>
+                    </a:ext>
+                  </a:extLst>
+                </a:gridCol>
+                <a:gridCol w="831650">
+                  <a:extLst>
+                    <a:ext uri="{9D8B030D-6E8A-4147-A177-3AD203B41FA5}">
+                      <a16:colId xmlns:a16="http://schemas.microsoft.com/office/drawing/2014/main" val="20003"/>
+                    </a:ext>
+                  </a:extLst>
+                </a:gridCol>
+                <a:gridCol w="923525">
+                  <a:extLst>
+                    <a:ext uri="{9D8B030D-6E8A-4147-A177-3AD203B41FA5}">
+                      <a16:colId xmlns:a16="http://schemas.microsoft.com/office/drawing/2014/main" val="20004"/>
+                    </a:ext>
+                  </a:extLst>
+                </a:gridCol>
+                <a:gridCol w="775325">
+                  <a:extLst>
+                    <a:ext uri="{9D8B030D-6E8A-4147-A177-3AD203B41FA5}">
+                      <a16:colId xmlns:a16="http://schemas.microsoft.com/office/drawing/2014/main" val="20005"/>
+                    </a:ext>
+                  </a:extLst>
+                </a:gridCol>
+                <a:gridCol w="755175">
+                  <a:extLst>
+                    <a:ext uri="{9D8B030D-6E8A-4147-A177-3AD203B41FA5}">
+                      <a16:colId xmlns:a16="http://schemas.microsoft.com/office/drawing/2014/main" val="20006"/>
+                    </a:ext>
+                  </a:extLst>
+                </a:gridCol>
+                <a:gridCol w="750200">
+                  <a:extLst>
+                    <a:ext uri="{9D8B030D-6E8A-4147-A177-3AD203B41FA5}">
+                      <a16:colId xmlns:a16="http://schemas.microsoft.com/office/drawing/2014/main" val="20007"/>
+                    </a:ext>
+                  </a:extLst>
+                </a:gridCol>
+                <a:gridCol w="418375">
+                  <a:extLst>
+                    <a:ext uri="{9D8B030D-6E8A-4147-A177-3AD203B41FA5}">
+                      <a16:colId xmlns:a16="http://schemas.microsoft.com/office/drawing/2014/main" val="20008"/>
+                    </a:ext>
+                  </a:extLst>
+                </a:gridCol>
+                <a:gridCol w="954150">
+                  <a:extLst>
+                    <a:ext uri="{9D8B030D-6E8A-4147-A177-3AD203B41FA5}">
+                      <a16:colId xmlns:a16="http://schemas.microsoft.com/office/drawing/2014/main" val="20009"/>
+                    </a:ext>
+                  </a:extLst>
+                </a:gridCol>
+                <a:gridCol w="785725">
+                  <a:extLst>
+                    <a:ext uri="{9D8B030D-6E8A-4147-A177-3AD203B41FA5}">
+                      <a16:colId xmlns:a16="http://schemas.microsoft.com/office/drawing/2014/main" val="20010"/>
+                    </a:ext>
+                  </a:extLst>
+                </a:gridCol>
+                <a:gridCol w="755125">
+                  <a:extLst>
+                    <a:ext uri="{9D8B030D-6E8A-4147-A177-3AD203B41FA5}">
+                      <a16:colId xmlns:a16="http://schemas.microsoft.com/office/drawing/2014/main" val="20011"/>
+                    </a:ext>
+                  </a:extLst>
+                </a:gridCol>
               </a:tblGrid>
               <a:tr h="1008175">
                 <a:tc>
@@ -9186,7 +9439,7 @@
                     <a:bodyPr/>
                     <a:lstStyle/>
                     <a:p>
-                      <a:pPr indent="0" lvl="0" marL="0" rtl="0" algn="ctr">
+                      <a:pPr marL="0" lvl="0" indent="0" algn="ctr" rtl="0">
                         <a:spcBef>
                           <a:spcPts val="0"/>
                         </a:spcBef>
@@ -9202,42 +9455,42 @@
                       <a:endParaRPr/>
                     </a:p>
                   </a:txBody>
-                  <a:tcPr marT="91425" marB="91425" marR="91425" marL="91425">
-                    <a:lnL cap="flat" cmpd="sng" w="9525">
+                  <a:tcPr marL="91425" marR="91425" marT="91425" marB="91425">
+                    <a:lnL w="9525" cap="flat" cmpd="sng">
                       <a:solidFill>
                         <a:srgbClr val="000000"/>
                       </a:solidFill>
                       <a:prstDash val="solid"/>
                       <a:round/>
-                      <a:headEnd len="sm" w="sm" type="none"/>
-                      <a:tailEnd len="sm" w="sm" type="none"/>
+                      <a:headEnd type="none" w="sm" len="sm"/>
+                      <a:tailEnd type="none" w="sm" len="sm"/>
                     </a:lnL>
-                    <a:lnR cap="flat" cmpd="sng" w="9525">
+                    <a:lnR w="9525" cap="flat" cmpd="sng">
                       <a:solidFill>
                         <a:srgbClr val="000000"/>
                       </a:solidFill>
                       <a:prstDash val="solid"/>
                       <a:round/>
-                      <a:headEnd len="sm" w="sm" type="none"/>
-                      <a:tailEnd len="sm" w="sm" type="none"/>
+                      <a:headEnd type="none" w="sm" len="sm"/>
+                      <a:tailEnd type="none" w="sm" len="sm"/>
                     </a:lnR>
-                    <a:lnT cap="flat" cmpd="sng" w="9525">
+                    <a:lnT w="9525" cap="flat" cmpd="sng">
                       <a:solidFill>
                         <a:srgbClr val="000000"/>
                       </a:solidFill>
                       <a:prstDash val="solid"/>
                       <a:round/>
-                      <a:headEnd len="sm" w="sm" type="none"/>
-                      <a:tailEnd len="sm" w="sm" type="none"/>
+                      <a:headEnd type="none" w="sm" len="sm"/>
+                      <a:tailEnd type="none" w="sm" len="sm"/>
                     </a:lnT>
-                    <a:lnB cap="flat" cmpd="sng" w="9525">
+                    <a:lnB w="9525" cap="flat" cmpd="sng">
                       <a:solidFill>
                         <a:srgbClr val="000000"/>
                       </a:solidFill>
                       <a:prstDash val="solid"/>
                       <a:round/>
-                      <a:headEnd len="sm" w="sm" type="none"/>
-                      <a:tailEnd len="sm" w="sm" type="none"/>
+                      <a:headEnd type="none" w="sm" len="sm"/>
+                      <a:tailEnd type="none" w="sm" len="sm"/>
                     </a:lnB>
                   </a:tcPr>
                 </a:tc>
@@ -9246,7 +9499,7 @@
                     <a:bodyPr/>
                     <a:lstStyle/>
                     <a:p>
-                      <a:pPr indent="0" lvl="0" marL="0" rtl="0" algn="ctr">
+                      <a:pPr marL="0" lvl="0" indent="0" algn="ctr" rtl="0">
                         <a:spcBef>
                           <a:spcPts val="0"/>
                         </a:spcBef>
@@ -9262,42 +9515,42 @@
                       <a:endParaRPr/>
                     </a:p>
                   </a:txBody>
-                  <a:tcPr marT="91425" marB="91425" marR="91425" marL="91425">
-                    <a:lnL cap="flat" cmpd="sng" w="9525">
+                  <a:tcPr marL="91425" marR="91425" marT="91425" marB="91425">
+                    <a:lnL w="9525" cap="flat" cmpd="sng">
                       <a:solidFill>
                         <a:srgbClr val="000000"/>
                       </a:solidFill>
                       <a:prstDash val="solid"/>
                       <a:round/>
-                      <a:headEnd len="sm" w="sm" type="none"/>
-                      <a:tailEnd len="sm" w="sm" type="none"/>
+                      <a:headEnd type="none" w="sm" len="sm"/>
+                      <a:tailEnd type="none" w="sm" len="sm"/>
                     </a:lnL>
-                    <a:lnR cap="flat" cmpd="sng" w="9525">
+                    <a:lnR w="9525" cap="flat" cmpd="sng">
                       <a:solidFill>
                         <a:srgbClr val="000000"/>
                       </a:solidFill>
                       <a:prstDash val="solid"/>
                       <a:round/>
-                      <a:headEnd len="sm" w="sm" type="none"/>
-                      <a:tailEnd len="sm" w="sm" type="none"/>
+                      <a:headEnd type="none" w="sm" len="sm"/>
+                      <a:tailEnd type="none" w="sm" len="sm"/>
                     </a:lnR>
-                    <a:lnT cap="flat" cmpd="sng" w="9525">
+                    <a:lnT w="9525" cap="flat" cmpd="sng">
                       <a:solidFill>
                         <a:srgbClr val="000000"/>
                       </a:solidFill>
                       <a:prstDash val="solid"/>
                       <a:round/>
-                      <a:headEnd len="sm" w="sm" type="none"/>
-                      <a:tailEnd len="sm" w="sm" type="none"/>
+                      <a:headEnd type="none" w="sm" len="sm"/>
+                      <a:tailEnd type="none" w="sm" len="sm"/>
                     </a:lnT>
-                    <a:lnB cap="flat" cmpd="sng" w="9525">
+                    <a:lnB w="9525" cap="flat" cmpd="sng">
                       <a:solidFill>
                         <a:srgbClr val="000000"/>
                       </a:solidFill>
                       <a:prstDash val="solid"/>
                       <a:round/>
-                      <a:headEnd len="sm" w="sm" type="none"/>
-                      <a:tailEnd len="sm" w="sm" type="none"/>
+                      <a:headEnd type="none" w="sm" len="sm"/>
+                      <a:tailEnd type="none" w="sm" len="sm"/>
                     </a:lnB>
                   </a:tcPr>
                 </a:tc>
@@ -9306,7 +9559,7 @@
                     <a:bodyPr/>
                     <a:lstStyle/>
                     <a:p>
-                      <a:pPr indent="0" lvl="0" marL="0" rtl="0" algn="ctr">
+                      <a:pPr marL="0" lvl="0" indent="0" algn="ctr" rtl="0">
                         <a:spcBef>
                           <a:spcPts val="0"/>
                         </a:spcBef>
@@ -9322,42 +9575,42 @@
                       <a:endParaRPr/>
                     </a:p>
                   </a:txBody>
-                  <a:tcPr marT="91425" marB="91425" marR="91425" marL="91425">
-                    <a:lnL cap="flat" cmpd="sng" w="9525">
+                  <a:tcPr marL="91425" marR="91425" marT="91425" marB="91425">
+                    <a:lnL w="9525" cap="flat" cmpd="sng">
                       <a:solidFill>
                         <a:srgbClr val="000000"/>
                       </a:solidFill>
                       <a:prstDash val="solid"/>
                       <a:round/>
-                      <a:headEnd len="sm" w="sm" type="none"/>
-                      <a:tailEnd len="sm" w="sm" type="none"/>
+                      <a:headEnd type="none" w="sm" len="sm"/>
+                      <a:tailEnd type="none" w="sm" len="sm"/>
                     </a:lnL>
-                    <a:lnR cap="flat" cmpd="sng" w="9525">
+                    <a:lnR w="9525" cap="flat" cmpd="sng">
                       <a:solidFill>
                         <a:srgbClr val="000000"/>
                       </a:solidFill>
                       <a:prstDash val="solid"/>
                       <a:round/>
-                      <a:headEnd len="sm" w="sm" type="none"/>
-                      <a:tailEnd len="sm" w="sm" type="none"/>
+                      <a:headEnd type="none" w="sm" len="sm"/>
+                      <a:tailEnd type="none" w="sm" len="sm"/>
                     </a:lnR>
-                    <a:lnT cap="flat" cmpd="sng" w="9525">
+                    <a:lnT w="9525" cap="flat" cmpd="sng">
                       <a:solidFill>
                         <a:srgbClr val="000000"/>
                       </a:solidFill>
                       <a:prstDash val="solid"/>
                       <a:round/>
-                      <a:headEnd len="sm" w="sm" type="none"/>
-                      <a:tailEnd len="sm" w="sm" type="none"/>
+                      <a:headEnd type="none" w="sm" len="sm"/>
+                      <a:tailEnd type="none" w="sm" len="sm"/>
                     </a:lnT>
-                    <a:lnB cap="flat" cmpd="sng" w="9525">
+                    <a:lnB w="9525" cap="flat" cmpd="sng">
                       <a:solidFill>
                         <a:srgbClr val="000000"/>
                       </a:solidFill>
                       <a:prstDash val="solid"/>
                       <a:round/>
-                      <a:headEnd len="sm" w="sm" type="none"/>
-                      <a:tailEnd len="sm" w="sm" type="none"/>
+                      <a:headEnd type="none" w="sm" len="sm"/>
+                      <a:tailEnd type="none" w="sm" len="sm"/>
                     </a:lnB>
                   </a:tcPr>
                 </a:tc>
@@ -9366,7 +9619,7 @@
                     <a:bodyPr/>
                     <a:lstStyle/>
                     <a:p>
-                      <a:pPr indent="0" lvl="0" marL="0" rtl="0" algn="ctr">
+                      <a:pPr marL="0" lvl="0" indent="0" algn="ctr" rtl="0">
                         <a:spcBef>
                           <a:spcPts val="0"/>
                         </a:spcBef>
@@ -9382,42 +9635,42 @@
                       <a:endParaRPr/>
                     </a:p>
                   </a:txBody>
-                  <a:tcPr marT="91425" marB="91425" marR="91425" marL="91425">
-                    <a:lnL cap="flat" cmpd="sng" w="9525">
+                  <a:tcPr marL="91425" marR="91425" marT="91425" marB="91425">
+                    <a:lnL w="9525" cap="flat" cmpd="sng">
                       <a:solidFill>
                         <a:srgbClr val="000000"/>
                       </a:solidFill>
                       <a:prstDash val="solid"/>
                       <a:round/>
-                      <a:headEnd len="sm" w="sm" type="none"/>
-                      <a:tailEnd len="sm" w="sm" type="none"/>
+                      <a:headEnd type="none" w="sm" len="sm"/>
+                      <a:tailEnd type="none" w="sm" len="sm"/>
                     </a:lnL>
-                    <a:lnR cap="flat" cmpd="sng" w="9525">
+                    <a:lnR w="9525" cap="flat" cmpd="sng">
                       <a:solidFill>
                         <a:srgbClr val="000000"/>
                       </a:solidFill>
                       <a:prstDash val="solid"/>
                       <a:round/>
-                      <a:headEnd len="sm" w="sm" type="none"/>
-                      <a:tailEnd len="sm" w="sm" type="none"/>
+                      <a:headEnd type="none" w="sm" len="sm"/>
+                      <a:tailEnd type="none" w="sm" len="sm"/>
                     </a:lnR>
-                    <a:lnT cap="flat" cmpd="sng" w="9525">
+                    <a:lnT w="9525" cap="flat" cmpd="sng">
                       <a:solidFill>
                         <a:srgbClr val="000000"/>
                       </a:solidFill>
                       <a:prstDash val="solid"/>
                       <a:round/>
-                      <a:headEnd len="sm" w="sm" type="none"/>
-                      <a:tailEnd len="sm" w="sm" type="none"/>
+                      <a:headEnd type="none" w="sm" len="sm"/>
+                      <a:tailEnd type="none" w="sm" len="sm"/>
                     </a:lnT>
-                    <a:lnB cap="flat" cmpd="sng" w="9525">
+                    <a:lnB w="9525" cap="flat" cmpd="sng">
                       <a:solidFill>
                         <a:srgbClr val="000000"/>
                       </a:solidFill>
                       <a:prstDash val="solid"/>
                       <a:round/>
-                      <a:headEnd len="sm" w="sm" type="none"/>
-                      <a:tailEnd len="sm" w="sm" type="none"/>
+                      <a:headEnd type="none" w="sm" len="sm"/>
+                      <a:tailEnd type="none" w="sm" len="sm"/>
                     </a:lnB>
                   </a:tcPr>
                 </a:tc>
@@ -9426,7 +9679,7 @@
                     <a:bodyPr/>
                     <a:lstStyle/>
                     <a:p>
-                      <a:pPr indent="0" lvl="0" marL="0" rtl="0" algn="ctr">
+                      <a:pPr marL="0" lvl="0" indent="0" algn="ctr" rtl="0">
                         <a:spcBef>
                           <a:spcPts val="0"/>
                         </a:spcBef>
@@ -9442,42 +9695,42 @@
                       <a:endParaRPr/>
                     </a:p>
                   </a:txBody>
-                  <a:tcPr marT="91425" marB="91425" marR="91425" marL="91425">
-                    <a:lnL cap="flat" cmpd="sng" w="9525">
+                  <a:tcPr marL="91425" marR="91425" marT="91425" marB="91425">
+                    <a:lnL w="9525" cap="flat" cmpd="sng">
                       <a:solidFill>
                         <a:srgbClr val="000000"/>
                       </a:solidFill>
                       <a:prstDash val="solid"/>
                       <a:round/>
-                      <a:headEnd len="sm" w="sm" type="none"/>
-                      <a:tailEnd len="sm" w="sm" type="none"/>
+                      <a:headEnd type="none" w="sm" len="sm"/>
+                      <a:tailEnd type="none" w="sm" len="sm"/>
                     </a:lnL>
-                    <a:lnR cap="flat" cmpd="sng" w="9525">
+                    <a:lnR w="9525" cap="flat" cmpd="sng">
                       <a:solidFill>
                         <a:srgbClr val="000000"/>
                       </a:solidFill>
                       <a:prstDash val="solid"/>
                       <a:round/>
-                      <a:headEnd len="sm" w="sm" type="none"/>
-                      <a:tailEnd len="sm" w="sm" type="none"/>
+                      <a:headEnd type="none" w="sm" len="sm"/>
+                      <a:tailEnd type="none" w="sm" len="sm"/>
                     </a:lnR>
-                    <a:lnT cap="flat" cmpd="sng" w="9525">
+                    <a:lnT w="9525" cap="flat" cmpd="sng">
                       <a:solidFill>
                         <a:srgbClr val="000000"/>
                       </a:solidFill>
                       <a:prstDash val="solid"/>
                       <a:round/>
-                      <a:headEnd len="sm" w="sm" type="none"/>
-                      <a:tailEnd len="sm" w="sm" type="none"/>
+                      <a:headEnd type="none" w="sm" len="sm"/>
+                      <a:tailEnd type="none" w="sm" len="sm"/>
                     </a:lnT>
-                    <a:lnB cap="flat" cmpd="sng" w="9525">
+                    <a:lnB w="9525" cap="flat" cmpd="sng">
                       <a:solidFill>
                         <a:srgbClr val="000000"/>
                       </a:solidFill>
                       <a:prstDash val="solid"/>
                       <a:round/>
-                      <a:headEnd len="sm" w="sm" type="none"/>
-                      <a:tailEnd len="sm" w="sm" type="none"/>
+                      <a:headEnd type="none" w="sm" len="sm"/>
+                      <a:tailEnd type="none" w="sm" len="sm"/>
                     </a:lnB>
                   </a:tcPr>
                 </a:tc>
@@ -9486,7 +9739,7 @@
                     <a:bodyPr/>
                     <a:lstStyle/>
                     <a:p>
-                      <a:pPr indent="0" lvl="0" marL="0" rtl="0" algn="ctr">
+                      <a:pPr marL="0" lvl="0" indent="0" algn="ctr" rtl="0">
                         <a:spcBef>
                           <a:spcPts val="0"/>
                         </a:spcBef>
@@ -9502,42 +9755,42 @@
                       <a:endParaRPr/>
                     </a:p>
                   </a:txBody>
-                  <a:tcPr marT="91425" marB="91425" marR="91425" marL="91425">
-                    <a:lnL cap="flat" cmpd="sng" w="9525">
+                  <a:tcPr marL="91425" marR="91425" marT="91425" marB="91425">
+                    <a:lnL w="9525" cap="flat" cmpd="sng">
                       <a:solidFill>
                         <a:srgbClr val="000000"/>
                       </a:solidFill>
                       <a:prstDash val="solid"/>
                       <a:round/>
-                      <a:headEnd len="sm" w="sm" type="none"/>
-                      <a:tailEnd len="sm" w="sm" type="none"/>
+                      <a:headEnd type="none" w="sm" len="sm"/>
+                      <a:tailEnd type="none" w="sm" len="sm"/>
                     </a:lnL>
-                    <a:lnR cap="flat" cmpd="sng" w="9525">
+                    <a:lnR w="9525" cap="flat" cmpd="sng">
                       <a:solidFill>
                         <a:srgbClr val="000000"/>
                       </a:solidFill>
                       <a:prstDash val="solid"/>
                       <a:round/>
-                      <a:headEnd len="sm" w="sm" type="none"/>
-                      <a:tailEnd len="sm" w="sm" type="none"/>
+                      <a:headEnd type="none" w="sm" len="sm"/>
+                      <a:tailEnd type="none" w="sm" len="sm"/>
                     </a:lnR>
-                    <a:lnT cap="flat" cmpd="sng" w="9525">
+                    <a:lnT w="9525" cap="flat" cmpd="sng">
                       <a:solidFill>
                         <a:srgbClr val="000000"/>
                       </a:solidFill>
                       <a:prstDash val="solid"/>
                       <a:round/>
-                      <a:headEnd len="sm" w="sm" type="none"/>
-                      <a:tailEnd len="sm" w="sm" type="none"/>
+                      <a:headEnd type="none" w="sm" len="sm"/>
+                      <a:tailEnd type="none" w="sm" len="sm"/>
                     </a:lnT>
-                    <a:lnB cap="flat" cmpd="sng" w="9525">
+                    <a:lnB w="9525" cap="flat" cmpd="sng">
                       <a:solidFill>
                         <a:srgbClr val="000000"/>
                       </a:solidFill>
                       <a:prstDash val="solid"/>
                       <a:round/>
-                      <a:headEnd len="sm" w="sm" type="none"/>
-                      <a:tailEnd len="sm" w="sm" type="none"/>
+                      <a:headEnd type="none" w="sm" len="sm"/>
+                      <a:tailEnd type="none" w="sm" len="sm"/>
                     </a:lnB>
                   </a:tcPr>
                 </a:tc>
@@ -9546,7 +9799,7 @@
                     <a:bodyPr/>
                     <a:lstStyle/>
                     <a:p>
-                      <a:pPr indent="0" lvl="0" marL="0" rtl="0" algn="ctr">
+                      <a:pPr marL="0" lvl="0" indent="0" algn="ctr" rtl="0">
                         <a:spcBef>
                           <a:spcPts val="0"/>
                         </a:spcBef>
@@ -9562,42 +9815,42 @@
                       <a:endParaRPr/>
                     </a:p>
                   </a:txBody>
-                  <a:tcPr marT="91425" marB="91425" marR="91425" marL="91425">
-                    <a:lnL cap="flat" cmpd="sng" w="9525">
+                  <a:tcPr marL="91425" marR="91425" marT="91425" marB="91425">
+                    <a:lnL w="9525" cap="flat" cmpd="sng">
                       <a:solidFill>
                         <a:srgbClr val="000000"/>
                       </a:solidFill>
                       <a:prstDash val="solid"/>
                       <a:round/>
-                      <a:headEnd len="sm" w="sm" type="none"/>
-                      <a:tailEnd len="sm" w="sm" type="none"/>
+                      <a:headEnd type="none" w="sm" len="sm"/>
+                      <a:tailEnd type="none" w="sm" len="sm"/>
                     </a:lnL>
-                    <a:lnR cap="flat" cmpd="sng" w="9525">
+                    <a:lnR w="9525" cap="flat" cmpd="sng">
                       <a:solidFill>
                         <a:srgbClr val="000000"/>
                       </a:solidFill>
                       <a:prstDash val="solid"/>
                       <a:round/>
-                      <a:headEnd len="sm" w="sm" type="none"/>
-                      <a:tailEnd len="sm" w="sm" type="none"/>
+                      <a:headEnd type="none" w="sm" len="sm"/>
+                      <a:tailEnd type="none" w="sm" len="sm"/>
                     </a:lnR>
-                    <a:lnT cap="flat" cmpd="sng" w="9525">
+                    <a:lnT w="9525" cap="flat" cmpd="sng">
                       <a:solidFill>
                         <a:srgbClr val="000000"/>
                       </a:solidFill>
                       <a:prstDash val="solid"/>
                       <a:round/>
-                      <a:headEnd len="sm" w="sm" type="none"/>
-                      <a:tailEnd len="sm" w="sm" type="none"/>
+                      <a:headEnd type="none" w="sm" len="sm"/>
+                      <a:tailEnd type="none" w="sm" len="sm"/>
                     </a:lnT>
-                    <a:lnB cap="flat" cmpd="sng" w="9525">
+                    <a:lnB w="9525" cap="flat" cmpd="sng">
                       <a:solidFill>
                         <a:srgbClr val="000000"/>
                       </a:solidFill>
                       <a:prstDash val="solid"/>
                       <a:round/>
-                      <a:headEnd len="sm" w="sm" type="none"/>
-                      <a:tailEnd len="sm" w="sm" type="none"/>
+                      <a:headEnd type="none" w="sm" len="sm"/>
+                      <a:tailEnd type="none" w="sm" len="sm"/>
                     </a:lnB>
                   </a:tcPr>
                 </a:tc>
@@ -9606,7 +9859,7 @@
                     <a:bodyPr/>
                     <a:lstStyle/>
                     <a:p>
-                      <a:pPr indent="0" lvl="0" marL="0" rtl="0" algn="ctr">
+                      <a:pPr marL="0" lvl="0" indent="0" algn="ctr" rtl="0">
                         <a:spcBef>
                           <a:spcPts val="0"/>
                         </a:spcBef>
@@ -9622,42 +9875,42 @@
                       <a:endParaRPr/>
                     </a:p>
                   </a:txBody>
-                  <a:tcPr marT="91425" marB="91425" marR="91425" marL="91425">
-                    <a:lnL cap="flat" cmpd="sng" w="9525">
+                  <a:tcPr marL="91425" marR="91425" marT="91425" marB="91425">
+                    <a:lnL w="9525" cap="flat" cmpd="sng">
                       <a:solidFill>
                         <a:srgbClr val="000000"/>
                       </a:solidFill>
                       <a:prstDash val="solid"/>
                       <a:round/>
-                      <a:headEnd len="sm" w="sm" type="none"/>
-                      <a:tailEnd len="sm" w="sm" type="none"/>
+                      <a:headEnd type="none" w="sm" len="sm"/>
+                      <a:tailEnd type="none" w="sm" len="sm"/>
                     </a:lnL>
-                    <a:lnR cap="flat" cmpd="sng" w="9525">
+                    <a:lnR w="9525" cap="flat" cmpd="sng">
                       <a:solidFill>
                         <a:srgbClr val="000000"/>
                       </a:solidFill>
                       <a:prstDash val="solid"/>
                       <a:round/>
-                      <a:headEnd len="sm" w="sm" type="none"/>
-                      <a:tailEnd len="sm" w="sm" type="none"/>
+                      <a:headEnd type="none" w="sm" len="sm"/>
+                      <a:tailEnd type="none" w="sm" len="sm"/>
                     </a:lnR>
-                    <a:lnT cap="flat" cmpd="sng" w="9525">
+                    <a:lnT w="9525" cap="flat" cmpd="sng">
                       <a:solidFill>
                         <a:srgbClr val="000000"/>
                       </a:solidFill>
                       <a:prstDash val="solid"/>
                       <a:round/>
-                      <a:headEnd len="sm" w="sm" type="none"/>
-                      <a:tailEnd len="sm" w="sm" type="none"/>
+                      <a:headEnd type="none" w="sm" len="sm"/>
+                      <a:tailEnd type="none" w="sm" len="sm"/>
                     </a:lnT>
-                    <a:lnB cap="flat" cmpd="sng" w="9525">
+                    <a:lnB w="9525" cap="flat" cmpd="sng">
                       <a:solidFill>
                         <a:srgbClr val="000000"/>
                       </a:solidFill>
                       <a:prstDash val="solid"/>
                       <a:round/>
-                      <a:headEnd len="sm" w="sm" type="none"/>
-                      <a:tailEnd len="sm" w="sm" type="none"/>
+                      <a:headEnd type="none" w="sm" len="sm"/>
+                      <a:tailEnd type="none" w="sm" len="sm"/>
                     </a:lnB>
                   </a:tcPr>
                 </a:tc>
@@ -9666,7 +9919,7 @@
                     <a:bodyPr/>
                     <a:lstStyle/>
                     <a:p>
-                      <a:pPr indent="0" lvl="0" marL="0" rtl="0" algn="ctr">
+                      <a:pPr marL="0" lvl="0" indent="0" algn="ctr" rtl="0">
                         <a:spcBef>
                           <a:spcPts val="0"/>
                         </a:spcBef>
@@ -9682,42 +9935,42 @@
                       <a:endParaRPr/>
                     </a:p>
                   </a:txBody>
-                  <a:tcPr marT="91425" marB="91425" marR="91425" marL="91425">
-                    <a:lnL cap="flat" cmpd="sng" w="9525">
+                  <a:tcPr marL="91425" marR="91425" marT="91425" marB="91425">
+                    <a:lnL w="9525" cap="flat" cmpd="sng">
                       <a:solidFill>
                         <a:srgbClr val="000000"/>
                       </a:solidFill>
                       <a:prstDash val="solid"/>
                       <a:round/>
-                      <a:headEnd len="sm" w="sm" type="none"/>
-                      <a:tailEnd len="sm" w="sm" type="none"/>
+                      <a:headEnd type="none" w="sm" len="sm"/>
+                      <a:tailEnd type="none" w="sm" len="sm"/>
                     </a:lnL>
-                    <a:lnR cap="flat" cmpd="sng" w="9525">
+                    <a:lnR w="9525" cap="flat" cmpd="sng">
                       <a:solidFill>
                         <a:srgbClr val="000000"/>
                       </a:solidFill>
                       <a:prstDash val="solid"/>
                       <a:round/>
-                      <a:headEnd len="sm" w="sm" type="none"/>
-                      <a:tailEnd len="sm" w="sm" type="none"/>
+                      <a:headEnd type="none" w="sm" len="sm"/>
+                      <a:tailEnd type="none" w="sm" len="sm"/>
                     </a:lnR>
-                    <a:lnT cap="flat" cmpd="sng" w="9525">
+                    <a:lnT w="9525" cap="flat" cmpd="sng">
                       <a:solidFill>
                         <a:srgbClr val="000000"/>
                       </a:solidFill>
                       <a:prstDash val="solid"/>
                       <a:round/>
-                      <a:headEnd len="sm" w="sm" type="none"/>
-                      <a:tailEnd len="sm" w="sm" type="none"/>
+                      <a:headEnd type="none" w="sm" len="sm"/>
+                      <a:tailEnd type="none" w="sm" len="sm"/>
                     </a:lnT>
-                    <a:lnB cap="flat" cmpd="sng" w="9525">
+                    <a:lnB w="9525" cap="flat" cmpd="sng">
                       <a:solidFill>
                         <a:srgbClr val="000000"/>
                       </a:solidFill>
                       <a:prstDash val="solid"/>
                       <a:round/>
-                      <a:headEnd len="sm" w="sm" type="none"/>
-                      <a:tailEnd len="sm" w="sm" type="none"/>
+                      <a:headEnd type="none" w="sm" len="sm"/>
+                      <a:tailEnd type="none" w="sm" len="sm"/>
                     </a:lnB>
                   </a:tcPr>
                 </a:tc>
@@ -9726,7 +9979,7 @@
                     <a:bodyPr/>
                     <a:lstStyle/>
                     <a:p>
-                      <a:pPr indent="0" lvl="0" marL="0" rtl="0" algn="ctr">
+                      <a:pPr marL="0" lvl="0" indent="0" algn="ctr" rtl="0">
                         <a:spcBef>
                           <a:spcPts val="0"/>
                         </a:spcBef>
@@ -9742,42 +9995,42 @@
                       <a:endParaRPr/>
                     </a:p>
                   </a:txBody>
-                  <a:tcPr marT="91425" marB="91425" marR="91425" marL="91425">
-                    <a:lnL cap="flat" cmpd="sng" w="9525">
+                  <a:tcPr marL="91425" marR="91425" marT="91425" marB="91425">
+                    <a:lnL w="9525" cap="flat" cmpd="sng">
                       <a:solidFill>
                         <a:srgbClr val="000000"/>
                       </a:solidFill>
                       <a:prstDash val="solid"/>
                       <a:round/>
-                      <a:headEnd len="sm" w="sm" type="none"/>
-                      <a:tailEnd len="sm" w="sm" type="none"/>
+                      <a:headEnd type="none" w="sm" len="sm"/>
+                      <a:tailEnd type="none" w="sm" len="sm"/>
                     </a:lnL>
-                    <a:lnR cap="flat" cmpd="sng" w="9525">
+                    <a:lnR w="9525" cap="flat" cmpd="sng">
                       <a:solidFill>
                         <a:srgbClr val="000000"/>
                       </a:solidFill>
                       <a:prstDash val="solid"/>
                       <a:round/>
-                      <a:headEnd len="sm" w="sm" type="none"/>
-                      <a:tailEnd len="sm" w="sm" type="none"/>
+                      <a:headEnd type="none" w="sm" len="sm"/>
+                      <a:tailEnd type="none" w="sm" len="sm"/>
                     </a:lnR>
-                    <a:lnT cap="flat" cmpd="sng" w="9525">
+                    <a:lnT w="9525" cap="flat" cmpd="sng">
                       <a:solidFill>
                         <a:srgbClr val="000000"/>
                       </a:solidFill>
                       <a:prstDash val="solid"/>
                       <a:round/>
-                      <a:headEnd len="sm" w="sm" type="none"/>
-                      <a:tailEnd len="sm" w="sm" type="none"/>
+                      <a:headEnd type="none" w="sm" len="sm"/>
+                      <a:tailEnd type="none" w="sm" len="sm"/>
                     </a:lnT>
-                    <a:lnB cap="flat" cmpd="sng" w="9525">
+                    <a:lnB w="9525" cap="flat" cmpd="sng">
                       <a:solidFill>
                         <a:srgbClr val="000000"/>
                       </a:solidFill>
                       <a:prstDash val="solid"/>
                       <a:round/>
-                      <a:headEnd len="sm" w="sm" type="none"/>
-                      <a:tailEnd len="sm" w="sm" type="none"/>
+                      <a:headEnd type="none" w="sm" len="sm"/>
+                      <a:tailEnd type="none" w="sm" len="sm"/>
                     </a:lnB>
                   </a:tcPr>
                 </a:tc>
@@ -9786,7 +10039,7 @@
                     <a:bodyPr/>
                     <a:lstStyle/>
                     <a:p>
-                      <a:pPr indent="0" lvl="0" marL="0" rtl="0" algn="ctr">
+                      <a:pPr marL="0" lvl="0" indent="0" algn="ctr" rtl="0">
                         <a:spcBef>
                           <a:spcPts val="0"/>
                         </a:spcBef>
@@ -9802,42 +10055,42 @@
                       <a:endParaRPr/>
                     </a:p>
                   </a:txBody>
-                  <a:tcPr marT="91425" marB="91425" marR="91425" marL="91425">
-                    <a:lnL cap="flat" cmpd="sng" w="9525">
+                  <a:tcPr marL="91425" marR="91425" marT="91425" marB="91425">
+                    <a:lnL w="9525" cap="flat" cmpd="sng">
                       <a:solidFill>
                         <a:srgbClr val="000000"/>
                       </a:solidFill>
                       <a:prstDash val="solid"/>
                       <a:round/>
-                      <a:headEnd len="sm" w="sm" type="none"/>
-                      <a:tailEnd len="sm" w="sm" type="none"/>
+                      <a:headEnd type="none" w="sm" len="sm"/>
+                      <a:tailEnd type="none" w="sm" len="sm"/>
                     </a:lnL>
-                    <a:lnR cap="flat" cmpd="sng" w="9525">
+                    <a:lnR w="9525" cap="flat" cmpd="sng">
                       <a:solidFill>
                         <a:srgbClr val="000000"/>
                       </a:solidFill>
                       <a:prstDash val="solid"/>
                       <a:round/>
-                      <a:headEnd len="sm" w="sm" type="none"/>
-                      <a:tailEnd len="sm" w="sm" type="none"/>
+                      <a:headEnd type="none" w="sm" len="sm"/>
+                      <a:tailEnd type="none" w="sm" len="sm"/>
                     </a:lnR>
-                    <a:lnT cap="flat" cmpd="sng" w="9525">
+                    <a:lnT w="9525" cap="flat" cmpd="sng">
                       <a:solidFill>
                         <a:srgbClr val="000000"/>
                       </a:solidFill>
                       <a:prstDash val="solid"/>
                       <a:round/>
-                      <a:headEnd len="sm" w="sm" type="none"/>
-                      <a:tailEnd len="sm" w="sm" type="none"/>
+                      <a:headEnd type="none" w="sm" len="sm"/>
+                      <a:tailEnd type="none" w="sm" len="sm"/>
                     </a:lnT>
-                    <a:lnB cap="flat" cmpd="sng" w="9525">
+                    <a:lnB w="9525" cap="flat" cmpd="sng">
                       <a:solidFill>
                         <a:srgbClr val="000000"/>
                       </a:solidFill>
                       <a:prstDash val="solid"/>
                       <a:round/>
-                      <a:headEnd len="sm" w="sm" type="none"/>
-                      <a:tailEnd len="sm" w="sm" type="none"/>
+                      <a:headEnd type="none" w="sm" len="sm"/>
+                      <a:tailEnd type="none" w="sm" len="sm"/>
                     </a:lnB>
                   </a:tcPr>
                 </a:tc>
@@ -9846,7 +10099,7 @@
                     <a:bodyPr/>
                     <a:lstStyle/>
                     <a:p>
-                      <a:pPr indent="0" lvl="0" marL="0" rtl="0" algn="ctr">
+                      <a:pPr marL="0" lvl="0" indent="0" algn="ctr" rtl="0">
                         <a:spcBef>
                           <a:spcPts val="0"/>
                         </a:spcBef>
@@ -9862,45 +10115,50 @@
                       <a:endParaRPr/>
                     </a:p>
                   </a:txBody>
-                  <a:tcPr marT="91425" marB="91425" marR="91425" marL="91425">
-                    <a:lnL cap="flat" cmpd="sng" w="9525">
+                  <a:tcPr marL="91425" marR="91425" marT="91425" marB="91425">
+                    <a:lnL w="9525" cap="flat" cmpd="sng">
                       <a:solidFill>
                         <a:srgbClr val="000000"/>
                       </a:solidFill>
                       <a:prstDash val="solid"/>
                       <a:round/>
-                      <a:headEnd len="sm" w="sm" type="none"/>
-                      <a:tailEnd len="sm" w="sm" type="none"/>
+                      <a:headEnd type="none" w="sm" len="sm"/>
+                      <a:tailEnd type="none" w="sm" len="sm"/>
                     </a:lnL>
-                    <a:lnR cap="flat" cmpd="sng" w="9525">
+                    <a:lnR w="9525" cap="flat" cmpd="sng">
                       <a:solidFill>
                         <a:srgbClr val="000000"/>
                       </a:solidFill>
                       <a:prstDash val="solid"/>
                       <a:round/>
-                      <a:headEnd len="sm" w="sm" type="none"/>
-                      <a:tailEnd len="sm" w="sm" type="none"/>
+                      <a:headEnd type="none" w="sm" len="sm"/>
+                      <a:tailEnd type="none" w="sm" len="sm"/>
                     </a:lnR>
-                    <a:lnT cap="flat" cmpd="sng" w="9525">
+                    <a:lnT w="9525" cap="flat" cmpd="sng">
                       <a:solidFill>
                         <a:srgbClr val="000000"/>
                       </a:solidFill>
                       <a:prstDash val="solid"/>
                       <a:round/>
-                      <a:headEnd len="sm" w="sm" type="none"/>
-                      <a:tailEnd len="sm" w="sm" type="none"/>
+                      <a:headEnd type="none" w="sm" len="sm"/>
+                      <a:tailEnd type="none" w="sm" len="sm"/>
                     </a:lnT>
-                    <a:lnB cap="flat" cmpd="sng" w="9525">
+                    <a:lnB w="9525" cap="flat" cmpd="sng">
                       <a:solidFill>
                         <a:srgbClr val="000000"/>
                       </a:solidFill>
                       <a:prstDash val="solid"/>
                       <a:round/>
-                      <a:headEnd len="sm" w="sm" type="none"/>
-                      <a:tailEnd len="sm" w="sm" type="none"/>
+                      <a:headEnd type="none" w="sm" len="sm"/>
+                      <a:tailEnd type="none" w="sm" len="sm"/>
                     </a:lnB>
                   </a:tcPr>
                 </a:tc>
+                <a:extLst>
+                  <a:ext uri="{0D108BD9-81ED-4DB2-BD59-A6C34878D82A}">
+                    <a16:rowId xmlns:a16="http://schemas.microsoft.com/office/drawing/2014/main" val="10000"/>
+                  </a:ext>
+                </a:extLst>
               </a:tr>
               <a:tr h="717225">
                 <a:tc>
@@ -9908,7 +10166,7 @@
                     <a:bodyPr/>
                     <a:lstStyle/>
                     <a:p>
-                      <a:pPr indent="0" lvl="0" marL="0" rtl="0" algn="ctr">
+                      <a:pPr marL="0" lvl="0" indent="0" algn="ctr" rtl="0">
                         <a:spcBef>
                           <a:spcPts val="0"/>
                         </a:spcBef>
@@ -9924,42 +10182,42 @@
                       <a:endParaRPr/>
                     </a:p>
                   </a:txBody>
-                  <a:tcPr marT="91425" marB="91425" marR="91425" marL="91425">
-                    <a:lnL cap="flat" cmpd="sng" w="9525">
+                  <a:tcPr marL="91425" marR="91425" marT="91425" marB="91425">
+                    <a:lnL w="9525" cap="flat" cmpd="sng">
                       <a:solidFill>
                         <a:srgbClr val="000000"/>
                       </a:solidFill>
                       <a:prstDash val="solid"/>
                       <a:round/>
-                      <a:headEnd len="sm" w="sm" type="none"/>
-                      <a:tailEnd len="sm" w="sm" type="none"/>
+                      <a:headEnd type="none" w="sm" len="sm"/>
+                      <a:tailEnd type="none" w="sm" len="sm"/>
                     </a:lnL>
-                    <a:lnR cap="flat" cmpd="sng" w="9525">
+                    <a:lnR w="9525" cap="flat" cmpd="sng">
                       <a:solidFill>
                         <a:srgbClr val="000000"/>
                       </a:solidFill>
                       <a:prstDash val="solid"/>
                       <a:round/>
-                      <a:headEnd len="sm" w="sm" type="none"/>
-                      <a:tailEnd len="sm" w="sm" type="none"/>
+                      <a:headEnd type="none" w="sm" len="sm"/>
+                      <a:tailEnd type="none" w="sm" len="sm"/>
                     </a:lnR>
-                    <a:lnT cap="flat" cmpd="sng" w="9525">
+                    <a:lnT w="9525" cap="flat" cmpd="sng">
                       <a:solidFill>
                         <a:srgbClr val="000000"/>
                       </a:solidFill>
                       <a:prstDash val="solid"/>
                       <a:round/>
-                      <a:headEnd len="sm" w="sm" type="none"/>
-                      <a:tailEnd len="sm" w="sm" type="none"/>
+                      <a:headEnd type="none" w="sm" len="sm"/>
+                      <a:tailEnd type="none" w="sm" len="sm"/>
                     </a:lnT>
-                    <a:lnB cap="flat" cmpd="sng" w="9525">
+                    <a:lnB w="9525" cap="flat" cmpd="sng">
                       <a:solidFill>
                         <a:srgbClr val="000000"/>
                       </a:solidFill>
                       <a:prstDash val="solid"/>
                       <a:round/>
-                      <a:headEnd len="sm" w="sm" type="none"/>
-                      <a:tailEnd len="sm" w="sm" type="none"/>
+                      <a:headEnd type="none" w="sm" len="sm"/>
+                      <a:tailEnd type="none" w="sm" len="sm"/>
                     </a:lnB>
                   </a:tcPr>
                 </a:tc>
@@ -9968,7 +10226,7 @@
                     <a:bodyPr/>
                     <a:lstStyle/>
                     <a:p>
-                      <a:pPr indent="0" lvl="0" marL="0" rtl="0" algn="ctr">
+                      <a:pPr marL="0" lvl="0" indent="0" algn="ctr" rtl="0">
                         <a:spcBef>
                           <a:spcPts val="0"/>
                         </a:spcBef>
@@ -9984,42 +10242,42 @@
                       <a:endParaRPr/>
                     </a:p>
                   </a:txBody>
-                  <a:tcPr marT="91425" marB="91425" marR="91425" marL="91425">
-                    <a:lnL cap="flat" cmpd="sng" w="9525">
+                  <a:tcPr marL="91425" marR="91425" marT="91425" marB="91425">
+                    <a:lnL w="9525" cap="flat" cmpd="sng">
                       <a:solidFill>
                         <a:srgbClr val="000000"/>
                       </a:solidFill>
                       <a:prstDash val="solid"/>
                       <a:round/>
-                      <a:headEnd len="sm" w="sm" type="none"/>
-                      <a:tailEnd len="sm" w="sm" type="none"/>
+                      <a:headEnd type="none" w="sm" len="sm"/>
+                      <a:tailEnd type="none" w="sm" len="sm"/>
                     </a:lnL>
-                    <a:lnR cap="flat" cmpd="sng" w="9525">
+                    <a:lnR w="9525" cap="flat" cmpd="sng">
                       <a:solidFill>
                         <a:srgbClr val="000000"/>
                       </a:solidFill>
                       <a:prstDash val="solid"/>
                       <a:round/>
-                      <a:headEnd len="sm" w="sm" type="none"/>
-                      <a:tailEnd len="sm" w="sm" type="none"/>
+                      <a:headEnd type="none" w="sm" len="sm"/>
+                      <a:tailEnd type="none" w="sm" len="sm"/>
                     </a:lnR>
-                    <a:lnT cap="flat" cmpd="sng" w="9525">
+                    <a:lnT w="9525" cap="flat" cmpd="sng">
                       <a:solidFill>
                         <a:srgbClr val="000000"/>
                       </a:solidFill>
                       <a:prstDash val="solid"/>
                       <a:round/>
-                      <a:headEnd len="sm" w="sm" type="none"/>
-                      <a:tailEnd len="sm" w="sm" type="none"/>
+                      <a:headEnd type="none" w="sm" len="sm"/>
+                      <a:tailEnd type="none" w="sm" len="sm"/>
                     </a:lnT>
-                    <a:lnB cap="flat" cmpd="sng" w="9525">
+                    <a:lnB w="9525" cap="flat" cmpd="sng">
                       <a:solidFill>
                         <a:srgbClr val="000000"/>
                       </a:solidFill>
                       <a:prstDash val="solid"/>
                       <a:round/>
-                      <a:headEnd len="sm" w="sm" type="none"/>
-                      <a:tailEnd len="sm" w="sm" type="none"/>
+                      <a:headEnd type="none" w="sm" len="sm"/>
+                      <a:tailEnd type="none" w="sm" len="sm"/>
                     </a:lnB>
                   </a:tcPr>
                 </a:tc>
@@ -10028,7 +10286,7 @@
                     <a:bodyPr/>
                     <a:lstStyle/>
                     <a:p>
-                      <a:pPr indent="0" lvl="0" marL="0" rtl="0" algn="ctr">
+                      <a:pPr marL="0" lvl="0" indent="0" algn="ctr" rtl="0">
                         <a:spcBef>
                           <a:spcPts val="0"/>
                         </a:spcBef>
@@ -10044,42 +10302,42 @@
                       <a:endParaRPr/>
                     </a:p>
                   </a:txBody>
-                  <a:tcPr marT="91425" marB="91425" marR="91425" marL="91425">
-                    <a:lnL cap="flat" cmpd="sng" w="9525">
+                  <a:tcPr marL="91425" marR="91425" marT="91425" marB="91425">
+                    <a:lnL w="9525" cap="flat" cmpd="sng">
                       <a:solidFill>
                         <a:srgbClr val="000000"/>
                       </a:solidFill>
                       <a:prstDash val="solid"/>
                       <a:round/>
-                      <a:headEnd len="sm" w="sm" type="none"/>
-                      <a:tailEnd len="sm" w="sm" type="none"/>
+                      <a:headEnd type="none" w="sm" len="sm"/>
+                      <a:tailEnd type="none" w="sm" len="sm"/>
                     </a:lnL>
-                    <a:lnR cap="flat" cmpd="sng" w="9525">
+                    <a:lnR w="9525" cap="flat" cmpd="sng">
                       <a:solidFill>
                         <a:srgbClr val="000000"/>
                       </a:solidFill>
                       <a:prstDash val="solid"/>
                       <a:round/>
-                      <a:headEnd len="sm" w="sm" type="none"/>
-                      <a:tailEnd len="sm" w="sm" type="none"/>
+                      <a:headEnd type="none" w="sm" len="sm"/>
+                      <a:tailEnd type="none" w="sm" len="sm"/>
                     </a:lnR>
-                    <a:lnT cap="flat" cmpd="sng" w="9525">
+                    <a:lnT w="9525" cap="flat" cmpd="sng">
                       <a:solidFill>
                         <a:srgbClr val="000000"/>
                       </a:solidFill>
                       <a:prstDash val="solid"/>
                       <a:round/>
-                      <a:headEnd len="sm" w="sm" type="none"/>
-                      <a:tailEnd len="sm" w="sm" type="none"/>
+                      <a:headEnd type="none" w="sm" len="sm"/>
+                      <a:tailEnd type="none" w="sm" len="sm"/>
                     </a:lnT>
-                    <a:lnB cap="flat" cmpd="sng" w="9525">
+                    <a:lnB w="9525" cap="flat" cmpd="sng">
                       <a:solidFill>
                         <a:srgbClr val="000000"/>
                       </a:solidFill>
                       <a:prstDash val="solid"/>
                       <a:round/>
-                      <a:headEnd len="sm" w="sm" type="none"/>
-                      <a:tailEnd len="sm" w="sm" type="none"/>
+                      <a:headEnd type="none" w="sm" len="sm"/>
+                      <a:tailEnd type="none" w="sm" len="sm"/>
                     </a:lnB>
                   </a:tcPr>
                 </a:tc>
@@ -10088,7 +10346,7 @@
                     <a:bodyPr/>
                     <a:lstStyle/>
                     <a:p>
-                      <a:pPr indent="0" lvl="0" marL="0" rtl="0" algn="ctr">
+                      <a:pPr marL="0" lvl="0" indent="0" algn="ctr" rtl="0">
                         <a:spcBef>
                           <a:spcPts val="0"/>
                         </a:spcBef>
@@ -10104,42 +10362,42 @@
                       <a:endParaRPr/>
                     </a:p>
                   </a:txBody>
-                  <a:tcPr marT="91425" marB="91425" marR="91425" marL="91425">
-                    <a:lnL cap="flat" cmpd="sng" w="9525">
+                  <a:tcPr marL="91425" marR="91425" marT="91425" marB="91425">
+                    <a:lnL w="9525" cap="flat" cmpd="sng">
                       <a:solidFill>
                         <a:srgbClr val="000000"/>
                       </a:solidFill>
                       <a:prstDash val="solid"/>
                       <a:round/>
-                      <a:headEnd len="sm" w="sm" type="none"/>
-                      <a:tailEnd len="sm" w="sm" type="none"/>
+                      <a:headEnd type="none" w="sm" len="sm"/>
+                      <a:tailEnd type="none" w="sm" len="sm"/>
                     </a:lnL>
-                    <a:lnR cap="flat" cmpd="sng" w="9525">
+                    <a:lnR w="9525" cap="flat" cmpd="sng">
                       <a:solidFill>
                         <a:srgbClr val="000000"/>
                       </a:solidFill>
                       <a:prstDash val="solid"/>
                       <a:round/>
-                      <a:headEnd len="sm" w="sm" type="none"/>
-                      <a:tailEnd len="sm" w="sm" type="none"/>
+                      <a:headEnd type="none" w="sm" len="sm"/>
+                      <a:tailEnd type="none" w="sm" len="sm"/>
                     </a:lnR>
-                    <a:lnT cap="flat" cmpd="sng" w="9525">
+                    <a:lnT w="9525" cap="flat" cmpd="sng">
                       <a:solidFill>
                         <a:srgbClr val="000000"/>
                       </a:solidFill>
                       <a:prstDash val="solid"/>
                       <a:round/>
-                      <a:headEnd len="sm" w="sm" type="none"/>
-                      <a:tailEnd len="sm" w="sm" type="none"/>
+                      <a:headEnd type="none" w="sm" len="sm"/>
+                      <a:tailEnd type="none" w="sm" len="sm"/>
                     </a:lnT>
-                    <a:lnB cap="flat" cmpd="sng" w="9525">
+                    <a:lnB w="9525" cap="flat" cmpd="sng">
                       <a:solidFill>
                         <a:srgbClr val="000000"/>
                       </a:solidFill>
                       <a:prstDash val="solid"/>
                       <a:round/>
-                      <a:headEnd len="sm" w="sm" type="none"/>
-                      <a:tailEnd len="sm" w="sm" type="none"/>
+                      <a:headEnd type="none" w="sm" len="sm"/>
+                      <a:tailEnd type="none" w="sm" len="sm"/>
                     </a:lnB>
                   </a:tcPr>
                 </a:tc>
@@ -10148,7 +10406,7 @@
                     <a:bodyPr/>
                     <a:lstStyle/>
                     <a:p>
-                      <a:pPr indent="0" lvl="0" marL="0" rtl="0" algn="ctr">
+                      <a:pPr marL="0" lvl="0" indent="0" algn="ctr" rtl="0">
                         <a:spcBef>
                           <a:spcPts val="0"/>
                         </a:spcBef>
@@ -10164,42 +10422,42 @@
                       <a:endParaRPr/>
                     </a:p>
                   </a:txBody>
-                  <a:tcPr marT="91425" marB="91425" marR="91425" marL="91425">
-                    <a:lnL cap="flat" cmpd="sng" w="9525">
+                  <a:tcPr marL="91425" marR="91425" marT="91425" marB="91425">
+                    <a:lnL w="9525" cap="flat" cmpd="sng">
                       <a:solidFill>
                         <a:srgbClr val="000000"/>
                       </a:solidFill>
                       <a:prstDash val="solid"/>
                       <a:round/>
-                      <a:headEnd len="sm" w="sm" type="none"/>
-                      <a:tailEnd len="sm" w="sm" type="none"/>
+                      <a:headEnd type="none" w="sm" len="sm"/>
+                      <a:tailEnd type="none" w="sm" len="sm"/>
                     </a:lnL>
-                    <a:lnR cap="flat" cmpd="sng" w="9525">
+                    <a:lnR w="9525" cap="flat" cmpd="sng">
                       <a:solidFill>
                         <a:srgbClr val="000000"/>
                       </a:solidFill>
                       <a:prstDash val="solid"/>
                       <a:round/>
-                      <a:headEnd len="sm" w="sm" type="none"/>
-                      <a:tailEnd len="sm" w="sm" type="none"/>
+                      <a:headEnd type="none" w="sm" len="sm"/>
+                      <a:tailEnd type="none" w="sm" len="sm"/>
                     </a:lnR>
-                    <a:lnT cap="flat" cmpd="sng" w="9525">
+                    <a:lnT w="9525" cap="flat" cmpd="sng">
                       <a:solidFill>
                         <a:srgbClr val="000000"/>
                       </a:solidFill>
                       <a:prstDash val="solid"/>
                       <a:round/>
-                      <a:headEnd len="sm" w="sm" type="none"/>
-                      <a:tailEnd len="sm" w="sm" type="none"/>
+                      <a:headEnd type="none" w="sm" len="sm"/>
+                      <a:tailEnd type="none" w="sm" len="sm"/>
                     </a:lnT>
-                    <a:lnB cap="flat" cmpd="sng" w="9525">
+                    <a:lnB w="9525" cap="flat" cmpd="sng">
                       <a:solidFill>
                         <a:srgbClr val="000000"/>
                       </a:solidFill>
                       <a:prstDash val="solid"/>
                       <a:round/>
-                      <a:headEnd len="sm" w="sm" type="none"/>
-                      <a:tailEnd len="sm" w="sm" type="none"/>
+                      <a:headEnd type="none" w="sm" len="sm"/>
+                      <a:tailEnd type="none" w="sm" len="sm"/>
                     </a:lnB>
                   </a:tcPr>
                 </a:tc>
@@ -10208,7 +10466,7 @@
                     <a:bodyPr/>
                     <a:lstStyle/>
                     <a:p>
-                      <a:pPr indent="0" lvl="0" marL="0" rtl="0" algn="ctr">
+                      <a:pPr marL="0" lvl="0" indent="0" algn="ctr" rtl="0">
                         <a:spcBef>
                           <a:spcPts val="0"/>
                         </a:spcBef>
@@ -10224,42 +10482,42 @@
                       <a:endParaRPr/>
                     </a:p>
                   </a:txBody>
-                  <a:tcPr marT="91425" marB="91425" marR="91425" marL="91425">
-                    <a:lnL cap="flat" cmpd="sng" w="9525">
+                  <a:tcPr marL="91425" marR="91425" marT="91425" marB="91425">
+                    <a:lnL w="9525" cap="flat" cmpd="sng">
                       <a:solidFill>
                         <a:srgbClr val="000000"/>
                       </a:solidFill>
                       <a:prstDash val="solid"/>
                       <a:round/>
-                      <a:headEnd len="sm" w="sm" type="none"/>
-                      <a:tailEnd len="sm" w="sm" type="none"/>
+                      <a:headEnd type="none" w="sm" len="sm"/>
+                      <a:tailEnd type="none" w="sm" len="sm"/>
                     </a:lnL>
-                    <a:lnR cap="flat" cmpd="sng" w="9525">
+                    <a:lnR w="9525" cap="flat" cmpd="sng">
                       <a:solidFill>
                         <a:srgbClr val="000000"/>
                       </a:solidFill>
                       <a:prstDash val="solid"/>
                       <a:round/>
-                      <a:headEnd len="sm" w="sm" type="none"/>
-                      <a:tailEnd len="sm" w="sm" type="none"/>
+                      <a:headEnd type="none" w="sm" len="sm"/>
+                      <a:tailEnd type="none" w="sm" len="sm"/>
                     </a:lnR>
-                    <a:lnT cap="flat" cmpd="sng" w="9525">
+                    <a:lnT w="9525" cap="flat" cmpd="sng">
                       <a:solidFill>
                         <a:srgbClr val="000000"/>
                       </a:solidFill>
                       <a:prstDash val="solid"/>
                       <a:round/>
-                      <a:headEnd len="sm" w="sm" type="none"/>
-                      <a:tailEnd len="sm" w="sm" type="none"/>
+                      <a:headEnd type="none" w="sm" len="sm"/>
+                      <a:tailEnd type="none" w="sm" len="sm"/>
                     </a:lnT>
-                    <a:lnB cap="flat" cmpd="sng" w="9525">
+                    <a:lnB w="9525" cap="flat" cmpd="sng">
                       <a:solidFill>
                         <a:srgbClr val="000000"/>
                       </a:solidFill>
                       <a:prstDash val="solid"/>
                       <a:round/>
-                      <a:headEnd len="sm" w="sm" type="none"/>
-                      <a:tailEnd len="sm" w="sm" type="none"/>
+                      <a:headEnd type="none" w="sm" len="sm"/>
+                      <a:tailEnd type="none" w="sm" len="sm"/>
                     </a:lnB>
                   </a:tcPr>
                 </a:tc>
@@ -10268,7 +10526,7 @@
                     <a:bodyPr/>
                     <a:lstStyle/>
                     <a:p>
-                      <a:pPr indent="0" lvl="0" marL="0" rtl="0" algn="ctr">
+                      <a:pPr marL="0" lvl="0" indent="0" algn="ctr" rtl="0">
                         <a:spcBef>
                           <a:spcPts val="0"/>
                         </a:spcBef>
@@ -10284,42 +10542,42 @@
                       <a:endParaRPr/>
                     </a:p>
                   </a:txBody>
-                  <a:tcPr marT="91425" marB="91425" marR="91425" marL="91425">
-                    <a:lnL cap="flat" cmpd="sng" w="9525">
+                  <a:tcPr marL="91425" marR="91425" marT="91425" marB="91425">
+                    <a:lnL w="9525" cap="flat" cmpd="sng">
                       <a:solidFill>
                         <a:srgbClr val="000000"/>
                       </a:solidFill>
                       <a:prstDash val="solid"/>
                       <a:round/>
-                      <a:headEnd len="sm" w="sm" type="none"/>
-                      <a:tailEnd len="sm" w="sm" type="none"/>
+                      <a:headEnd type="none" w="sm" len="sm"/>
+                      <a:tailEnd type="none" w="sm" len="sm"/>
                     </a:lnL>
-                    <a:lnR cap="flat" cmpd="sng" w="9525">
+                    <a:lnR w="9525" cap="flat" cmpd="sng">
                       <a:solidFill>
                         <a:srgbClr val="000000"/>
                       </a:solidFill>
                       <a:prstDash val="solid"/>
                       <a:round/>
-                      <a:headEnd len="sm" w="sm" type="none"/>
-                      <a:tailEnd len="sm" w="sm" type="none"/>
+                      <a:headEnd type="none" w="sm" len="sm"/>
+                      <a:tailEnd type="none" w="sm" len="sm"/>
                     </a:lnR>
-                    <a:lnT cap="flat" cmpd="sng" w="9525">
+                    <a:lnT w="9525" cap="flat" cmpd="sng">
                       <a:solidFill>
                         <a:srgbClr val="000000"/>
                       </a:solidFill>
                       <a:prstDash val="solid"/>
                       <a:round/>
-                      <a:headEnd len="sm" w="sm" type="none"/>
-                      <a:tailEnd len="sm" w="sm" type="none"/>
+                      <a:headEnd type="none" w="sm" len="sm"/>
+                      <a:tailEnd type="none" w="sm" len="sm"/>
                     </a:lnT>
-                    <a:lnB cap="flat" cmpd="sng" w="9525">
+                    <a:lnB w="9525" cap="flat" cmpd="sng">
                       <a:solidFill>
                         <a:srgbClr val="000000"/>
                       </a:solidFill>
                       <a:prstDash val="solid"/>
                       <a:round/>
-                      <a:headEnd len="sm" w="sm" type="none"/>
-                      <a:tailEnd len="sm" w="sm" type="none"/>
+                      <a:headEnd type="none" w="sm" len="sm"/>
+                      <a:tailEnd type="none" w="sm" len="sm"/>
                     </a:lnB>
                   </a:tcPr>
                 </a:tc>
@@ -10328,7 +10586,7 @@
                     <a:bodyPr/>
                     <a:lstStyle/>
                     <a:p>
-                      <a:pPr indent="0" lvl="0" marL="0" rtl="0" algn="ctr">
+                      <a:pPr marL="0" lvl="0" indent="0" algn="ctr" rtl="0">
                         <a:spcBef>
                           <a:spcPts val="0"/>
                         </a:spcBef>
@@ -10344,42 +10602,42 @@
                       <a:endParaRPr/>
                     </a:p>
                   </a:txBody>
-                  <a:tcPr marT="91425" marB="91425" marR="91425" marL="91425">
-                    <a:lnL cap="flat" cmpd="sng" w="9525">
+                  <a:tcPr marL="91425" marR="91425" marT="91425" marB="91425">
+                    <a:lnL w="9525" cap="flat" cmpd="sng">
                       <a:solidFill>
                         <a:srgbClr val="000000"/>
                       </a:solidFill>
                       <a:prstDash val="solid"/>
                       <a:round/>
-                      <a:headEnd len="sm" w="sm" type="none"/>
-                      <a:tailEnd len="sm" w="sm" type="none"/>
+                      <a:headEnd type="none" w="sm" len="sm"/>
+                      <a:tailEnd type="none" w="sm" len="sm"/>
                     </a:lnL>
-                    <a:lnR cap="flat" cmpd="sng" w="9525">
+                    <a:lnR w="9525" cap="flat" cmpd="sng">
                       <a:solidFill>
                         <a:srgbClr val="000000"/>
                       </a:solidFill>
                       <a:prstDash val="solid"/>
                       <a:round/>
-                      <a:headEnd len="sm" w="sm" type="none"/>
-                      <a:tailEnd len="sm" w="sm" type="none"/>
+                      <a:headEnd type="none" w="sm" len="sm"/>
+                      <a:tailEnd type="none" w="sm" len="sm"/>
                     </a:lnR>
-                    <a:lnT cap="flat" cmpd="sng" w="9525">
+                    <a:lnT w="9525" cap="flat" cmpd="sng">
                       <a:solidFill>
                         <a:srgbClr val="000000"/>
                       </a:solidFill>
                       <a:prstDash val="solid"/>
                       <a:round/>
-                      <a:headEnd len="sm" w="sm" type="none"/>
-                      <a:tailEnd len="sm" w="sm" type="none"/>
+                      <a:headEnd type="none" w="sm" len="sm"/>
+                      <a:tailEnd type="none" w="sm" len="sm"/>
                     </a:lnT>
-                    <a:lnB cap="flat" cmpd="sng" w="9525">
+                    <a:lnB w="9525" cap="flat" cmpd="sng">
                       <a:solidFill>
                         <a:srgbClr val="000000"/>
                       </a:solidFill>
                       <a:prstDash val="solid"/>
                       <a:round/>
-                      <a:headEnd len="sm" w="sm" type="none"/>
-                      <a:tailEnd len="sm" w="sm" type="none"/>
+                      <a:headEnd type="none" w="sm" len="sm"/>
+                      <a:tailEnd type="none" w="sm" len="sm"/>
                     </a:lnB>
                   </a:tcPr>
                 </a:tc>
@@ -10388,7 +10646,7 @@
                     <a:bodyPr/>
                     <a:lstStyle/>
                     <a:p>
-                      <a:pPr indent="0" lvl="0" marL="0" rtl="0" algn="ctr">
+                      <a:pPr marL="0" lvl="0" indent="0" algn="ctr" rtl="0">
                         <a:spcBef>
                           <a:spcPts val="0"/>
                         </a:spcBef>
@@ -10404,42 +10662,42 @@
                       <a:endParaRPr/>
                     </a:p>
                   </a:txBody>
-                  <a:tcPr marT="91425" marB="91425" marR="91425" marL="91425">
-                    <a:lnL cap="flat" cmpd="sng" w="9525">
+                  <a:tcPr marL="91425" marR="91425" marT="91425" marB="91425">
+                    <a:lnL w="9525" cap="flat" cmpd="sng">
                       <a:solidFill>
                         <a:srgbClr val="000000"/>
                       </a:solidFill>
                       <a:prstDash val="solid"/>
                       <a:round/>
-                      <a:headEnd len="sm" w="sm" type="none"/>
-                      <a:tailEnd len="sm" w="sm" type="none"/>
+                      <a:headEnd type="none" w="sm" len="sm"/>
+                      <a:tailEnd type="none" w="sm" len="sm"/>
                     </a:lnL>
-                    <a:lnR cap="flat" cmpd="sng" w="9525">
+                    <a:lnR w="9525" cap="flat" cmpd="sng">
                       <a:solidFill>
                         <a:srgbClr val="000000"/>
                       </a:solidFill>
                       <a:prstDash val="solid"/>
                       <a:round/>
-                      <a:headEnd len="sm" w="sm" type="none"/>
-                      <a:tailEnd len="sm" w="sm" type="none"/>
+                      <a:headEnd type="none" w="sm" len="sm"/>
+                      <a:tailEnd type="none" w="sm" len="sm"/>
                     </a:lnR>
-                    <a:lnT cap="flat" cmpd="sng" w="9525">
+                    <a:lnT w="9525" cap="flat" cmpd="sng">
                       <a:solidFill>
                         <a:srgbClr val="000000"/>
                       </a:solidFill>
                       <a:prstDash val="solid"/>
                       <a:round/>
-                      <a:headEnd len="sm" w="sm" type="none"/>
-                      <a:tailEnd len="sm" w="sm" type="none"/>
+                      <a:headEnd type="none" w="sm" len="sm"/>
+                      <a:tailEnd type="none" w="sm" len="sm"/>
                     </a:lnT>
-                    <a:lnB cap="flat" cmpd="sng" w="9525">
+                    <a:lnB w="9525" cap="flat" cmpd="sng">
                       <a:solidFill>
                         <a:srgbClr val="000000"/>
                       </a:solidFill>
                       <a:prstDash val="solid"/>
                       <a:round/>
-                      <a:headEnd len="sm" w="sm" type="none"/>
-                      <a:tailEnd len="sm" w="sm" type="none"/>
+                      <a:headEnd type="none" w="sm" len="sm"/>
+                      <a:tailEnd type="none" w="sm" len="sm"/>
                     </a:lnB>
                   </a:tcPr>
                 </a:tc>
@@ -10448,7 +10706,7 @@
                     <a:bodyPr/>
                     <a:lstStyle/>
                     <a:p>
-                      <a:pPr indent="0" lvl="0" marL="0" rtl="0" algn="ctr">
+                      <a:pPr marL="0" lvl="0" indent="0" algn="ctr" rtl="0">
                         <a:spcBef>
                           <a:spcPts val="0"/>
                         </a:spcBef>
@@ -10464,42 +10722,42 @@
                       <a:endParaRPr/>
                     </a:p>
                   </a:txBody>
-                  <a:tcPr marT="91425" marB="91425" marR="91425" marL="91425">
-                    <a:lnL cap="flat" cmpd="sng" w="9525">
+                  <a:tcPr marL="91425" marR="91425" marT="91425" marB="91425">
+                    <a:lnL w="9525" cap="flat" cmpd="sng">
                       <a:solidFill>
                         <a:srgbClr val="000000"/>
                       </a:solidFill>
                       <a:prstDash val="solid"/>
                       <a:round/>
-                      <a:headEnd len="sm" w="sm" type="none"/>
-                      <a:tailEnd len="sm" w="sm" type="none"/>
+                      <a:headEnd type="none" w="sm" len="sm"/>
+                      <a:tailEnd type="none" w="sm" len="sm"/>
                     </a:lnL>
-                    <a:lnR cap="flat" cmpd="sng" w="9525">
+                    <a:lnR w="9525" cap="flat" cmpd="sng">
                       <a:solidFill>
                         <a:srgbClr val="000000"/>
                       </a:solidFill>
                       <a:prstDash val="solid"/>
                       <a:round/>
-                      <a:headEnd len="sm" w="sm" type="none"/>
-                      <a:tailEnd len="sm" w="sm" type="none"/>
+                      <a:headEnd type="none" w="sm" len="sm"/>
+                      <a:tailEnd type="none" w="sm" len="sm"/>
                     </a:lnR>
-                    <a:lnT cap="flat" cmpd="sng" w="9525">
+                    <a:lnT w="9525" cap="flat" cmpd="sng">
                       <a:solidFill>
                         <a:srgbClr val="000000"/>
                       </a:solidFill>
                       <a:prstDash val="solid"/>
                       <a:round/>
-                      <a:headEnd len="sm" w="sm" type="none"/>
-                      <a:tailEnd len="sm" w="sm" type="none"/>
+                      <a:headEnd type="none" w="sm" len="sm"/>
+                      <a:tailEnd type="none" w="sm" len="sm"/>
                     </a:lnT>
-                    <a:lnB cap="flat" cmpd="sng" w="9525">
+                    <a:lnB w="9525" cap="flat" cmpd="sng">
                       <a:solidFill>
                         <a:srgbClr val="000000"/>
                       </a:solidFill>
                       <a:prstDash val="solid"/>
                       <a:round/>
-                      <a:headEnd len="sm" w="sm" type="none"/>
-                      <a:tailEnd len="sm" w="sm" type="none"/>
+                      <a:headEnd type="none" w="sm" len="sm"/>
+                      <a:tailEnd type="none" w="sm" len="sm"/>
                     </a:lnB>
                   </a:tcPr>
                 </a:tc>
@@ -10508,7 +10766,7 @@
                     <a:bodyPr/>
                     <a:lstStyle/>
                     <a:p>
-                      <a:pPr indent="0" lvl="0" marL="0" rtl="0" algn="ctr">
+                      <a:pPr marL="0" lvl="0" indent="0" algn="ctr" rtl="0">
                         <a:spcBef>
                           <a:spcPts val="0"/>
                         </a:spcBef>
@@ -10524,42 +10782,42 @@
                       <a:endParaRPr/>
                     </a:p>
                   </a:txBody>
-                  <a:tcPr marT="91425" marB="91425" marR="91425" marL="91425">
-                    <a:lnL cap="flat" cmpd="sng" w="9525">
+                  <a:tcPr marL="91425" marR="91425" marT="91425" marB="91425">
+                    <a:lnL w="9525" cap="flat" cmpd="sng">
                       <a:solidFill>
                         <a:srgbClr val="000000"/>
                       </a:solidFill>
                       <a:prstDash val="solid"/>
                       <a:round/>
-                      <a:headEnd len="sm" w="sm" type="none"/>
-                      <a:tailEnd len="sm" w="sm" type="none"/>
+                      <a:headEnd type="none" w="sm" len="sm"/>
+                      <a:tailEnd type="none" w="sm" len="sm"/>
                     </a:lnL>
-                    <a:lnR cap="flat" cmpd="sng" w="9525">
+                    <a:lnR w="9525" cap="flat" cmpd="sng">
                       <a:solidFill>
                         <a:srgbClr val="000000"/>
                       </a:solidFill>
                       <a:prstDash val="solid"/>
                       <a:round/>
-                      <a:headEnd len="sm" w="sm" type="none"/>
-                      <a:tailEnd len="sm" w="sm" type="none"/>
+                      <a:headEnd type="none" w="sm" len="sm"/>
+                      <a:tailEnd type="none" w="sm" len="sm"/>
                     </a:lnR>
-                    <a:lnT cap="flat" cmpd="sng" w="9525">
+                    <a:lnT w="9525" cap="flat" cmpd="sng">
                       <a:solidFill>
                         <a:srgbClr val="000000"/>
                       </a:solidFill>
                       <a:prstDash val="solid"/>
                       <a:round/>
-                      <a:headEnd len="sm" w="sm" type="none"/>
-                      <a:tailEnd len="sm" w="sm" type="none"/>
+                      <a:headEnd type="none" w="sm" len="sm"/>
+                      <a:tailEnd type="none" w="sm" len="sm"/>
                     </a:lnT>
-                    <a:lnB cap="flat" cmpd="sng" w="9525">
+                    <a:lnB w="9525" cap="flat" cmpd="sng">
                       <a:solidFill>
                         <a:srgbClr val="000000"/>
                       </a:solidFill>
                       <a:prstDash val="solid"/>
                       <a:round/>
-                      <a:headEnd len="sm" w="sm" type="none"/>
-                      <a:tailEnd len="sm" w="sm" type="none"/>
+                      <a:headEnd type="none" w="sm" len="sm"/>
+                      <a:tailEnd type="none" w="sm" len="sm"/>
                     </a:lnB>
                   </a:tcPr>
                 </a:tc>
@@ -10568,7 +10826,7 @@
                     <a:bodyPr/>
                     <a:lstStyle/>
                     <a:p>
-                      <a:pPr indent="0" lvl="0" marL="0" rtl="0" algn="ctr">
+                      <a:pPr marL="0" lvl="0" indent="0" algn="ctr" rtl="0">
                         <a:spcBef>
                           <a:spcPts val="0"/>
                         </a:spcBef>
@@ -10584,45 +10842,50 @@
                       <a:endParaRPr/>
                     </a:p>
                   </a:txBody>
-                  <a:tcPr marT="91425" marB="91425" marR="91425" marL="91425">
-                    <a:lnL cap="flat" cmpd="sng" w="9525">
+                  <a:tcPr marL="91425" marR="91425" marT="91425" marB="91425">
+                    <a:lnL w="9525" cap="flat" cmpd="sng">
                       <a:solidFill>
                         <a:srgbClr val="000000"/>
                       </a:solidFill>
                       <a:prstDash val="solid"/>
                       <a:round/>
-                      <a:headEnd len="sm" w="sm" type="none"/>
-                      <a:tailEnd len="sm" w="sm" type="none"/>
+                      <a:headEnd type="none" w="sm" len="sm"/>
+                      <a:tailEnd type="none" w="sm" len="sm"/>
                     </a:lnL>
-                    <a:lnR cap="flat" cmpd="sng" w="9525">
+                    <a:lnR w="9525" cap="flat" cmpd="sng">
                       <a:solidFill>
                         <a:srgbClr val="000000"/>
                       </a:solidFill>
                       <a:prstDash val="solid"/>
                       <a:round/>
-                      <a:headEnd len="sm" w="sm" type="none"/>
-                      <a:tailEnd len="sm" w="sm" type="none"/>
+                      <a:headEnd type="none" w="sm" len="sm"/>
+                      <a:tailEnd type="none" w="sm" len="sm"/>
                     </a:lnR>
-                    <a:lnT cap="flat" cmpd="sng" w="9525">
+                    <a:lnT w="9525" cap="flat" cmpd="sng">
                       <a:solidFill>
                         <a:srgbClr val="000000"/>
                       </a:solidFill>
                       <a:prstDash val="solid"/>
                       <a:round/>
-                      <a:headEnd len="sm" w="sm" type="none"/>
-                      <a:tailEnd len="sm" w="sm" type="none"/>
+                      <a:headEnd type="none" w="sm" len="sm"/>
+                      <a:tailEnd type="none" w="sm" len="sm"/>
                     </a:lnT>
-                    <a:lnB cap="flat" cmpd="sng" w="9525">
+                    <a:lnB w="9525" cap="flat" cmpd="sng">
                       <a:solidFill>
                         <a:srgbClr val="000000"/>
                       </a:solidFill>
                       <a:prstDash val="solid"/>
                       <a:round/>
-                      <a:headEnd len="sm" w="sm" type="none"/>
-                      <a:tailEnd len="sm" w="sm" type="none"/>
+                      <a:headEnd type="none" w="sm" len="sm"/>
+                      <a:tailEnd type="none" w="sm" len="sm"/>
                     </a:lnB>
                   </a:tcPr>
                 </a:tc>
+                <a:extLst>
+                  <a:ext uri="{0D108BD9-81ED-4DB2-BD59-A6C34878D82A}">
+                    <a16:rowId xmlns:a16="http://schemas.microsoft.com/office/drawing/2014/main" val="10001"/>
+                  </a:ext>
+                </a:extLst>
               </a:tr>
             </a:tbl>
           </a:graphicData>
@@ -10665,11 +10928,11 @@
 </file>
 
 <file path=ppt/slides/slide4.xml><?xml version="1.0" encoding="utf-8"?>
-<p:sld xmlns:a="http://schemas.openxmlformats.org/drawingml/2006/main" xmlns:r="http://schemas.openxmlformats.org/officeDocument/2006/relationships" xmlns:mc="http://schemas.openxmlformats.org/markup-compatibility/2006" xmlns:mv="urn:schemas-microsoft-com:mac:vml" xmlns:p="http://schemas.openxmlformats.org/presentationml/2006/main" xmlns:c="http://schemas.openxmlformats.org/drawingml/2006/chart" xmlns:dgm="http://schemas.openxmlformats.org/drawingml/2006/diagram" xmlns:o="urn:schemas-microsoft-com:office:office" xmlns:v="urn:schemas-microsoft-com:vml" xmlns:pvml="urn:schemas-microsoft-com:office:powerpoint" xmlns:com="http://schemas.openxmlformats.org/drawingml/2006/compatibility" xmlns:p14="http://schemas.microsoft.com/office/powerpoint/2010/main" xmlns:p15="http://schemas.microsoft.com/office/powerpoint/2012/main" xmlns:ahyp="http://schemas.microsoft.com/office/drawing/2018/hyperlinkcolor">
+<p:sld xmlns:a="http://schemas.openxmlformats.org/drawingml/2006/main" xmlns:r="http://schemas.openxmlformats.org/officeDocument/2006/relationships" xmlns:p="http://schemas.openxmlformats.org/presentationml/2006/main">
   <p:cSld>
     <p:spTree>
       <p:nvGrpSpPr>
-        <p:cNvPr id="85" name="Shape 85"/>
+        <p:cNvPr id="1" name="Shape 85"/>
         <p:cNvGrpSpPr/>
         <p:nvPr/>
       </p:nvGrpSpPr>
@@ -10684,7 +10947,9 @@
       <p:sp>
         <p:nvSpPr>
           <p:cNvPr id="86" name="Google Shape;86;p16"/>
-          <p:cNvSpPr txBox="1"/>
+          <p:cNvSpPr txBox="1">
+            <a:spLocks noGrp="1"/>
+          </p:cNvSpPr>
           <p:nvPr>
             <p:ph type="title"/>
           </p:nvPr>
@@ -10699,12 +10964,12 @@
           </a:prstGeom>
         </p:spPr>
         <p:txBody>
-          <a:bodyPr anchorCtr="0" anchor="t" bIns="91425" lIns="91425" spcFirstLastPara="1" rIns="91425" wrap="square" tIns="91425">
+          <a:bodyPr spcFirstLastPara="1" wrap="square" lIns="91425" tIns="91425" rIns="91425" bIns="91425" anchor="t" anchorCtr="0">
             <a:noAutofit/>
           </a:bodyPr>
           <a:lstStyle/>
           <a:p>
-            <a:pPr indent="0" lvl="0" marL="0" rtl="0" algn="l">
+            <a:pPr marL="0" lvl="0" indent="0" algn="l" rtl="0">
               <a:spcBef>
                 <a:spcPts val="0"/>
               </a:spcBef>
@@ -10715,11 +10980,7 @@
             </a:pPr>
             <a:r>
               <a:rPr lang="zh-TW"/>
-              <a:t>V</a:t>
-            </a:r>
-            <a:r>
-              <a:rPr lang="zh-TW"/>
-              <a:t>olatile acidity(揮發性酸度)</a:t>
+              <a:t>Volatile acidity(揮發性酸度)</a:t>
             </a:r>
             <a:endParaRPr/>
           </a:p>
@@ -10728,9 +10989,11 @@
       <p:sp>
         <p:nvSpPr>
           <p:cNvPr id="87" name="Google Shape;87;p16"/>
-          <p:cNvSpPr txBox="1"/>
+          <p:cNvSpPr txBox="1">
+            <a:spLocks noGrp="1"/>
+          </p:cNvSpPr>
           <p:nvPr>
-            <p:ph idx="1" type="body"/>
+            <p:ph type="body" idx="1"/>
           </p:nvPr>
         </p:nvSpPr>
         <p:spPr>
@@ -10743,12 +11006,12 @@
           </a:prstGeom>
         </p:spPr>
         <p:txBody>
-          <a:bodyPr anchorCtr="0" anchor="t" bIns="91425" lIns="91425" spcFirstLastPara="1" rIns="91425" wrap="square" tIns="91425">
+          <a:bodyPr spcFirstLastPara="1" wrap="square" lIns="91425" tIns="91425" rIns="91425" bIns="91425" anchor="t" anchorCtr="0">
             <a:noAutofit/>
           </a:bodyPr>
           <a:lstStyle/>
           <a:p>
-            <a:pPr indent="0" lvl="0" marL="0" rtl="0" algn="l">
+            <a:pPr marL="0" lvl="0" indent="0" algn="l" rtl="0">
               <a:spcBef>
                 <a:spcPts val="0"/>
               </a:spcBef>
@@ -10757,9 +11020,6 @@
               </a:spcAft>
               <a:buNone/>
             </a:pPr>
-            <a:r>
-              <a:t/>
-            </a:r>
             <a:endParaRPr/>
           </a:p>
         </p:txBody>
@@ -10801,11 +11061,11 @@
 </file>
 
 <file path=ppt/slides/slide5.xml><?xml version="1.0" encoding="utf-8"?>
-<p:sld xmlns:a="http://schemas.openxmlformats.org/drawingml/2006/main" xmlns:r="http://schemas.openxmlformats.org/officeDocument/2006/relationships" xmlns:mc="http://schemas.openxmlformats.org/markup-compatibility/2006" xmlns:mv="urn:schemas-microsoft-com:mac:vml" xmlns:p="http://schemas.openxmlformats.org/presentationml/2006/main" xmlns:c="http://schemas.openxmlformats.org/drawingml/2006/chart" xmlns:dgm="http://schemas.openxmlformats.org/drawingml/2006/diagram" xmlns:o="urn:schemas-microsoft-com:office:office" xmlns:v="urn:schemas-microsoft-com:vml" xmlns:pvml="urn:schemas-microsoft-com:office:powerpoint" xmlns:com="http://schemas.openxmlformats.org/drawingml/2006/compatibility" xmlns:p14="http://schemas.microsoft.com/office/powerpoint/2010/main" xmlns:p15="http://schemas.microsoft.com/office/powerpoint/2012/main" xmlns:ahyp="http://schemas.microsoft.com/office/drawing/2018/hyperlinkcolor">
+<p:sld xmlns:a="http://schemas.openxmlformats.org/drawingml/2006/main" xmlns:r="http://schemas.openxmlformats.org/officeDocument/2006/relationships" xmlns:p="http://schemas.openxmlformats.org/presentationml/2006/main">
   <p:cSld>
     <p:spTree>
       <p:nvGrpSpPr>
-        <p:cNvPr id="92" name="Shape 92"/>
+        <p:cNvPr id="1" name="Shape 92"/>
         <p:cNvGrpSpPr/>
         <p:nvPr/>
       </p:nvGrpSpPr>
@@ -10820,7 +11080,9 @@
       <p:sp>
         <p:nvSpPr>
           <p:cNvPr id="93" name="Google Shape;93;p17"/>
-          <p:cNvSpPr txBox="1"/>
+          <p:cNvSpPr txBox="1">
+            <a:spLocks noGrp="1"/>
+          </p:cNvSpPr>
           <p:nvPr>
             <p:ph type="title"/>
           </p:nvPr>
@@ -10835,12 +11097,12 @@
           </a:prstGeom>
         </p:spPr>
         <p:txBody>
-          <a:bodyPr anchorCtr="0" anchor="t" bIns="91425" lIns="91425" spcFirstLastPara="1" rIns="91425" wrap="square" tIns="91425">
+          <a:bodyPr spcFirstLastPara="1" wrap="square" lIns="91425" tIns="91425" rIns="91425" bIns="91425" anchor="t" anchorCtr="0">
             <a:noAutofit/>
           </a:bodyPr>
           <a:lstStyle/>
           <a:p>
-            <a:pPr indent="0" lvl="0" marL="0" rtl="0" algn="l">
+            <a:pPr marL="0" lvl="0" indent="0" algn="l" rtl="0">
               <a:spcBef>
                 <a:spcPts val="0"/>
               </a:spcBef>
@@ -10851,11 +11113,7 @@
             </a:pPr>
             <a:r>
               <a:rPr lang="zh-TW"/>
-              <a:t>C</a:t>
-            </a:r>
-            <a:r>
-              <a:rPr lang="zh-TW"/>
-              <a:t>itric acid(檸檬酸)</a:t>
+              <a:t>Citric acid(檸檬酸)</a:t>
             </a:r>
             <a:endParaRPr/>
           </a:p>
@@ -10864,9 +11122,11 @@
       <p:sp>
         <p:nvSpPr>
           <p:cNvPr id="94" name="Google Shape;94;p17"/>
-          <p:cNvSpPr txBox="1"/>
+          <p:cNvSpPr txBox="1">
+            <a:spLocks noGrp="1"/>
+          </p:cNvSpPr>
           <p:nvPr>
-            <p:ph idx="1" type="body"/>
+            <p:ph type="body" idx="1"/>
           </p:nvPr>
         </p:nvSpPr>
         <p:spPr>
@@ -10879,12 +11139,12 @@
           </a:prstGeom>
         </p:spPr>
         <p:txBody>
-          <a:bodyPr anchorCtr="0" anchor="t" bIns="91425" lIns="91425" spcFirstLastPara="1" rIns="91425" wrap="square" tIns="91425">
+          <a:bodyPr spcFirstLastPara="1" wrap="square" lIns="91425" tIns="91425" rIns="91425" bIns="91425" anchor="t" anchorCtr="0">
             <a:noAutofit/>
           </a:bodyPr>
           <a:lstStyle/>
           <a:p>
-            <a:pPr indent="0" lvl="0" marL="0" rtl="0" algn="l">
+            <a:pPr marL="0" lvl="0" indent="0" algn="l" rtl="0">
               <a:spcBef>
                 <a:spcPts val="0"/>
               </a:spcBef>
@@ -10893,9 +11153,6 @@
               </a:spcAft>
               <a:buNone/>
             </a:pPr>
-            <a:r>
-              <a:t/>
-            </a:r>
             <a:endParaRPr/>
           </a:p>
         </p:txBody>
@@ -10937,11 +11194,11 @@
 </file>
 
 <file path=ppt/slides/slide6.xml><?xml version="1.0" encoding="utf-8"?>
-<p:sld xmlns:a="http://schemas.openxmlformats.org/drawingml/2006/main" xmlns:r="http://schemas.openxmlformats.org/officeDocument/2006/relationships" xmlns:mc="http://schemas.openxmlformats.org/markup-compatibility/2006" xmlns:mv="urn:schemas-microsoft-com:mac:vml" xmlns:p="http://schemas.openxmlformats.org/presentationml/2006/main" xmlns:c="http://schemas.openxmlformats.org/drawingml/2006/chart" xmlns:dgm="http://schemas.openxmlformats.org/drawingml/2006/diagram" xmlns:o="urn:schemas-microsoft-com:office:office" xmlns:v="urn:schemas-microsoft-com:vml" xmlns:pvml="urn:schemas-microsoft-com:office:powerpoint" xmlns:com="http://schemas.openxmlformats.org/drawingml/2006/compatibility" xmlns:p14="http://schemas.microsoft.com/office/powerpoint/2010/main" xmlns:p15="http://schemas.microsoft.com/office/powerpoint/2012/main" xmlns:ahyp="http://schemas.microsoft.com/office/drawing/2018/hyperlinkcolor">
+<p:sld xmlns:a="http://schemas.openxmlformats.org/drawingml/2006/main" xmlns:r="http://schemas.openxmlformats.org/officeDocument/2006/relationships" xmlns:p="http://schemas.openxmlformats.org/presentationml/2006/main">
   <p:cSld>
     <p:spTree>
       <p:nvGrpSpPr>
-        <p:cNvPr id="99" name="Shape 99"/>
+        <p:cNvPr id="1" name="Shape 99"/>
         <p:cNvGrpSpPr/>
         <p:nvPr/>
       </p:nvGrpSpPr>
@@ -10956,7 +11213,9 @@
       <p:sp>
         <p:nvSpPr>
           <p:cNvPr id="100" name="Google Shape;100;p18"/>
-          <p:cNvSpPr txBox="1"/>
+          <p:cNvSpPr txBox="1">
+            <a:spLocks noGrp="1"/>
+          </p:cNvSpPr>
           <p:nvPr>
             <p:ph type="title"/>
           </p:nvPr>
@@ -10971,12 +11230,12 @@
           </a:prstGeom>
         </p:spPr>
         <p:txBody>
-          <a:bodyPr anchorCtr="0" anchor="t" bIns="91425" lIns="91425" spcFirstLastPara="1" rIns="91425" wrap="square" tIns="91425">
+          <a:bodyPr spcFirstLastPara="1" wrap="square" lIns="91425" tIns="91425" rIns="91425" bIns="91425" anchor="t" anchorCtr="0">
             <a:noAutofit/>
           </a:bodyPr>
           <a:lstStyle/>
           <a:p>
-            <a:pPr indent="0" lvl="0" marL="0" rtl="0" algn="l">
+            <a:pPr marL="0" lvl="0" indent="0" algn="l" rtl="0">
               <a:spcBef>
                 <a:spcPts val="0"/>
               </a:spcBef>
@@ -10987,11 +11246,7 @@
             </a:pPr>
             <a:r>
               <a:rPr lang="zh-TW"/>
-              <a:t>C</a:t>
-            </a:r>
-            <a:r>
-              <a:rPr lang="zh-TW"/>
-              <a:t>hloride(氯化物)</a:t>
+              <a:t>Chloride(氯化物)</a:t>
             </a:r>
             <a:endParaRPr/>
           </a:p>
@@ -11000,9 +11255,11 @@
       <p:sp>
         <p:nvSpPr>
           <p:cNvPr id="101" name="Google Shape;101;p18"/>
-          <p:cNvSpPr txBox="1"/>
+          <p:cNvSpPr txBox="1">
+            <a:spLocks noGrp="1"/>
+          </p:cNvSpPr>
           <p:nvPr>
-            <p:ph idx="1" type="body"/>
+            <p:ph type="body" idx="1"/>
           </p:nvPr>
         </p:nvSpPr>
         <p:spPr>
@@ -11015,12 +11272,12 @@
           </a:prstGeom>
         </p:spPr>
         <p:txBody>
-          <a:bodyPr anchorCtr="0" anchor="t" bIns="91425" lIns="91425" spcFirstLastPara="1" rIns="91425" wrap="square" tIns="91425">
+          <a:bodyPr spcFirstLastPara="1" wrap="square" lIns="91425" tIns="91425" rIns="91425" bIns="91425" anchor="t" anchorCtr="0">
             <a:noAutofit/>
           </a:bodyPr>
           <a:lstStyle/>
           <a:p>
-            <a:pPr indent="0" lvl="0" marL="0" rtl="0" algn="l">
+            <a:pPr marL="0" lvl="0" indent="0" algn="l" rtl="0">
               <a:spcBef>
                 <a:spcPts val="0"/>
               </a:spcBef>
@@ -11029,9 +11286,6 @@
               </a:spcAft>
               <a:buNone/>
             </a:pPr>
-            <a:r>
-              <a:t/>
-            </a:r>
             <a:endParaRPr/>
           </a:p>
         </p:txBody>
@@ -11073,11 +11327,11 @@
 </file>
 
 <file path=ppt/slides/slide7.xml><?xml version="1.0" encoding="utf-8"?>
-<p:sld xmlns:a="http://schemas.openxmlformats.org/drawingml/2006/main" xmlns:r="http://schemas.openxmlformats.org/officeDocument/2006/relationships" xmlns:mc="http://schemas.openxmlformats.org/markup-compatibility/2006" xmlns:mv="urn:schemas-microsoft-com:mac:vml" xmlns:p="http://schemas.openxmlformats.org/presentationml/2006/main" xmlns:c="http://schemas.openxmlformats.org/drawingml/2006/chart" xmlns:dgm="http://schemas.openxmlformats.org/drawingml/2006/diagram" xmlns:o="urn:schemas-microsoft-com:office:office" xmlns:v="urn:schemas-microsoft-com:vml" xmlns:pvml="urn:schemas-microsoft-com:office:powerpoint" xmlns:com="http://schemas.openxmlformats.org/drawingml/2006/compatibility" xmlns:p14="http://schemas.microsoft.com/office/powerpoint/2010/main" xmlns:p15="http://schemas.microsoft.com/office/powerpoint/2012/main" xmlns:ahyp="http://schemas.microsoft.com/office/drawing/2018/hyperlinkcolor">
+<p:sld xmlns:a="http://schemas.openxmlformats.org/drawingml/2006/main" xmlns:r="http://schemas.openxmlformats.org/officeDocument/2006/relationships" xmlns:p="http://schemas.openxmlformats.org/presentationml/2006/main">
   <p:cSld>
     <p:spTree>
       <p:nvGrpSpPr>
-        <p:cNvPr id="106" name="Shape 106"/>
+        <p:cNvPr id="1" name="Shape 106"/>
         <p:cNvGrpSpPr/>
         <p:nvPr/>
       </p:nvGrpSpPr>
@@ -11092,7 +11346,9 @@
       <p:sp>
         <p:nvSpPr>
           <p:cNvPr id="107" name="Google Shape;107;p19"/>
-          <p:cNvSpPr txBox="1"/>
+          <p:cNvSpPr txBox="1">
+            <a:spLocks noGrp="1"/>
+          </p:cNvSpPr>
           <p:nvPr>
             <p:ph type="title"/>
           </p:nvPr>
@@ -11107,12 +11363,12 @@
           </a:prstGeom>
         </p:spPr>
         <p:txBody>
-          <a:bodyPr anchorCtr="0" anchor="t" bIns="91425" lIns="91425" spcFirstLastPara="1" rIns="91425" wrap="square" tIns="91425">
+          <a:bodyPr spcFirstLastPara="1" wrap="square" lIns="91425" tIns="91425" rIns="91425" bIns="91425" anchor="t" anchorCtr="0">
             <a:noAutofit/>
           </a:bodyPr>
           <a:lstStyle/>
           <a:p>
-            <a:pPr indent="0" lvl="0" marL="0" rtl="0" algn="l">
+            <a:pPr marL="0" lvl="0" indent="0" algn="l" rtl="0">
               <a:spcBef>
                 <a:spcPts val="0"/>
               </a:spcBef>
@@ -11132,9 +11388,11 @@
       <p:sp>
         <p:nvSpPr>
           <p:cNvPr id="108" name="Google Shape;108;p19"/>
-          <p:cNvSpPr txBox="1"/>
+          <p:cNvSpPr txBox="1">
+            <a:spLocks noGrp="1"/>
+          </p:cNvSpPr>
           <p:nvPr>
-            <p:ph idx="1" type="body"/>
+            <p:ph type="body" idx="1"/>
           </p:nvPr>
         </p:nvSpPr>
         <p:spPr>
@@ -11147,12 +11405,12 @@
           </a:prstGeom>
         </p:spPr>
         <p:txBody>
-          <a:bodyPr anchorCtr="0" anchor="t" bIns="91425" lIns="91425" spcFirstLastPara="1" rIns="91425" wrap="square" tIns="91425">
+          <a:bodyPr spcFirstLastPara="1" wrap="square" lIns="91425" tIns="91425" rIns="91425" bIns="91425" anchor="t" anchorCtr="0">
             <a:noAutofit/>
           </a:bodyPr>
           <a:lstStyle/>
           <a:p>
-            <a:pPr indent="0" lvl="0" marL="0" rtl="0" algn="l">
+            <a:pPr marL="0" lvl="0" indent="0" algn="l" rtl="0">
               <a:spcBef>
                 <a:spcPts val="0"/>
               </a:spcBef>
@@ -11161,9 +11419,6 @@
               </a:spcAft>
               <a:buNone/>
             </a:pPr>
-            <a:r>
-              <a:t/>
-            </a:r>
             <a:endParaRPr/>
           </a:p>
         </p:txBody>
@@ -11205,11 +11460,11 @@
 </file>
 
 <file path=ppt/slides/slide8.xml><?xml version="1.0" encoding="utf-8"?>
-<p:sld xmlns:a="http://schemas.openxmlformats.org/drawingml/2006/main" xmlns:r="http://schemas.openxmlformats.org/officeDocument/2006/relationships" xmlns:mc="http://schemas.openxmlformats.org/markup-compatibility/2006" xmlns:mv="urn:schemas-microsoft-com:mac:vml" xmlns:p="http://schemas.openxmlformats.org/presentationml/2006/main" xmlns:c="http://schemas.openxmlformats.org/drawingml/2006/chart" xmlns:dgm="http://schemas.openxmlformats.org/drawingml/2006/diagram" xmlns:o="urn:schemas-microsoft-com:office:office" xmlns:v="urn:schemas-microsoft-com:vml" xmlns:pvml="urn:schemas-microsoft-com:office:powerpoint" xmlns:com="http://schemas.openxmlformats.org/drawingml/2006/compatibility" xmlns:p14="http://schemas.microsoft.com/office/powerpoint/2010/main" xmlns:p15="http://schemas.microsoft.com/office/powerpoint/2012/main" xmlns:ahyp="http://schemas.microsoft.com/office/drawing/2018/hyperlinkcolor">
+<p:sld xmlns:a="http://schemas.openxmlformats.org/drawingml/2006/main" xmlns:r="http://schemas.openxmlformats.org/officeDocument/2006/relationships" xmlns:p="http://schemas.openxmlformats.org/presentationml/2006/main">
   <p:cSld>
     <p:spTree>
       <p:nvGrpSpPr>
-        <p:cNvPr id="113" name="Shape 113"/>
+        <p:cNvPr id="1" name="Shape 113"/>
         <p:cNvGrpSpPr/>
         <p:nvPr/>
       </p:nvGrpSpPr>
@@ -11224,7 +11479,9 @@
       <p:sp>
         <p:nvSpPr>
           <p:cNvPr id="114" name="Google Shape;114;p20"/>
-          <p:cNvSpPr txBox="1"/>
+          <p:cNvSpPr txBox="1">
+            <a:spLocks noGrp="1"/>
+          </p:cNvSpPr>
           <p:nvPr>
             <p:ph type="title"/>
           </p:nvPr>
@@ -11239,12 +11496,12 @@
           </a:prstGeom>
         </p:spPr>
         <p:txBody>
-          <a:bodyPr anchorCtr="0" anchor="t" bIns="91425" lIns="91425" spcFirstLastPara="1" rIns="91425" wrap="square" tIns="91425">
+          <a:bodyPr spcFirstLastPara="1" wrap="square" lIns="91425" tIns="91425" rIns="91425" bIns="91425" anchor="t" anchorCtr="0">
             <a:noAutofit/>
           </a:bodyPr>
           <a:lstStyle/>
           <a:p>
-            <a:pPr indent="0" lvl="0" marL="0" rtl="0" algn="l">
+            <a:pPr marL="0" lvl="0" indent="0" algn="l" rtl="0">
               <a:spcBef>
                 <a:spcPts val="0"/>
               </a:spcBef>
@@ -11255,11 +11512,7 @@
             </a:pPr>
             <a:r>
               <a:rPr lang="zh-TW"/>
-              <a:t>A</a:t>
-            </a:r>
-            <a:r>
-              <a:rPr lang="zh-TW"/>
-              <a:t>lcohol(酒精)</a:t>
+              <a:t>Alcohol(酒精)</a:t>
             </a:r>
             <a:endParaRPr/>
           </a:p>
@@ -11268,9 +11521,11 @@
       <p:sp>
         <p:nvSpPr>
           <p:cNvPr id="115" name="Google Shape;115;p20"/>
-          <p:cNvSpPr txBox="1"/>
+          <p:cNvSpPr txBox="1">
+            <a:spLocks noGrp="1"/>
+          </p:cNvSpPr>
           <p:nvPr>
-            <p:ph idx="1" type="body"/>
+            <p:ph type="body" idx="1"/>
           </p:nvPr>
         </p:nvSpPr>
         <p:spPr>
@@ -11283,12 +11538,12 @@
           </a:prstGeom>
         </p:spPr>
         <p:txBody>
-          <a:bodyPr anchorCtr="0" anchor="t" bIns="91425" lIns="91425" spcFirstLastPara="1" rIns="91425" wrap="square" tIns="91425">
+          <a:bodyPr spcFirstLastPara="1" wrap="square" lIns="91425" tIns="91425" rIns="91425" bIns="91425" anchor="t" anchorCtr="0">
             <a:noAutofit/>
           </a:bodyPr>
           <a:lstStyle/>
           <a:p>
-            <a:pPr indent="0" lvl="0" marL="0" rtl="0" algn="l">
+            <a:pPr marL="0" lvl="0" indent="0" algn="l" rtl="0">
               <a:spcBef>
                 <a:spcPts val="0"/>
               </a:spcBef>
@@ -11297,9 +11552,6 @@
               </a:spcAft>
               <a:buNone/>
             </a:pPr>
-            <a:r>
-              <a:t/>
-            </a:r>
             <a:endParaRPr/>
           </a:p>
         </p:txBody>
@@ -11341,11 +11593,11 @@
 </file>
 
 <file path=ppt/slides/slide9.xml><?xml version="1.0" encoding="utf-8"?>
-<p:sld xmlns:a="http://schemas.openxmlformats.org/drawingml/2006/main" xmlns:r="http://schemas.openxmlformats.org/officeDocument/2006/relationships" xmlns:mc="http://schemas.openxmlformats.org/markup-compatibility/2006" xmlns:mv="urn:schemas-microsoft-com:mac:vml" xmlns:p="http://schemas.openxmlformats.org/presentationml/2006/main" xmlns:c="http://schemas.openxmlformats.org/drawingml/2006/chart" xmlns:dgm="http://schemas.openxmlformats.org/drawingml/2006/diagram" xmlns:o="urn:schemas-microsoft-com:office:office" xmlns:v="urn:schemas-microsoft-com:vml" xmlns:pvml="urn:schemas-microsoft-com:office:powerpoint" xmlns:com="http://schemas.openxmlformats.org/drawingml/2006/compatibility" xmlns:p14="http://schemas.microsoft.com/office/powerpoint/2010/main" xmlns:p15="http://schemas.microsoft.com/office/powerpoint/2012/main" xmlns:ahyp="http://schemas.microsoft.com/office/drawing/2018/hyperlinkcolor">
+<p:sld xmlns:a="http://schemas.openxmlformats.org/drawingml/2006/main" xmlns:r="http://schemas.openxmlformats.org/officeDocument/2006/relationships" xmlns:p="http://schemas.openxmlformats.org/presentationml/2006/main">
   <p:cSld>
     <p:spTree>
       <p:nvGrpSpPr>
-        <p:cNvPr id="120" name="Shape 120"/>
+        <p:cNvPr id="1" name="Shape 120"/>
         <p:cNvGrpSpPr/>
         <p:nvPr/>
       </p:nvGrpSpPr>
@@ -11360,7 +11612,9 @@
       <p:sp>
         <p:nvSpPr>
           <p:cNvPr id="121" name="Google Shape;121;p21"/>
-          <p:cNvSpPr txBox="1"/>
+          <p:cNvSpPr txBox="1">
+            <a:spLocks noGrp="1"/>
+          </p:cNvSpPr>
           <p:nvPr>
             <p:ph type="title"/>
           </p:nvPr>
@@ -11375,12 +11629,12 @@
           </a:prstGeom>
         </p:spPr>
         <p:txBody>
-          <a:bodyPr anchorCtr="0" anchor="t" bIns="91425" lIns="91425" spcFirstLastPara="1" rIns="91425" wrap="square" tIns="91425">
+          <a:bodyPr spcFirstLastPara="1" wrap="square" lIns="91425" tIns="91425" rIns="91425" bIns="91425" anchor="t" anchorCtr="0">
             <a:noAutofit/>
           </a:bodyPr>
           <a:lstStyle/>
           <a:p>
-            <a:pPr indent="0" lvl="0" marL="0" rtl="0" algn="l">
+            <a:pPr marL="0" lvl="0" indent="0" algn="l" rtl="0">
               <a:spcBef>
                 <a:spcPts val="0"/>
               </a:spcBef>
@@ -11389,9 +11643,6 @@
               </a:spcAft>
               <a:buNone/>
             </a:pPr>
-            <a:r>
-              <a:t/>
-            </a:r>
             <a:endParaRPr/>
           </a:p>
         </p:txBody>
@@ -11399,9 +11650,11 @@
       <p:sp>
         <p:nvSpPr>
           <p:cNvPr id="122" name="Google Shape;122;p21"/>
-          <p:cNvSpPr txBox="1"/>
+          <p:cNvSpPr txBox="1">
+            <a:spLocks noGrp="1"/>
+          </p:cNvSpPr>
           <p:nvPr>
-            <p:ph idx="1" type="body"/>
+            <p:ph type="body" idx="1"/>
           </p:nvPr>
         </p:nvSpPr>
         <p:spPr>
@@ -11414,12 +11667,12 @@
           </a:prstGeom>
         </p:spPr>
         <p:txBody>
-          <a:bodyPr anchorCtr="0" anchor="t" bIns="91425" lIns="91425" spcFirstLastPara="1" rIns="91425" wrap="square" tIns="91425">
+          <a:bodyPr spcFirstLastPara="1" wrap="square" lIns="91425" tIns="91425" rIns="91425" bIns="91425" anchor="t" anchorCtr="0">
             <a:noAutofit/>
           </a:bodyPr>
           <a:lstStyle/>
           <a:p>
-            <a:pPr indent="0" lvl="0" marL="0" rtl="0" algn="l">
+            <a:pPr marL="0" lvl="0" indent="0" algn="l" rtl="0">
               <a:spcBef>
                 <a:spcPts val="0"/>
               </a:spcBef>
@@ -11428,9 +11681,6 @@
               </a:spcAft>
               <a:buNone/>
             </a:pPr>
-            <a:r>
-              <a:t/>
-            </a:r>
             <a:endParaRPr/>
           </a:p>
         </p:txBody>
@@ -11472,7 +11722,7 @@
 </file>
 
 <file path=ppt/theme/theme1.xml><?xml version="1.0" encoding="utf-8"?>
-<a:theme xmlns:a="http://schemas.openxmlformats.org/drawingml/2006/main" xmlns:r="http://schemas.openxmlformats.org/officeDocument/2006/relationships" name="Tropic">
+<a:theme xmlns:a="http://schemas.openxmlformats.org/drawingml/2006/main" name="Tropic">
   <a:themeElements>
     <a:clrScheme name="Tropic">
       <a:dk1>
@@ -11747,11 +11997,13 @@
       </a:bgFillStyleLst>
     </a:fmtScheme>
   </a:themeElements>
+  <a:objectDefaults/>
+  <a:extraClrSchemeLst/>
 </a:theme>
 </file>
 
 <file path=ppt/theme/theme2.xml><?xml version="1.0" encoding="utf-8"?>
-<a:theme xmlns:a="http://schemas.openxmlformats.org/drawingml/2006/main" xmlns:r="http://schemas.openxmlformats.org/officeDocument/2006/relationships">
+<a:theme xmlns:a="http://schemas.openxmlformats.org/drawingml/2006/main">
   <a:themeElements>
     <a:clrScheme name="Default">
       <a:dk1>
@@ -12026,5 +12278,7 @@
       </a:bgFillStyleLst>
     </a:fmtScheme>
   </a:themeElements>
+  <a:objectDefaults/>
+  <a:extraClrSchemeLst/>
 </a:theme>
 </file>